--- a/final/presentation.pptx
+++ b/final/presentation.pptx
@@ -2,20 +2,20 @@
 <file path=ppt/presentation.xml><?xml version="1.0" encoding="utf-8"?>
 <p:presentation xmlns:a="http://schemas.openxmlformats.org/drawingml/2006/main" xmlns:r="http://schemas.openxmlformats.org/officeDocument/2006/relationships" xmlns:p="http://schemas.openxmlformats.org/presentationml/2006/main" saveSubsetFonts="1">
   <p:sldMasterIdLst>
-    <p:sldMasterId id="2147483648" r:id="rId1"/>
+    <p:sldMasterId id="2147483732" r:id="rId1"/>
   </p:sldMasterIdLst>
   <p:sldIdLst>
     <p:sldId id="256" r:id="rId2"/>
     <p:sldId id="257" r:id="rId3"/>
     <p:sldId id="258" r:id="rId4"/>
-    <p:sldId id="260" r:id="rId5"/>
-    <p:sldId id="259" r:id="rId6"/>
-    <p:sldId id="265" r:id="rId7"/>
-    <p:sldId id="261" r:id="rId8"/>
-    <p:sldId id="262" r:id="rId9"/>
-    <p:sldId id="263" r:id="rId10"/>
-    <p:sldId id="268" r:id="rId11"/>
-    <p:sldId id="264" r:id="rId12"/>
+    <p:sldId id="270" r:id="rId5"/>
+    <p:sldId id="271" r:id="rId6"/>
+    <p:sldId id="260" r:id="rId7"/>
+    <p:sldId id="259" r:id="rId8"/>
+    <p:sldId id="265" r:id="rId9"/>
+    <p:sldId id="262" r:id="rId10"/>
+    <p:sldId id="263" r:id="rId11"/>
+    <p:sldId id="268" r:id="rId12"/>
     <p:sldId id="266" r:id="rId13"/>
     <p:sldId id="267" r:id="rId14"/>
     <p:sldId id="269" r:id="rId15"/>
@@ -26,7 +26,7 @@
     <a:defPPr>
       <a:defRPr lang="en-US"/>
     </a:defPPr>
-    <a:lvl1pPr marL="0" algn="l" defTabSz="914400" rtl="0" eaLnBrk="1" latinLnBrk="0" hangingPunct="1">
+    <a:lvl1pPr marL="0" algn="l" defTabSz="457200" rtl="0" eaLnBrk="1" latinLnBrk="0" hangingPunct="1">
       <a:defRPr sz="1800" kern="1200">
         <a:solidFill>
           <a:schemeClr val="tx1"/>
@@ -36,7 +36,7 @@
         <a:cs typeface="+mn-cs"/>
       </a:defRPr>
     </a:lvl1pPr>
-    <a:lvl2pPr marL="457200" algn="l" defTabSz="914400" rtl="0" eaLnBrk="1" latinLnBrk="0" hangingPunct="1">
+    <a:lvl2pPr marL="457200" algn="l" defTabSz="457200" rtl="0" eaLnBrk="1" latinLnBrk="0" hangingPunct="1">
       <a:defRPr sz="1800" kern="1200">
         <a:solidFill>
           <a:schemeClr val="tx1"/>
@@ -46,7 +46,7 @@
         <a:cs typeface="+mn-cs"/>
       </a:defRPr>
     </a:lvl2pPr>
-    <a:lvl3pPr marL="914400" algn="l" defTabSz="914400" rtl="0" eaLnBrk="1" latinLnBrk="0" hangingPunct="1">
+    <a:lvl3pPr marL="914400" algn="l" defTabSz="457200" rtl="0" eaLnBrk="1" latinLnBrk="0" hangingPunct="1">
       <a:defRPr sz="1800" kern="1200">
         <a:solidFill>
           <a:schemeClr val="tx1"/>
@@ -56,7 +56,7 @@
         <a:cs typeface="+mn-cs"/>
       </a:defRPr>
     </a:lvl3pPr>
-    <a:lvl4pPr marL="1371600" algn="l" defTabSz="914400" rtl="0" eaLnBrk="1" latinLnBrk="0" hangingPunct="1">
+    <a:lvl4pPr marL="1371600" algn="l" defTabSz="457200" rtl="0" eaLnBrk="1" latinLnBrk="0" hangingPunct="1">
       <a:defRPr sz="1800" kern="1200">
         <a:solidFill>
           <a:schemeClr val="tx1"/>
@@ -66,7 +66,7 @@
         <a:cs typeface="+mn-cs"/>
       </a:defRPr>
     </a:lvl4pPr>
-    <a:lvl5pPr marL="1828800" algn="l" defTabSz="914400" rtl="0" eaLnBrk="1" latinLnBrk="0" hangingPunct="1">
+    <a:lvl5pPr marL="1828800" algn="l" defTabSz="457200" rtl="0" eaLnBrk="1" latinLnBrk="0" hangingPunct="1">
       <a:defRPr sz="1800" kern="1200">
         <a:solidFill>
           <a:schemeClr val="tx1"/>
@@ -76,7 +76,7 @@
         <a:cs typeface="+mn-cs"/>
       </a:defRPr>
     </a:lvl5pPr>
-    <a:lvl6pPr marL="2286000" algn="l" defTabSz="914400" rtl="0" eaLnBrk="1" latinLnBrk="0" hangingPunct="1">
+    <a:lvl6pPr marL="2286000" algn="l" defTabSz="457200" rtl="0" eaLnBrk="1" latinLnBrk="0" hangingPunct="1">
       <a:defRPr sz="1800" kern="1200">
         <a:solidFill>
           <a:schemeClr val="tx1"/>
@@ -86,7 +86,7 @@
         <a:cs typeface="+mn-cs"/>
       </a:defRPr>
     </a:lvl6pPr>
-    <a:lvl7pPr marL="2743200" algn="l" defTabSz="914400" rtl="0" eaLnBrk="1" latinLnBrk="0" hangingPunct="1">
+    <a:lvl7pPr marL="2743200" algn="l" defTabSz="457200" rtl="0" eaLnBrk="1" latinLnBrk="0" hangingPunct="1">
       <a:defRPr sz="1800" kern="1200">
         <a:solidFill>
           <a:schemeClr val="tx1"/>
@@ -96,7 +96,7 @@
         <a:cs typeface="+mn-cs"/>
       </a:defRPr>
     </a:lvl7pPr>
-    <a:lvl8pPr marL="3200400" algn="l" defTabSz="914400" rtl="0" eaLnBrk="1" latinLnBrk="0" hangingPunct="1">
+    <a:lvl8pPr marL="3200400" algn="l" defTabSz="457200" rtl="0" eaLnBrk="1" latinLnBrk="0" hangingPunct="1">
       <a:defRPr sz="1800" kern="1200">
         <a:solidFill>
           <a:schemeClr val="tx1"/>
@@ -106,7 +106,7 @@
         <a:cs typeface="+mn-cs"/>
       </a:defRPr>
     </a:lvl8pPr>
-    <a:lvl9pPr marL="3657600" algn="l" defTabSz="914400" rtl="0" eaLnBrk="1" latinLnBrk="0" hangingPunct="1">
+    <a:lvl9pPr marL="3657600" algn="l" defTabSz="457200" rtl="0" eaLnBrk="1" latinLnBrk="0" hangingPunct="1">
       <a:defRPr sz="1800" kern="1200">
         <a:solidFill>
           <a:schemeClr val="tx1"/>
@@ -128,7 +128,7 @@
 <file path=ppt/revisionInfo.xml><?xml version="1.0" encoding="utf-8"?>
 <p1510:revInfo xmlns:a="http://schemas.openxmlformats.org/drawingml/2006/main" xmlns:r="http://schemas.openxmlformats.org/officeDocument/2006/relationships" xmlns:p1510="http://schemas.microsoft.com/office/powerpoint/2015/10/main">
   <p1510:revLst>
-    <p1510:client id="{A70720B3-2D8B-4EC5-B7CD-FAFDFB283F78}" v="77" dt="2020-05-03T05:19:01.993"/>
+    <p1510:client id="{A70720B3-2D8B-4EC5-B7CD-FAFDFB283F78}" v="178" dt="2020-05-08T02:52:26.333"/>
   </p1510:revLst>
 </p1510:revInfo>
 </file>
@@ -137,28 +137,68 @@
 <pc:chgInfo xmlns:a="http://schemas.openxmlformats.org/drawingml/2006/main" xmlns:r="http://schemas.openxmlformats.org/officeDocument/2006/relationships" xmlns:ac="http://schemas.microsoft.com/office/drawing/2013/main/command" xmlns:pc="http://schemas.microsoft.com/office/powerpoint/2013/main/command">
   <pc:docChgLst>
     <pc:chgData name="Erik Lopez" userId="5fe6fa7f7cb912b1" providerId="LiveId" clId="{A70720B3-2D8B-4EC5-B7CD-FAFDFB283F78}"/>
-    <pc:docChg chg="undo custSel mod addSld modSld sldOrd">
-      <pc:chgData name="Erik Lopez" userId="5fe6fa7f7cb912b1" providerId="LiveId" clId="{A70720B3-2D8B-4EC5-B7CD-FAFDFB283F78}" dt="2020-05-03T05:19:10.106" v="3397" actId="20577"/>
+    <pc:docChg chg="undo custSel mod addSld delSld modSld sldOrd">
+      <pc:chgData name="Erik Lopez" userId="5fe6fa7f7cb912b1" providerId="LiveId" clId="{A70720B3-2D8B-4EC5-B7CD-FAFDFB283F78}" dt="2020-05-08T14:10:40.904" v="6796" actId="20577"/>
       <pc:docMkLst>
         <pc:docMk/>
       </pc:docMkLst>
-      <pc:sldChg chg="modSp">
-        <pc:chgData name="Erik Lopez" userId="5fe6fa7f7cb912b1" providerId="LiveId" clId="{A70720B3-2D8B-4EC5-B7CD-FAFDFB283F78}" dt="2020-05-03T02:42:32.423" v="488" actId="20577"/>
+      <pc:sldChg chg="addSp delSp modSp mod setBg delDesignElem">
+        <pc:chgData name="Erik Lopez" userId="5fe6fa7f7cb912b1" providerId="LiveId" clId="{A70720B3-2D8B-4EC5-B7CD-FAFDFB283F78}" dt="2020-05-07T03:07:07.974" v="4614" actId="20577"/>
         <pc:sldMkLst>
           <pc:docMk/>
           <pc:sldMk cId="3056828164" sldId="256"/>
         </pc:sldMkLst>
         <pc:spChg chg="mod">
-          <ac:chgData name="Erik Lopez" userId="5fe6fa7f7cb912b1" providerId="LiveId" clId="{A70720B3-2D8B-4EC5-B7CD-FAFDFB283F78}" dt="2020-05-03T02:42:32.423" v="488" actId="20577"/>
+          <ac:chgData name="Erik Lopez" userId="5fe6fa7f7cb912b1" providerId="LiveId" clId="{A70720B3-2D8B-4EC5-B7CD-FAFDFB283F78}" dt="2020-05-07T03:07:07.974" v="4614" actId="20577"/>
           <ac:spMkLst>
             <pc:docMk/>
             <pc:sldMk cId="3056828164" sldId="256"/>
             <ac:spMk id="2" creationId="{6D39D02C-DEF6-410A-A97F-DEA628709B86}"/>
           </ac:spMkLst>
         </pc:spChg>
+        <pc:spChg chg="mod">
+          <ac:chgData name="Erik Lopez" userId="5fe6fa7f7cb912b1" providerId="LiveId" clId="{A70720B3-2D8B-4EC5-B7CD-FAFDFB283F78}" dt="2020-05-06T17:41:12.581" v="3767" actId="26606"/>
+          <ac:spMkLst>
+            <pc:docMk/>
+            <pc:sldMk cId="3056828164" sldId="256"/>
+            <ac:spMk id="3" creationId="{2B07903E-65BA-4B23-8DBF-4CFF3F923AA5}"/>
+          </ac:spMkLst>
+        </pc:spChg>
+        <pc:spChg chg="add">
+          <ac:chgData name="Erik Lopez" userId="5fe6fa7f7cb912b1" providerId="LiveId" clId="{A70720B3-2D8B-4EC5-B7CD-FAFDFB283F78}" dt="2020-05-06T17:41:12.581" v="3767" actId="26606"/>
+          <ac:spMkLst>
+            <pc:docMk/>
+            <pc:sldMk cId="3056828164" sldId="256"/>
+            <ac:spMk id="5" creationId="{FBDCECDC-EEE3-4128-AA5E-82A8C08796E8}"/>
+          </ac:spMkLst>
+        </pc:spChg>
+        <pc:spChg chg="add del">
+          <ac:chgData name="Erik Lopez" userId="5fe6fa7f7cb912b1" providerId="LiveId" clId="{A70720B3-2D8B-4EC5-B7CD-FAFDFB283F78}" dt="2020-05-04T04:27:59.359" v="3413"/>
+          <ac:spMkLst>
+            <pc:docMk/>
+            <pc:sldMk cId="3056828164" sldId="256"/>
+            <ac:spMk id="8" creationId="{B734FEF0-069B-48C5-BACF-9716F0301236}"/>
+          </ac:spMkLst>
+        </pc:spChg>
+        <pc:spChg chg="add">
+          <ac:chgData name="Erik Lopez" userId="5fe6fa7f7cb912b1" providerId="LiveId" clId="{A70720B3-2D8B-4EC5-B7CD-FAFDFB283F78}" dt="2020-05-06T17:41:12.581" v="3767" actId="26606"/>
+          <ac:spMkLst>
+            <pc:docMk/>
+            <pc:sldMk cId="3056828164" sldId="256"/>
+            <ac:spMk id="10" creationId="{4260EDE0-989C-4E16-AF94-F652294D828E}"/>
+          </ac:spMkLst>
+        </pc:spChg>
+        <pc:spChg chg="add">
+          <ac:chgData name="Erik Lopez" userId="5fe6fa7f7cb912b1" providerId="LiveId" clId="{A70720B3-2D8B-4EC5-B7CD-FAFDFB283F78}" dt="2020-05-06T17:41:12.581" v="3767" actId="26606"/>
+          <ac:spMkLst>
+            <pc:docMk/>
+            <pc:sldMk cId="3056828164" sldId="256"/>
+            <ac:spMk id="12" creationId="{1F3985C0-E548-44D2-B30E-F3E42DADE133}"/>
+          </ac:spMkLst>
+        </pc:spChg>
       </pc:sldChg>
       <pc:sldChg chg="addSp delSp modSp add mod setBg">
-        <pc:chgData name="Erik Lopez" userId="5fe6fa7f7cb912b1" providerId="LiveId" clId="{A70720B3-2D8B-4EC5-B7CD-FAFDFB283F78}" dt="2020-05-03T04:10:39.723" v="1222"/>
+        <pc:chgData name="Erik Lopez" userId="5fe6fa7f7cb912b1" providerId="LiveId" clId="{A70720B3-2D8B-4EC5-B7CD-FAFDFB283F78}" dt="2020-05-08T03:18:40.948" v="6758" actId="20577"/>
         <pc:sldMkLst>
           <pc:docMk/>
           <pc:sldMk cId="3251282566" sldId="257"/>
@@ -180,7 +220,7 @@
           </ac:spMkLst>
         </pc:spChg>
         <pc:spChg chg="add mod">
-          <ac:chgData name="Erik Lopez" userId="5fe6fa7f7cb912b1" providerId="LiveId" clId="{A70720B3-2D8B-4EC5-B7CD-FAFDFB283F78}" dt="2020-05-03T03:26:20.494" v="768" actId="20577"/>
+          <ac:chgData name="Erik Lopez" userId="5fe6fa7f7cb912b1" providerId="LiveId" clId="{A70720B3-2D8B-4EC5-B7CD-FAFDFB283F78}" dt="2020-05-08T03:18:40.948" v="6758" actId="20577"/>
           <ac:spMkLst>
             <pc:docMk/>
             <pc:sldMk cId="3251282566" sldId="257"/>
@@ -188,7 +228,7 @@
           </ac:spMkLst>
         </pc:spChg>
         <pc:spChg chg="add mod">
-          <ac:chgData name="Erik Lopez" userId="5fe6fa7f7cb912b1" providerId="LiveId" clId="{A70720B3-2D8B-4EC5-B7CD-FAFDFB283F78}" dt="2020-05-03T03:26:01.551" v="735"/>
+          <ac:chgData name="Erik Lopez" userId="5fe6fa7f7cb912b1" providerId="LiveId" clId="{A70720B3-2D8B-4EC5-B7CD-FAFDFB283F78}" dt="2020-05-07T03:08:18.510" v="4638" actId="27636"/>
           <ac:spMkLst>
             <pc:docMk/>
             <pc:sldMk cId="3251282566" sldId="257"/>
@@ -203,8 +243,8 @@
             <ac:spMk id="6" creationId="{FA6E3676-8AA3-49BF-B56C-BFF2D07AC616}"/>
           </ac:spMkLst>
         </pc:spChg>
-        <pc:spChg chg="add mod">
-          <ac:chgData name="Erik Lopez" userId="5fe6fa7f7cb912b1" providerId="LiveId" clId="{A70720B3-2D8B-4EC5-B7CD-FAFDFB283F78}" dt="2020-05-03T04:10:39.723" v="1222"/>
+        <pc:spChg chg="add del mod">
+          <ac:chgData name="Erik Lopez" userId="5fe6fa7f7cb912b1" providerId="LiveId" clId="{A70720B3-2D8B-4EC5-B7CD-FAFDFB283F78}" dt="2020-05-04T04:26:29.113" v="3401"/>
           <ac:spMkLst>
             <pc:docMk/>
             <pc:sldMk cId="3251282566" sldId="257"/>
@@ -212,6 +252,14 @@
           </ac:spMkLst>
         </pc:spChg>
         <pc:spChg chg="add del">
+          <ac:chgData name="Erik Lopez" userId="5fe6fa7f7cb912b1" providerId="LiveId" clId="{A70720B3-2D8B-4EC5-B7CD-FAFDFB283F78}" dt="2020-05-04T04:27:25.790" v="3411" actId="26606"/>
+          <ac:spMkLst>
+            <pc:docMk/>
+            <pc:sldMk cId="3251282566" sldId="257"/>
+            <ac:spMk id="10" creationId="{A6F05DDE-5F2C-44F5-BACC-DED4737B11B8}"/>
+          </ac:spMkLst>
+        </pc:spChg>
+        <pc:spChg chg="add del">
           <ac:chgData name="Erik Lopez" userId="5fe6fa7f7cb912b1" providerId="LiveId" clId="{A70720B3-2D8B-4EC5-B7CD-FAFDFB283F78}" dt="2020-05-02T22:16:22.070" v="39" actId="26606"/>
           <ac:spMkLst>
             <pc:docMk/>
@@ -220,6 +268,14 @@
           </ac:spMkLst>
         </pc:spChg>
         <pc:spChg chg="add del">
+          <ac:chgData name="Erik Lopez" userId="5fe6fa7f7cb912b1" providerId="LiveId" clId="{A70720B3-2D8B-4EC5-B7CD-FAFDFB283F78}" dt="2020-05-04T04:27:25.790" v="3411" actId="26606"/>
+          <ac:spMkLst>
+            <pc:docMk/>
+            <pc:sldMk cId="3251282566" sldId="257"/>
+            <ac:spMk id="12" creationId="{B734FEF0-069B-48C5-BACF-9716F0301236}"/>
+          </ac:spMkLst>
+        </pc:spChg>
+        <pc:spChg chg="add del">
           <ac:chgData name="Erik Lopez" userId="5fe6fa7f7cb912b1" providerId="LiveId" clId="{A70720B3-2D8B-4EC5-B7CD-FAFDFB283F78}" dt="2020-05-02T22:16:22.070" v="39" actId="26606"/>
           <ac:spMkLst>
             <pc:docMk/>
@@ -253,13 +309,13 @@
         </pc:spChg>
       </pc:sldChg>
       <pc:sldChg chg="addSp delSp modSp add">
-        <pc:chgData name="Erik Lopez" userId="5fe6fa7f7cb912b1" providerId="LiveId" clId="{A70720B3-2D8B-4EC5-B7CD-FAFDFB283F78}" dt="2020-05-03T04:46:31.349" v="2335" actId="400"/>
+        <pc:chgData name="Erik Lopez" userId="5fe6fa7f7cb912b1" providerId="LiveId" clId="{A70720B3-2D8B-4EC5-B7CD-FAFDFB283F78}" dt="2020-05-08T14:10:40.904" v="6796" actId="20577"/>
         <pc:sldMkLst>
           <pc:docMk/>
           <pc:sldMk cId="2790466995" sldId="258"/>
         </pc:sldMkLst>
         <pc:spChg chg="mod">
-          <ac:chgData name="Erik Lopez" userId="5fe6fa7f7cb912b1" providerId="LiveId" clId="{A70720B3-2D8B-4EC5-B7CD-FAFDFB283F78}" dt="2020-05-03T04:06:01.217" v="835" actId="20577"/>
+          <ac:chgData name="Erik Lopez" userId="5fe6fa7f7cb912b1" providerId="LiveId" clId="{A70720B3-2D8B-4EC5-B7CD-FAFDFB283F78}" dt="2020-05-06T17:47:03.477" v="3812" actId="20577"/>
           <ac:spMkLst>
             <pc:docMk/>
             <pc:sldMk cId="2790466995" sldId="258"/>
@@ -267,7 +323,7 @@
           </ac:spMkLst>
         </pc:spChg>
         <pc:spChg chg="mod">
-          <ac:chgData name="Erik Lopez" userId="5fe6fa7f7cb912b1" providerId="LiveId" clId="{A70720B3-2D8B-4EC5-B7CD-FAFDFB283F78}" dt="2020-05-03T04:46:31.349" v="2335" actId="400"/>
+          <ac:chgData name="Erik Lopez" userId="5fe6fa7f7cb912b1" providerId="LiveId" clId="{A70720B3-2D8B-4EC5-B7CD-FAFDFB283F78}" dt="2020-05-08T14:10:40.904" v="6796" actId="20577"/>
           <ac:spMkLst>
             <pc:docMk/>
             <pc:sldMk cId="2790466995" sldId="258"/>
@@ -283,7 +339,7 @@
           </ac:spMkLst>
         </pc:spChg>
         <pc:spChg chg="add mod">
-          <ac:chgData name="Erik Lopez" userId="5fe6fa7f7cb912b1" providerId="LiveId" clId="{A70720B3-2D8B-4EC5-B7CD-FAFDFB283F78}" dt="2020-05-03T04:44:11.297" v="2151" actId="27636"/>
+          <ac:chgData name="Erik Lopez" userId="5fe6fa7f7cb912b1" providerId="LiveId" clId="{A70720B3-2D8B-4EC5-B7CD-FAFDFB283F78}" dt="2020-05-08T01:01:22.234" v="4932" actId="1076"/>
           <ac:spMkLst>
             <pc:docMk/>
             <pc:sldMk cId="2790466995" sldId="258"/>
@@ -291,20 +347,28 @@
           </ac:spMkLst>
         </pc:spChg>
       </pc:sldChg>
-      <pc:sldChg chg="addSp delSp modSp add">
-        <pc:chgData name="Erik Lopez" userId="5fe6fa7f7cb912b1" providerId="LiveId" clId="{A70720B3-2D8B-4EC5-B7CD-FAFDFB283F78}" dt="2020-05-03T04:20:13.130" v="1607" actId="20577"/>
+      <pc:sldChg chg="addSp delSp modSp add mod setBg">
+        <pc:chgData name="Erik Lopez" userId="5fe6fa7f7cb912b1" providerId="LiveId" clId="{A70720B3-2D8B-4EC5-B7CD-FAFDFB283F78}" dt="2020-05-08T01:47:29.928" v="5288" actId="115"/>
         <pc:sldMkLst>
           <pc:docMk/>
           <pc:sldMk cId="1590110053" sldId="259"/>
         </pc:sldMkLst>
         <pc:spChg chg="mod">
-          <ac:chgData name="Erik Lopez" userId="5fe6fa7f7cb912b1" providerId="LiveId" clId="{A70720B3-2D8B-4EC5-B7CD-FAFDFB283F78}" dt="2020-05-03T04:20:13.130" v="1607" actId="20577"/>
+          <ac:chgData name="Erik Lopez" userId="5fe6fa7f7cb912b1" providerId="LiveId" clId="{A70720B3-2D8B-4EC5-B7CD-FAFDFB283F78}" dt="2020-05-08T01:47:22.048" v="5286" actId="26606"/>
           <ac:spMkLst>
             <pc:docMk/>
             <pc:sldMk cId="1590110053" sldId="259"/>
             <ac:spMk id="2" creationId="{9E74DB29-C49A-453B-9157-8D5AC3D9BBA5}"/>
           </ac:spMkLst>
         </pc:spChg>
+        <pc:spChg chg="add del mod">
+          <ac:chgData name="Erik Lopez" userId="5fe6fa7f7cb912b1" providerId="LiveId" clId="{A70720B3-2D8B-4EC5-B7CD-FAFDFB283F78}" dt="2020-05-06T17:56:25.581" v="3959"/>
+          <ac:spMkLst>
+            <pc:docMk/>
+            <pc:sldMk cId="1590110053" sldId="259"/>
+            <ac:spMk id="3" creationId="{C0408401-F1C2-46A6-BF41-05BDA54FADC7}"/>
+          </ac:spMkLst>
+        </pc:spChg>
         <pc:spChg chg="del">
           <ac:chgData name="Erik Lopez" userId="5fe6fa7f7cb912b1" providerId="LiveId" clId="{A70720B3-2D8B-4EC5-B7CD-FAFDFB283F78}" dt="2020-05-03T04:12:15.962" v="1258"/>
           <ac:spMkLst>
@@ -321,6 +385,14 @@
             <ac:spMk id="4" creationId="{56AFA208-16B0-4139-A818-3CAF0DB85F76}"/>
           </ac:spMkLst>
         </pc:spChg>
+        <pc:spChg chg="add mod ord">
+          <ac:chgData name="Erik Lopez" userId="5fe6fa7f7cb912b1" providerId="LiveId" clId="{A70720B3-2D8B-4EC5-B7CD-FAFDFB283F78}" dt="2020-05-08T01:47:29.928" v="5288" actId="115"/>
+          <ac:spMkLst>
+            <pc:docMk/>
+            <pc:sldMk cId="1590110053" sldId="259"/>
+            <ac:spMk id="4" creationId="{AE2F01B3-597B-46D7-B9D0-F01F32F8E4B0}"/>
+          </ac:spMkLst>
+        </pc:spChg>
         <pc:spChg chg="add del">
           <ac:chgData name="Erik Lopez" userId="5fe6fa7f7cb912b1" providerId="LiveId" clId="{A70720B3-2D8B-4EC5-B7CD-FAFDFB283F78}" dt="2020-05-03T04:19:59.952" v="1600"/>
           <ac:spMkLst>
@@ -329,31 +401,167 @@
             <ac:spMk id="5" creationId="{1E89BB66-B611-4D41-A122-7C4B61E1E472}"/>
           </ac:spMkLst>
         </pc:spChg>
-        <pc:picChg chg="add mod">
-          <ac:chgData name="Erik Lopez" userId="5fe6fa7f7cb912b1" providerId="LiveId" clId="{A70720B3-2D8B-4EC5-B7CD-FAFDFB283F78}" dt="2020-05-03T04:19:24.648" v="1585" actId="14100"/>
+        <pc:spChg chg="add del mod">
+          <ac:chgData name="Erik Lopez" userId="5fe6fa7f7cb912b1" providerId="LiveId" clId="{A70720B3-2D8B-4EC5-B7CD-FAFDFB283F78}" dt="2020-05-06T17:56:29.603" v="3960" actId="478"/>
+          <ac:spMkLst>
+            <pc:docMk/>
+            <pc:sldMk cId="1590110053" sldId="259"/>
+            <ac:spMk id="5" creationId="{FF6E0BD0-9CFE-44A2-9E72-22CAA246A451}"/>
+          </ac:spMkLst>
+        </pc:spChg>
+        <pc:spChg chg="add del mod">
+          <ac:chgData name="Erik Lopez" userId="5fe6fa7f7cb912b1" providerId="LiveId" clId="{A70720B3-2D8B-4EC5-B7CD-FAFDFB283F78}" dt="2020-05-06T17:57:24.878" v="4030"/>
+          <ac:spMkLst>
+            <pc:docMk/>
+            <pc:sldMk cId="1590110053" sldId="259"/>
+            <ac:spMk id="6" creationId="{C5270DE2-9466-4E36-8AEE-EC34636A711A}"/>
+          </ac:spMkLst>
+        </pc:spChg>
+        <pc:spChg chg="add del mod">
+          <ac:chgData name="Erik Lopez" userId="5fe6fa7f7cb912b1" providerId="LiveId" clId="{A70720B3-2D8B-4EC5-B7CD-FAFDFB283F78}" dt="2020-05-06T17:57:24.878" v="4030"/>
+          <ac:spMkLst>
+            <pc:docMk/>
+            <pc:sldMk cId="1590110053" sldId="259"/>
+            <ac:spMk id="7" creationId="{CEA03EC1-F112-4EF0-8F7B-4564D5232FEB}"/>
+          </ac:spMkLst>
+        </pc:spChg>
+        <pc:spChg chg="add del mod">
+          <ac:chgData name="Erik Lopez" userId="5fe6fa7f7cb912b1" providerId="LiveId" clId="{A70720B3-2D8B-4EC5-B7CD-FAFDFB283F78}" dt="2020-05-06T17:57:24.878" v="4030"/>
+          <ac:spMkLst>
+            <pc:docMk/>
+            <pc:sldMk cId="1590110053" sldId="259"/>
+            <ac:spMk id="8" creationId="{7FD0C507-411E-448B-B0F6-1931C491B9BB}"/>
+          </ac:spMkLst>
+        </pc:spChg>
+        <pc:spChg chg="add del">
+          <ac:chgData name="Erik Lopez" userId="5fe6fa7f7cb912b1" providerId="LiveId" clId="{A70720B3-2D8B-4EC5-B7CD-FAFDFB283F78}" dt="2020-05-08T01:47:22.048" v="5286" actId="26606"/>
+          <ac:spMkLst>
+            <pc:docMk/>
+            <pc:sldMk cId="1590110053" sldId="259"/>
+            <ac:spMk id="73" creationId="{7D379150-F6B4-45C8-BE10-6B278AD400EB}"/>
+          </ac:spMkLst>
+        </pc:spChg>
+        <pc:spChg chg="add del">
+          <ac:chgData name="Erik Lopez" userId="5fe6fa7f7cb912b1" providerId="LiveId" clId="{A70720B3-2D8B-4EC5-B7CD-FAFDFB283F78}" dt="2020-05-08T01:47:22.048" v="5286" actId="26606"/>
+          <ac:spMkLst>
+            <pc:docMk/>
+            <pc:sldMk cId="1590110053" sldId="259"/>
+            <ac:spMk id="75" creationId="{5FFCF544-A370-4A5D-A95F-CA6E0E7191E6}"/>
+          </ac:spMkLst>
+        </pc:spChg>
+        <pc:spChg chg="add del">
+          <ac:chgData name="Erik Lopez" userId="5fe6fa7f7cb912b1" providerId="LiveId" clId="{A70720B3-2D8B-4EC5-B7CD-FAFDFB283F78}" dt="2020-05-08T01:47:22.048" v="5286" actId="26606"/>
+          <ac:spMkLst>
+            <pc:docMk/>
+            <pc:sldMk cId="1590110053" sldId="259"/>
+            <ac:spMk id="79" creationId="{284B70D5-875B-433D-BDBD-1522A85D6C1D}"/>
+          </ac:spMkLst>
+        </pc:spChg>
+        <pc:spChg chg="add del">
+          <ac:chgData name="Erik Lopez" userId="5fe6fa7f7cb912b1" providerId="LiveId" clId="{A70720B3-2D8B-4EC5-B7CD-FAFDFB283F78}" dt="2020-05-08T01:47:22.048" v="5286" actId="26606"/>
+          <ac:spMkLst>
+            <pc:docMk/>
+            <pc:sldMk cId="1590110053" sldId="259"/>
+            <ac:spMk id="83" creationId="{1E299956-A9E7-4FC1-A0B1-D590CA9730E8}"/>
+          </ac:spMkLst>
+        </pc:spChg>
+        <pc:spChg chg="add del">
+          <ac:chgData name="Erik Lopez" userId="5fe6fa7f7cb912b1" providerId="LiveId" clId="{A70720B3-2D8B-4EC5-B7CD-FAFDFB283F78}" dt="2020-05-08T01:47:22.048" v="5286" actId="26606"/>
+          <ac:spMkLst>
+            <pc:docMk/>
+            <pc:sldMk cId="1590110053" sldId="259"/>
+            <ac:spMk id="85" creationId="{17FC539C-B783-4B03-9F9E-D13430F3F64F}"/>
+          </ac:spMkLst>
+        </pc:spChg>
+        <pc:spChg chg="add">
+          <ac:chgData name="Erik Lopez" userId="5fe6fa7f7cb912b1" providerId="LiveId" clId="{A70720B3-2D8B-4EC5-B7CD-FAFDFB283F78}" dt="2020-05-08T01:47:22.048" v="5286" actId="26606"/>
+          <ac:spMkLst>
+            <pc:docMk/>
+            <pc:sldMk cId="1590110053" sldId="259"/>
+            <ac:spMk id="137" creationId="{7D379150-F6B4-45C8-BE10-6B278AD400EB}"/>
+          </ac:spMkLst>
+        </pc:spChg>
+        <pc:spChg chg="add">
+          <ac:chgData name="Erik Lopez" userId="5fe6fa7f7cb912b1" providerId="LiveId" clId="{A70720B3-2D8B-4EC5-B7CD-FAFDFB283F78}" dt="2020-05-08T01:47:22.048" v="5286" actId="26606"/>
+          <ac:spMkLst>
+            <pc:docMk/>
+            <pc:sldMk cId="1590110053" sldId="259"/>
+            <ac:spMk id="139" creationId="{5FFCF544-A370-4A5D-A95F-CA6E0E7191E6}"/>
+          </ac:spMkLst>
+        </pc:spChg>
+        <pc:spChg chg="add">
+          <ac:chgData name="Erik Lopez" userId="5fe6fa7f7cb912b1" providerId="LiveId" clId="{A70720B3-2D8B-4EC5-B7CD-FAFDFB283F78}" dt="2020-05-08T01:47:22.048" v="5286" actId="26606"/>
+          <ac:spMkLst>
+            <pc:docMk/>
+            <pc:sldMk cId="1590110053" sldId="259"/>
+            <ac:spMk id="143" creationId="{44CC594A-A820-450F-B363-C19201FCFEC6}"/>
+          </ac:spMkLst>
+        </pc:spChg>
+        <pc:spChg chg="add">
+          <ac:chgData name="Erik Lopez" userId="5fe6fa7f7cb912b1" providerId="LiveId" clId="{A70720B3-2D8B-4EC5-B7CD-FAFDFB283F78}" dt="2020-05-08T01:47:22.048" v="5286" actId="26606"/>
+          <ac:spMkLst>
+            <pc:docMk/>
+            <pc:sldMk cId="1590110053" sldId="259"/>
+            <ac:spMk id="145" creationId="{59FAB3DA-E9ED-4574-ABCC-378BC0FF1BBC}"/>
+          </ac:spMkLst>
+        </pc:spChg>
+        <pc:spChg chg="add">
+          <ac:chgData name="Erik Lopez" userId="5fe6fa7f7cb912b1" providerId="LiveId" clId="{A70720B3-2D8B-4EC5-B7CD-FAFDFB283F78}" dt="2020-05-08T01:47:22.048" v="5286" actId="26606"/>
+          <ac:spMkLst>
+            <pc:docMk/>
+            <pc:sldMk cId="1590110053" sldId="259"/>
+            <ac:spMk id="147" creationId="{53B8D6B0-55D6-48DC-86D8-FD95D5F118AB}"/>
+          </ac:spMkLst>
+        </pc:spChg>
+        <pc:picChg chg="add del mod">
+          <ac:chgData name="Erik Lopez" userId="5fe6fa7f7cb912b1" providerId="LiveId" clId="{A70720B3-2D8B-4EC5-B7CD-FAFDFB283F78}" dt="2020-05-06T17:54:56.377" v="3920"/>
           <ac:picMkLst>
             <pc:docMk/>
             <pc:sldMk cId="1590110053" sldId="259"/>
             <ac:picMk id="1026" creationId="{ECAA9626-DCE5-4396-B328-276D6D33AED8}"/>
           </ac:picMkLst>
         </pc:picChg>
-        <pc:picChg chg="add mod">
-          <ac:chgData name="Erik Lopez" userId="5fe6fa7f7cb912b1" providerId="LiveId" clId="{A70720B3-2D8B-4EC5-B7CD-FAFDFB283F78}" dt="2020-05-03T04:19:33.676" v="1587" actId="14100"/>
+        <pc:picChg chg="add mod ord">
+          <ac:chgData name="Erik Lopez" userId="5fe6fa7f7cb912b1" providerId="LiveId" clId="{A70720B3-2D8B-4EC5-B7CD-FAFDFB283F78}" dt="2020-05-08T01:47:22.048" v="5286" actId="26606"/>
           <ac:picMkLst>
             <pc:docMk/>
             <pc:sldMk cId="1590110053" sldId="259"/>
             <ac:picMk id="1028" creationId="{FCB61173-ECF5-4846-9CCF-BFC25AC9A49D}"/>
           </ac:picMkLst>
         </pc:picChg>
+        <pc:cxnChg chg="add del">
+          <ac:chgData name="Erik Lopez" userId="5fe6fa7f7cb912b1" providerId="LiveId" clId="{A70720B3-2D8B-4EC5-B7CD-FAFDFB283F78}" dt="2020-05-08T01:47:22.048" v="5286" actId="26606"/>
+          <ac:cxnSpMkLst>
+            <pc:docMk/>
+            <pc:sldMk cId="1590110053" sldId="259"/>
+            <ac:cxnSpMk id="77" creationId="{6EEB3B97-A638-498B-8083-54191CE71E01}"/>
+          </ac:cxnSpMkLst>
+        </pc:cxnChg>
+        <pc:cxnChg chg="add del">
+          <ac:chgData name="Erik Lopez" userId="5fe6fa7f7cb912b1" providerId="LiveId" clId="{A70720B3-2D8B-4EC5-B7CD-FAFDFB283F78}" dt="2020-05-08T01:47:22.048" v="5286" actId="26606"/>
+          <ac:cxnSpMkLst>
+            <pc:docMk/>
+            <pc:sldMk cId="1590110053" sldId="259"/>
+            <ac:cxnSpMk id="81" creationId="{C947DF4A-614C-4B4C-8B80-E5B9D8E8CFED}"/>
+          </ac:cxnSpMkLst>
+        </pc:cxnChg>
+        <pc:cxnChg chg="add">
+          <ac:chgData name="Erik Lopez" userId="5fe6fa7f7cb912b1" providerId="LiveId" clId="{A70720B3-2D8B-4EC5-B7CD-FAFDFB283F78}" dt="2020-05-08T01:47:22.048" v="5286" actId="26606"/>
+          <ac:cxnSpMkLst>
+            <pc:docMk/>
+            <pc:sldMk cId="1590110053" sldId="259"/>
+            <ac:cxnSpMk id="141" creationId="{6EEB3B97-A638-498B-8083-54191CE71E01}"/>
+          </ac:cxnSpMkLst>
+        </pc:cxnChg>
       </pc:sldChg>
       <pc:sldChg chg="addSp delSp modSp add mod setBg">
-        <pc:chgData name="Erik Lopez" userId="5fe6fa7f7cb912b1" providerId="LiveId" clId="{A70720B3-2D8B-4EC5-B7CD-FAFDFB283F78}" dt="2020-05-03T04:18:22.407" v="1581" actId="20577"/>
+        <pc:chgData name="Erik Lopez" userId="5fe6fa7f7cb912b1" providerId="LiveId" clId="{A70720B3-2D8B-4EC5-B7CD-FAFDFB283F78}" dt="2020-05-08T01:47:02.597" v="5284" actId="1076"/>
         <pc:sldMkLst>
           <pc:docMk/>
           <pc:sldMk cId="3684231985" sldId="260"/>
         </pc:sldMkLst>
         <pc:spChg chg="mod">
-          <ac:chgData name="Erik Lopez" userId="5fe6fa7f7cb912b1" providerId="LiveId" clId="{A70720B3-2D8B-4EC5-B7CD-FAFDFB283F78}" dt="2020-05-03T04:13:24.715" v="1292" actId="26606"/>
+          <ac:chgData name="Erik Lopez" userId="5fe6fa7f7cb912b1" providerId="LiveId" clId="{A70720B3-2D8B-4EC5-B7CD-FAFDFB283F78}" dt="2020-05-08T01:43:59.578" v="5175" actId="122"/>
           <ac:spMkLst>
             <pc:docMk/>
             <pc:sldMk cId="3684231985" sldId="260"/>
@@ -361,13 +569,21 @@
           </ac:spMkLst>
         </pc:spChg>
         <pc:spChg chg="add del mod">
-          <ac:chgData name="Erik Lopez" userId="5fe6fa7f7cb912b1" providerId="LiveId" clId="{A70720B3-2D8B-4EC5-B7CD-FAFDFB283F78}" dt="2020-05-03T04:18:22.407" v="1581" actId="20577"/>
+          <ac:chgData name="Erik Lopez" userId="5fe6fa7f7cb912b1" providerId="LiveId" clId="{A70720B3-2D8B-4EC5-B7CD-FAFDFB283F78}" dt="2020-05-06T17:55:36.244" v="3929" actId="478"/>
           <ac:spMkLst>
             <pc:docMk/>
             <pc:sldMk cId="3684231985" sldId="260"/>
             <ac:spMk id="3" creationId="{2322E3A5-AD3C-413A-AF2C-8C2DA980445C}"/>
           </ac:spMkLst>
         </pc:spChg>
+        <pc:spChg chg="add del mod">
+          <ac:chgData name="Erik Lopez" userId="5fe6fa7f7cb912b1" providerId="LiveId" clId="{A70720B3-2D8B-4EC5-B7CD-FAFDFB283F78}" dt="2020-05-08T01:42:18.272" v="5095" actId="478"/>
+          <ac:spMkLst>
+            <pc:docMk/>
+            <pc:sldMk cId="3684231985" sldId="260"/>
+            <ac:spMk id="4" creationId="{4FBE4051-7DAE-409B-A577-61ACBB4D1F75}"/>
+          </ac:spMkLst>
+        </pc:spChg>
         <pc:spChg chg="del">
           <ac:chgData name="Erik Lopez" userId="5fe6fa7f7cb912b1" providerId="LiveId" clId="{A70720B3-2D8B-4EC5-B7CD-FAFDFB283F78}" dt="2020-05-03T04:13:14.415" v="1290"/>
           <ac:spMkLst>
@@ -376,6 +592,30 @@
             <ac:spMk id="4" creationId="{75FEBB1F-75AD-42A6-8F67-44A8185D1439}"/>
           </ac:spMkLst>
         </pc:spChg>
+        <pc:spChg chg="add del mod">
+          <ac:chgData name="Erik Lopez" userId="5fe6fa7f7cb912b1" providerId="LiveId" clId="{A70720B3-2D8B-4EC5-B7CD-FAFDFB283F78}" dt="2020-05-08T01:42:23.177" v="5096" actId="478"/>
+          <ac:spMkLst>
+            <pc:docMk/>
+            <pc:sldMk cId="3684231985" sldId="260"/>
+            <ac:spMk id="6" creationId="{56BE34C1-0436-4D72-AD2A-6FE9A7F942F6}"/>
+          </ac:spMkLst>
+        </pc:spChg>
+        <pc:spChg chg="add del mod">
+          <ac:chgData name="Erik Lopez" userId="5fe6fa7f7cb912b1" providerId="LiveId" clId="{A70720B3-2D8B-4EC5-B7CD-FAFDFB283F78}" dt="2020-05-08T01:44:08.326" v="5177" actId="478"/>
+          <ac:spMkLst>
+            <pc:docMk/>
+            <pc:sldMk cId="3684231985" sldId="260"/>
+            <ac:spMk id="7" creationId="{F008ABE0-AA04-4F1F-9143-E12465633035}"/>
+          </ac:spMkLst>
+        </pc:spChg>
+        <pc:spChg chg="add mod">
+          <ac:chgData name="Erik Lopez" userId="5fe6fa7f7cb912b1" providerId="LiveId" clId="{A70720B3-2D8B-4EC5-B7CD-FAFDFB283F78}" dt="2020-05-08T01:45:40.595" v="5271" actId="20577"/>
+          <ac:spMkLst>
+            <pc:docMk/>
+            <pc:sldMk cId="3684231985" sldId="260"/>
+            <ac:spMk id="8" creationId="{B9256F2C-D951-4AE3-AA09-37EAE017F760}"/>
+          </ac:spMkLst>
+        </pc:spChg>
         <pc:spChg chg="add del">
           <ac:chgData name="Erik Lopez" userId="5fe6fa7f7cb912b1" providerId="LiveId" clId="{A70720B3-2D8B-4EC5-B7CD-FAFDFB283F78}" dt="2020-05-03T04:13:24.715" v="1292" actId="26606"/>
           <ac:spMkLst>
@@ -384,8 +624,24 @@
             <ac:spMk id="71" creationId="{6F66A575-7835-4400-BEDE-89F2EF034034}"/>
           </ac:spMkLst>
         </pc:spChg>
+        <pc:picChg chg="add del mod">
+          <ac:chgData name="Erik Lopez" userId="5fe6fa7f7cb912b1" providerId="LiveId" clId="{A70720B3-2D8B-4EC5-B7CD-FAFDFB283F78}" dt="2020-05-08T01:46:13.352" v="5275"/>
+          <ac:picMkLst>
+            <pc:docMk/>
+            <pc:sldMk cId="3684231985" sldId="260"/>
+            <ac:picMk id="5" creationId="{7B0DD372-63F9-4B85-BAE5-247C55E8A46D}"/>
+          </ac:picMkLst>
+        </pc:picChg>
         <pc:picChg chg="add mod">
-          <ac:chgData name="Erik Lopez" userId="5fe6fa7f7cb912b1" providerId="LiveId" clId="{A70720B3-2D8B-4EC5-B7CD-FAFDFB283F78}" dt="2020-05-03T04:13:24.715" v="1292" actId="26606"/>
+          <ac:chgData name="Erik Lopez" userId="5fe6fa7f7cb912b1" providerId="LiveId" clId="{A70720B3-2D8B-4EC5-B7CD-FAFDFB283F78}" dt="2020-05-08T01:47:02.597" v="5284" actId="1076"/>
+          <ac:picMkLst>
+            <pc:docMk/>
+            <pc:sldMk cId="3684231985" sldId="260"/>
+            <ac:picMk id="10" creationId="{D023F900-ECC9-46AA-A726-EBEDA7F3A833}"/>
+          </ac:picMkLst>
+        </pc:picChg>
+        <pc:picChg chg="add del mod">
+          <ac:chgData name="Erik Lopez" userId="5fe6fa7f7cb912b1" providerId="LiveId" clId="{A70720B3-2D8B-4EC5-B7CD-FAFDFB283F78}" dt="2020-05-08T01:19:09.592" v="5065"/>
           <ac:picMkLst>
             <pc:docMk/>
             <pc:sldMk cId="3684231985" sldId="260"/>
@@ -393,8 +649,8 @@
           </ac:picMkLst>
         </pc:picChg>
       </pc:sldChg>
-      <pc:sldChg chg="addSp delSp modSp add">
-        <pc:chgData name="Erik Lopez" userId="5fe6fa7f7cb912b1" providerId="LiveId" clId="{A70720B3-2D8B-4EC5-B7CD-FAFDFB283F78}" dt="2020-05-03T04:22:03.203" v="1653"/>
+      <pc:sldChg chg="addSp delSp modSp add del ord">
+        <pc:chgData name="Erik Lopez" userId="5fe6fa7f7cb912b1" providerId="LiveId" clId="{A70720B3-2D8B-4EC5-B7CD-FAFDFB283F78}" dt="2020-05-08T02:14:48.843" v="5350" actId="2696"/>
         <pc:sldMkLst>
           <pc:docMk/>
           <pc:sldMk cId="393335937" sldId="261"/>
@@ -473,13 +729,13 @@
         </pc:picChg>
       </pc:sldChg>
       <pc:sldChg chg="addSp delSp modSp add">
-        <pc:chgData name="Erik Lopez" userId="5fe6fa7f7cb912b1" providerId="LiveId" clId="{A70720B3-2D8B-4EC5-B7CD-FAFDFB283F78}" dt="2020-05-03T04:42:35.270" v="2020" actId="6549"/>
+        <pc:chgData name="Erik Lopez" userId="5fe6fa7f7cb912b1" providerId="LiveId" clId="{A70720B3-2D8B-4EC5-B7CD-FAFDFB283F78}" dt="2020-05-08T00:59:42.841" v="4902" actId="20577"/>
         <pc:sldMkLst>
           <pc:docMk/>
           <pc:sldMk cId="3656228573" sldId="262"/>
         </pc:sldMkLst>
         <pc:spChg chg="mod">
-          <ac:chgData name="Erik Lopez" userId="5fe6fa7f7cb912b1" providerId="LiveId" clId="{A70720B3-2D8B-4EC5-B7CD-FAFDFB283F78}" dt="2020-05-03T04:42:35.270" v="2020" actId="6549"/>
+          <ac:chgData name="Erik Lopez" userId="5fe6fa7f7cb912b1" providerId="LiveId" clId="{A70720B3-2D8B-4EC5-B7CD-FAFDFB283F78}" dt="2020-05-08T00:59:42.841" v="4902" actId="20577"/>
           <ac:spMkLst>
             <pc:docMk/>
             <pc:sldMk cId="3656228573" sldId="262"/>
@@ -528,13 +784,13 @@
         </pc:picChg>
       </pc:sldChg>
       <pc:sldChg chg="addSp delSp modSp add">
-        <pc:chgData name="Erik Lopez" userId="5fe6fa7f7cb912b1" providerId="LiveId" clId="{A70720B3-2D8B-4EC5-B7CD-FAFDFB283F78}" dt="2020-05-03T04:43:23.642" v="2057" actId="20577"/>
+        <pc:chgData name="Erik Lopez" userId="5fe6fa7f7cb912b1" providerId="LiveId" clId="{A70720B3-2D8B-4EC5-B7CD-FAFDFB283F78}" dt="2020-05-05T19:59:47.443" v="3747" actId="20577"/>
         <pc:sldMkLst>
           <pc:docMk/>
           <pc:sldMk cId="1430993469" sldId="263"/>
         </pc:sldMkLst>
         <pc:spChg chg="mod">
-          <ac:chgData name="Erik Lopez" userId="5fe6fa7f7cb912b1" providerId="LiveId" clId="{A70720B3-2D8B-4EC5-B7CD-FAFDFB283F78}" dt="2020-05-03T04:43:23.642" v="2057" actId="20577"/>
+          <ac:chgData name="Erik Lopez" userId="5fe6fa7f7cb912b1" providerId="LiveId" clId="{A70720B3-2D8B-4EC5-B7CD-FAFDFB283F78}" dt="2020-05-05T19:59:47.443" v="3747" actId="20577"/>
           <ac:spMkLst>
             <pc:docMk/>
             <pc:sldMk cId="1430993469" sldId="263"/>
@@ -558,8 +814,8 @@
           </ac:picMkLst>
         </pc:picChg>
       </pc:sldChg>
-      <pc:sldChg chg="addSp delSp modSp add">
-        <pc:chgData name="Erik Lopez" userId="5fe6fa7f7cb912b1" providerId="LiveId" clId="{A70720B3-2D8B-4EC5-B7CD-FAFDFB283F78}" dt="2020-05-03T04:45:06.335" v="2202" actId="20577"/>
+      <pc:sldChg chg="addSp delSp modSp add del">
+        <pc:chgData name="Erik Lopez" userId="5fe6fa7f7cb912b1" providerId="LiveId" clId="{A70720B3-2D8B-4EC5-B7CD-FAFDFB283F78}" dt="2020-05-07T03:16:49.968" v="4646" actId="2696"/>
         <pc:sldMkLst>
           <pc:docMk/>
           <pc:sldMk cId="51406742" sldId="264"/>
@@ -581,7 +837,7 @@
           </ac:spMkLst>
         </pc:spChg>
         <pc:spChg chg="add mod">
-          <ac:chgData name="Erik Lopez" userId="5fe6fa7f7cb912b1" providerId="LiveId" clId="{A70720B3-2D8B-4EC5-B7CD-FAFDFB283F78}" dt="2020-05-03T04:45:06.335" v="2202" actId="20577"/>
+          <ac:chgData name="Erik Lopez" userId="5fe6fa7f7cb912b1" providerId="LiveId" clId="{A70720B3-2D8B-4EC5-B7CD-FAFDFB283F78}" dt="2020-05-04T04:28:29.321" v="3458" actId="27636"/>
           <ac:spMkLst>
             <pc:docMk/>
             <pc:sldMk cId="51406742" sldId="264"/>
@@ -598,7 +854,7 @@
         </pc:spChg>
       </pc:sldChg>
       <pc:sldChg chg="addSp delSp modSp add">
-        <pc:chgData name="Erik Lopez" userId="5fe6fa7f7cb912b1" providerId="LiveId" clId="{A70720B3-2D8B-4EC5-B7CD-FAFDFB283F78}" dt="2020-05-03T04:44:24.178" v="2155" actId="20577"/>
+        <pc:chgData name="Erik Lopez" userId="5fe6fa7f7cb912b1" providerId="LiveId" clId="{A70720B3-2D8B-4EC5-B7CD-FAFDFB283F78}" dt="2020-05-04T04:28:29.310" v="3457" actId="27636"/>
         <pc:sldMkLst>
           <pc:docMk/>
           <pc:sldMk cId="484954953" sldId="265"/>
@@ -620,7 +876,7 @@
           </ac:spMkLst>
         </pc:spChg>
         <pc:spChg chg="add mod">
-          <ac:chgData name="Erik Lopez" userId="5fe6fa7f7cb912b1" providerId="LiveId" clId="{A70720B3-2D8B-4EC5-B7CD-FAFDFB283F78}" dt="2020-05-03T04:44:24.178" v="2155" actId="20577"/>
+          <ac:chgData name="Erik Lopez" userId="5fe6fa7f7cb912b1" providerId="LiveId" clId="{A70720B3-2D8B-4EC5-B7CD-FAFDFB283F78}" dt="2020-05-04T04:28:29.306" v="3456" actId="27636"/>
           <ac:spMkLst>
             <pc:docMk/>
             <pc:sldMk cId="484954953" sldId="265"/>
@@ -628,7 +884,7 @@
           </ac:spMkLst>
         </pc:spChg>
         <pc:spChg chg="add mod">
-          <ac:chgData name="Erik Lopez" userId="5fe6fa7f7cb912b1" providerId="LiveId" clId="{A70720B3-2D8B-4EC5-B7CD-FAFDFB283F78}" dt="2020-05-03T04:42:03.052" v="2019" actId="6549"/>
+          <ac:chgData name="Erik Lopez" userId="5fe6fa7f7cb912b1" providerId="LiveId" clId="{A70720B3-2D8B-4EC5-B7CD-FAFDFB283F78}" dt="2020-05-04T04:28:29.310" v="3457" actId="27636"/>
           <ac:spMkLst>
             <pc:docMk/>
             <pc:sldMk cId="484954953" sldId="265"/>
@@ -637,7 +893,7 @@
         </pc:spChg>
       </pc:sldChg>
       <pc:sldChg chg="addSp delSp modSp add">
-        <pc:chgData name="Erik Lopez" userId="5fe6fa7f7cb912b1" providerId="LiveId" clId="{A70720B3-2D8B-4EC5-B7CD-FAFDFB283F78}" dt="2020-05-03T05:17:13.239" v="3208" actId="20577"/>
+        <pc:chgData name="Erik Lopez" userId="5fe6fa7f7cb912b1" providerId="LiveId" clId="{A70720B3-2D8B-4EC5-B7CD-FAFDFB283F78}" dt="2020-05-08T02:58:56.343" v="6629" actId="20577"/>
         <pc:sldMkLst>
           <pc:docMk/>
           <pc:sldMk cId="3026793713" sldId="266"/>
@@ -659,7 +915,7 @@
           </ac:spMkLst>
         </pc:spChg>
         <pc:spChg chg="add mod">
-          <ac:chgData name="Erik Lopez" userId="5fe6fa7f7cb912b1" providerId="LiveId" clId="{A70720B3-2D8B-4EC5-B7CD-FAFDFB283F78}" dt="2020-05-03T05:10:06.238" v="2505" actId="20577"/>
+          <ac:chgData name="Erik Lopez" userId="5fe6fa7f7cb912b1" providerId="LiveId" clId="{A70720B3-2D8B-4EC5-B7CD-FAFDFB283F78}" dt="2020-05-08T02:45:41.795" v="5849" actId="20577"/>
           <ac:spMkLst>
             <pc:docMk/>
             <pc:sldMk cId="3026793713" sldId="266"/>
@@ -667,7 +923,7 @@
           </ac:spMkLst>
         </pc:spChg>
         <pc:spChg chg="add mod">
-          <ac:chgData name="Erik Lopez" userId="5fe6fa7f7cb912b1" providerId="LiveId" clId="{A70720B3-2D8B-4EC5-B7CD-FAFDFB283F78}" dt="2020-05-03T05:11:11.387" v="2646" actId="20577"/>
+          <ac:chgData name="Erik Lopez" userId="5fe6fa7f7cb912b1" providerId="LiveId" clId="{A70720B3-2D8B-4EC5-B7CD-FAFDFB283F78}" dt="2020-05-08T02:58:56.343" v="6629" actId="20577"/>
           <ac:spMkLst>
             <pc:docMk/>
             <pc:sldMk cId="3026793713" sldId="266"/>
@@ -675,7 +931,7 @@
           </ac:spMkLst>
         </pc:spChg>
         <pc:spChg chg="add mod">
-          <ac:chgData name="Erik Lopez" userId="5fe6fa7f7cb912b1" providerId="LiveId" clId="{A70720B3-2D8B-4EC5-B7CD-FAFDFB283F78}" dt="2020-05-03T05:17:13.239" v="3208" actId="20577"/>
+          <ac:chgData name="Erik Lopez" userId="5fe6fa7f7cb912b1" providerId="LiveId" clId="{A70720B3-2D8B-4EC5-B7CD-FAFDFB283F78}" dt="2020-05-08T02:57:38.356" v="6524" actId="20577"/>
           <ac:spMkLst>
             <pc:docMk/>
             <pc:sldMk cId="3026793713" sldId="266"/>
@@ -684,7 +940,7 @@
         </pc:spChg>
       </pc:sldChg>
       <pc:sldChg chg="modSp add">
-        <pc:chgData name="Erik Lopez" userId="5fe6fa7f7cb912b1" providerId="LiveId" clId="{A70720B3-2D8B-4EC5-B7CD-FAFDFB283F78}" dt="2020-05-03T05:18:45.213" v="3378" actId="20577"/>
+        <pc:chgData name="Erik Lopez" userId="5fe6fa7f7cb912b1" providerId="LiveId" clId="{A70720B3-2D8B-4EC5-B7CD-FAFDFB283F78}" dt="2020-05-08T02:54:41.079" v="6355" actId="20577"/>
         <pc:sldMkLst>
           <pc:docMk/>
           <pc:sldMk cId="10015991" sldId="267"/>
@@ -698,7 +954,7 @@
           </ac:spMkLst>
         </pc:spChg>
         <pc:spChg chg="mod">
-          <ac:chgData name="Erik Lopez" userId="5fe6fa7f7cb912b1" providerId="LiveId" clId="{A70720B3-2D8B-4EC5-B7CD-FAFDFB283F78}" dt="2020-05-03T05:18:45.213" v="3378" actId="20577"/>
+          <ac:chgData name="Erik Lopez" userId="5fe6fa7f7cb912b1" providerId="LiveId" clId="{A70720B3-2D8B-4EC5-B7CD-FAFDFB283F78}" dt="2020-05-08T02:54:41.079" v="6355" actId="20577"/>
           <ac:spMkLst>
             <pc:docMk/>
             <pc:sldMk cId="10015991" sldId="267"/>
@@ -706,14 +962,14 @@
           </ac:spMkLst>
         </pc:spChg>
       </pc:sldChg>
-      <pc:sldChg chg="addSp delSp modSp add ord">
-        <pc:chgData name="Erik Lopez" userId="5fe6fa7f7cb912b1" providerId="LiveId" clId="{A70720B3-2D8B-4EC5-B7CD-FAFDFB283F78}" dt="2020-05-03T05:14:54.057" v="3044"/>
+      <pc:sldChg chg="addSp delSp modSp add mod ord setBg">
+        <pc:chgData name="Erik Lopez" userId="5fe6fa7f7cb912b1" providerId="LiveId" clId="{A70720B3-2D8B-4EC5-B7CD-FAFDFB283F78}" dt="2020-05-08T01:53:51.381" v="5293" actId="122"/>
         <pc:sldMkLst>
           <pc:docMk/>
           <pc:sldMk cId="395564808" sldId="268"/>
         </pc:sldMkLst>
         <pc:spChg chg="mod">
-          <ac:chgData name="Erik Lopez" userId="5fe6fa7f7cb912b1" providerId="LiveId" clId="{A70720B3-2D8B-4EC5-B7CD-FAFDFB283F78}" dt="2020-05-03T05:08:33.542" v="2489" actId="20577"/>
+          <ac:chgData name="Erik Lopez" userId="5fe6fa7f7cb912b1" providerId="LiveId" clId="{A70720B3-2D8B-4EC5-B7CD-FAFDFB283F78}" dt="2020-05-08T01:53:51.381" v="5293" actId="122"/>
           <ac:spMkLst>
             <pc:docMk/>
             <pc:sldMk cId="395564808" sldId="268"/>
@@ -728,8 +984,40 @@
             <ac:spMk id="3" creationId="{176F6807-7A6C-48BB-ABDA-46750422A768}"/>
           </ac:spMkLst>
         </pc:spChg>
+        <pc:spChg chg="add">
+          <ac:chgData name="Erik Lopez" userId="5fe6fa7f7cb912b1" providerId="LiveId" clId="{A70720B3-2D8B-4EC5-B7CD-FAFDFB283F78}" dt="2020-05-08T01:52:39.750" v="5289" actId="26606"/>
+          <ac:spMkLst>
+            <pc:docMk/>
+            <pc:sldMk cId="395564808" sldId="268"/>
+            <ac:spMk id="73" creationId="{44CC594A-A820-450F-B363-C19201FCFEC6}"/>
+          </ac:spMkLst>
+        </pc:spChg>
+        <pc:spChg chg="add">
+          <ac:chgData name="Erik Lopez" userId="5fe6fa7f7cb912b1" providerId="LiveId" clId="{A70720B3-2D8B-4EC5-B7CD-FAFDFB283F78}" dt="2020-05-08T01:52:39.750" v="5289" actId="26606"/>
+          <ac:spMkLst>
+            <pc:docMk/>
+            <pc:sldMk cId="395564808" sldId="268"/>
+            <ac:spMk id="75" creationId="{59FAB3DA-E9ED-4574-ABCC-378BC0FF1BBC}"/>
+          </ac:spMkLst>
+        </pc:spChg>
+        <pc:spChg chg="add">
+          <ac:chgData name="Erik Lopez" userId="5fe6fa7f7cb912b1" providerId="LiveId" clId="{A70720B3-2D8B-4EC5-B7CD-FAFDFB283F78}" dt="2020-05-08T01:52:39.750" v="5289" actId="26606"/>
+          <ac:spMkLst>
+            <pc:docMk/>
+            <pc:sldMk cId="395564808" sldId="268"/>
+            <ac:spMk id="77" creationId="{53B8D6B0-55D6-48DC-86D8-FD95D5F118AB}"/>
+          </ac:spMkLst>
+        </pc:spChg>
+        <pc:spChg chg="add">
+          <ac:chgData name="Erik Lopez" userId="5fe6fa7f7cb912b1" providerId="LiveId" clId="{A70720B3-2D8B-4EC5-B7CD-FAFDFB283F78}" dt="2020-05-08T01:52:39.750" v="5289" actId="26606"/>
+          <ac:spMkLst>
+            <pc:docMk/>
+            <pc:sldMk cId="395564808" sldId="268"/>
+            <ac:spMk id="6150" creationId="{0D390C49-2B93-45C4-8465-899B0CD2976C}"/>
+          </ac:spMkLst>
+        </pc:spChg>
         <pc:picChg chg="add mod">
-          <ac:chgData name="Erik Lopez" userId="5fe6fa7f7cb912b1" providerId="LiveId" clId="{A70720B3-2D8B-4EC5-B7CD-FAFDFB283F78}" dt="2020-05-03T05:08:14.193" v="2465" actId="1076"/>
+          <ac:chgData name="Erik Lopez" userId="5fe6fa7f7cb912b1" providerId="LiveId" clId="{A70720B3-2D8B-4EC5-B7CD-FAFDFB283F78}" dt="2020-05-08T01:53:31.047" v="5292" actId="14100"/>
           <ac:picMkLst>
             <pc:docMk/>
             <pc:sldMk cId="395564808" sldId="268"/>
@@ -776,13 +1064,451 @@
           </ac:spMkLst>
         </pc:spChg>
       </pc:sldChg>
+      <pc:sldChg chg="addSp delSp modSp add mod setBg">
+        <pc:chgData name="Erik Lopez" userId="5fe6fa7f7cb912b1" providerId="LiveId" clId="{A70720B3-2D8B-4EC5-B7CD-FAFDFB283F78}" dt="2020-05-08T01:24:42.568" v="5092" actId="14100"/>
+        <pc:sldMkLst>
+          <pc:docMk/>
+          <pc:sldMk cId="1244846457" sldId="270"/>
+        </pc:sldMkLst>
+        <pc:spChg chg="mod">
+          <ac:chgData name="Erik Lopez" userId="5fe6fa7f7cb912b1" providerId="LiveId" clId="{A70720B3-2D8B-4EC5-B7CD-FAFDFB283F78}" dt="2020-05-08T01:18:11.423" v="5061" actId="1076"/>
+          <ac:spMkLst>
+            <pc:docMk/>
+            <pc:sldMk cId="1244846457" sldId="270"/>
+            <ac:spMk id="2" creationId="{1EF4F653-C089-4F96-A63B-42BF15D527FE}"/>
+          </ac:spMkLst>
+        </pc:spChg>
+        <pc:spChg chg="del">
+          <ac:chgData name="Erik Lopez" userId="5fe6fa7f7cb912b1" providerId="LiveId" clId="{A70720B3-2D8B-4EC5-B7CD-FAFDFB283F78}" dt="2020-05-08T01:06:46.795" v="4939"/>
+          <ac:spMkLst>
+            <pc:docMk/>
+            <pc:sldMk cId="1244846457" sldId="270"/>
+            <ac:spMk id="3" creationId="{028F2390-E112-4E08-B2F0-7608EA50C1C9}"/>
+          </ac:spMkLst>
+        </pc:spChg>
+        <pc:spChg chg="add del mod">
+          <ac:chgData name="Erik Lopez" userId="5fe6fa7f7cb912b1" providerId="LiveId" clId="{A70720B3-2D8B-4EC5-B7CD-FAFDFB283F78}" dt="2020-05-08T01:10:45.673" v="5050" actId="478"/>
+          <ac:spMkLst>
+            <pc:docMk/>
+            <pc:sldMk cId="1244846457" sldId="270"/>
+            <ac:spMk id="4" creationId="{8F14B860-C8C1-4F27-BA61-3C175F400E1B}"/>
+          </ac:spMkLst>
+        </pc:spChg>
+        <pc:spChg chg="add del mod">
+          <ac:chgData name="Erik Lopez" userId="5fe6fa7f7cb912b1" providerId="LiveId" clId="{A70720B3-2D8B-4EC5-B7CD-FAFDFB283F78}" dt="2020-05-08T01:07:20.169" v="4948"/>
+          <ac:spMkLst>
+            <pc:docMk/>
+            <pc:sldMk cId="1244846457" sldId="270"/>
+            <ac:spMk id="7" creationId="{FBDAB2B1-7CD8-4C73-92CA-D0703C8BDF58}"/>
+          </ac:spMkLst>
+        </pc:spChg>
+        <pc:spChg chg="add del">
+          <ac:chgData name="Erik Lopez" userId="5fe6fa7f7cb912b1" providerId="LiveId" clId="{A70720B3-2D8B-4EC5-B7CD-FAFDFB283F78}" dt="2020-05-08T01:06:55.366" v="4941" actId="26606"/>
+          <ac:spMkLst>
+            <pc:docMk/>
+            <pc:sldMk cId="1244846457" sldId="270"/>
+            <ac:spMk id="10" creationId="{4E4490D0-3672-446A-AC12-B4830333BDDD}"/>
+          </ac:spMkLst>
+        </pc:spChg>
+        <pc:spChg chg="add">
+          <ac:chgData name="Erik Lopez" userId="5fe6fa7f7cb912b1" providerId="LiveId" clId="{A70720B3-2D8B-4EC5-B7CD-FAFDFB283F78}" dt="2020-05-08T01:07:27.679" v="4949" actId="26606"/>
+          <ac:spMkLst>
+            <pc:docMk/>
+            <pc:sldMk cId="1244846457" sldId="270"/>
+            <ac:spMk id="11" creationId="{7D379150-F6B4-45C8-BE10-6B278AD400EB}"/>
+          </ac:spMkLst>
+        </pc:spChg>
+        <pc:spChg chg="add del">
+          <ac:chgData name="Erik Lopez" userId="5fe6fa7f7cb912b1" providerId="LiveId" clId="{A70720B3-2D8B-4EC5-B7CD-FAFDFB283F78}" dt="2020-05-08T01:06:55.366" v="4941" actId="26606"/>
+          <ac:spMkLst>
+            <pc:docMk/>
+            <pc:sldMk cId="1244846457" sldId="270"/>
+            <ac:spMk id="12" creationId="{39CB82C2-DF65-4EC1-8280-F201D50F570B}"/>
+          </ac:spMkLst>
+        </pc:spChg>
+        <pc:spChg chg="add">
+          <ac:chgData name="Erik Lopez" userId="5fe6fa7f7cb912b1" providerId="LiveId" clId="{A70720B3-2D8B-4EC5-B7CD-FAFDFB283F78}" dt="2020-05-08T01:07:27.679" v="4949" actId="26606"/>
+          <ac:spMkLst>
+            <pc:docMk/>
+            <pc:sldMk cId="1244846457" sldId="270"/>
+            <ac:spMk id="13" creationId="{5FFCF544-A370-4A5D-A95F-CA6E0E7191E6}"/>
+          </ac:spMkLst>
+        </pc:spChg>
+        <pc:spChg chg="add del">
+          <ac:chgData name="Erik Lopez" userId="5fe6fa7f7cb912b1" providerId="LiveId" clId="{A70720B3-2D8B-4EC5-B7CD-FAFDFB283F78}" dt="2020-05-08T01:06:55.366" v="4941" actId="26606"/>
+          <ac:spMkLst>
+            <pc:docMk/>
+            <pc:sldMk cId="1244846457" sldId="270"/>
+            <ac:spMk id="16" creationId="{C4AAA502-5435-489E-9538-3A40E6C71461}"/>
+          </ac:spMkLst>
+        </pc:spChg>
+        <pc:spChg chg="add">
+          <ac:chgData name="Erik Lopez" userId="5fe6fa7f7cb912b1" providerId="LiveId" clId="{A70720B3-2D8B-4EC5-B7CD-FAFDFB283F78}" dt="2020-05-08T01:07:27.679" v="4949" actId="26606"/>
+          <ac:spMkLst>
+            <pc:docMk/>
+            <pc:sldMk cId="1244846457" sldId="270"/>
+            <ac:spMk id="17" creationId="{3DE3B93A-6105-4E0D-ABE7-1711117A80FC}"/>
+          </ac:spMkLst>
+        </pc:spChg>
+        <pc:spChg chg="add">
+          <ac:chgData name="Erik Lopez" userId="5fe6fa7f7cb912b1" providerId="LiveId" clId="{A70720B3-2D8B-4EC5-B7CD-FAFDFB283F78}" dt="2020-05-08T01:07:27.679" v="4949" actId="26606"/>
+          <ac:spMkLst>
+            <pc:docMk/>
+            <pc:sldMk cId="1244846457" sldId="270"/>
+            <ac:spMk id="19" creationId="{1924D57B-FEC9-4779-B514-732685B876E8}"/>
+          </ac:spMkLst>
+        </pc:spChg>
+        <pc:spChg chg="add del">
+          <ac:chgData name="Erik Lopez" userId="5fe6fa7f7cb912b1" providerId="LiveId" clId="{A70720B3-2D8B-4EC5-B7CD-FAFDFB283F78}" dt="2020-05-08T01:06:55.366" v="4941" actId="26606"/>
+          <ac:spMkLst>
+            <pc:docMk/>
+            <pc:sldMk cId="1244846457" sldId="270"/>
+            <ac:spMk id="20" creationId="{DE42378B-2E28-4810-8421-7A473A40E376}"/>
+          </ac:spMkLst>
+        </pc:spChg>
+        <pc:spChg chg="add">
+          <ac:chgData name="Erik Lopez" userId="5fe6fa7f7cb912b1" providerId="LiveId" clId="{A70720B3-2D8B-4EC5-B7CD-FAFDFB283F78}" dt="2020-05-08T01:07:27.679" v="4949" actId="26606"/>
+          <ac:spMkLst>
+            <pc:docMk/>
+            <pc:sldMk cId="1244846457" sldId="270"/>
+            <ac:spMk id="21" creationId="{55EFD2BD-6E0E-4450-A3FF-5D1EA322A38B}"/>
+          </ac:spMkLst>
+        </pc:spChg>
+        <pc:spChg chg="add del">
+          <ac:chgData name="Erik Lopez" userId="5fe6fa7f7cb912b1" providerId="LiveId" clId="{A70720B3-2D8B-4EC5-B7CD-FAFDFB283F78}" dt="2020-05-08T01:06:55.366" v="4941" actId="26606"/>
+          <ac:spMkLst>
+            <pc:docMk/>
+            <pc:sldMk cId="1244846457" sldId="270"/>
+            <ac:spMk id="22" creationId="{0D91DD17-237F-4811-BC0E-128EB1BD7CFE}"/>
+          </ac:spMkLst>
+        </pc:spChg>
+        <pc:spChg chg="add del">
+          <ac:chgData name="Erik Lopez" userId="5fe6fa7f7cb912b1" providerId="LiveId" clId="{A70720B3-2D8B-4EC5-B7CD-FAFDFB283F78}" dt="2020-05-08T01:07:00.260" v="4944" actId="26606"/>
+          <ac:spMkLst>
+            <pc:docMk/>
+            <pc:sldMk cId="1244846457" sldId="270"/>
+            <ac:spMk id="24" creationId="{7D379150-F6B4-45C8-BE10-6B278AD400EB}"/>
+          </ac:spMkLst>
+        </pc:spChg>
+        <pc:spChg chg="add del">
+          <ac:chgData name="Erik Lopez" userId="5fe6fa7f7cb912b1" providerId="LiveId" clId="{A70720B3-2D8B-4EC5-B7CD-FAFDFB283F78}" dt="2020-05-08T01:07:00.260" v="4944" actId="26606"/>
+          <ac:spMkLst>
+            <pc:docMk/>
+            <pc:sldMk cId="1244846457" sldId="270"/>
+            <ac:spMk id="25" creationId="{5FFCF544-A370-4A5D-A95F-CA6E0E7191E6}"/>
+          </ac:spMkLst>
+        </pc:spChg>
+        <pc:spChg chg="add del">
+          <ac:chgData name="Erik Lopez" userId="5fe6fa7f7cb912b1" providerId="LiveId" clId="{A70720B3-2D8B-4EC5-B7CD-FAFDFB283F78}" dt="2020-05-08T01:07:00.260" v="4944" actId="26606"/>
+          <ac:spMkLst>
+            <pc:docMk/>
+            <pc:sldMk cId="1244846457" sldId="270"/>
+            <ac:spMk id="27" creationId="{44CC594A-A820-450F-B363-C19201FCFEC6}"/>
+          </ac:spMkLst>
+        </pc:spChg>
+        <pc:spChg chg="add del">
+          <ac:chgData name="Erik Lopez" userId="5fe6fa7f7cb912b1" providerId="LiveId" clId="{A70720B3-2D8B-4EC5-B7CD-FAFDFB283F78}" dt="2020-05-08T01:07:00.260" v="4944" actId="26606"/>
+          <ac:spMkLst>
+            <pc:docMk/>
+            <pc:sldMk cId="1244846457" sldId="270"/>
+            <ac:spMk id="28" creationId="{59FAB3DA-E9ED-4574-ABCC-378BC0FF1BBC}"/>
+          </ac:spMkLst>
+        </pc:spChg>
+        <pc:spChg chg="add del">
+          <ac:chgData name="Erik Lopez" userId="5fe6fa7f7cb912b1" providerId="LiveId" clId="{A70720B3-2D8B-4EC5-B7CD-FAFDFB283F78}" dt="2020-05-08T01:07:00.260" v="4944" actId="26606"/>
+          <ac:spMkLst>
+            <pc:docMk/>
+            <pc:sldMk cId="1244846457" sldId="270"/>
+            <ac:spMk id="29" creationId="{8F14B860-C8C1-4F27-BA61-3C175F400E1B}"/>
+          </ac:spMkLst>
+        </pc:spChg>
+        <pc:spChg chg="add del">
+          <ac:chgData name="Erik Lopez" userId="5fe6fa7f7cb912b1" providerId="LiveId" clId="{A70720B3-2D8B-4EC5-B7CD-FAFDFB283F78}" dt="2020-05-08T01:07:00.260" v="4944" actId="26606"/>
+          <ac:spMkLst>
+            <pc:docMk/>
+            <pc:sldMk cId="1244846457" sldId="270"/>
+            <ac:spMk id="30" creationId="{53B8D6B0-55D6-48DC-86D8-FD95D5F118AB}"/>
+          </ac:spMkLst>
+        </pc:spChg>
+        <pc:spChg chg="add mod">
+          <ac:chgData name="Erik Lopez" userId="5fe6fa7f7cb912b1" providerId="LiveId" clId="{A70720B3-2D8B-4EC5-B7CD-FAFDFB283F78}" dt="2020-05-08T01:18:05.795" v="5060" actId="1076"/>
+          <ac:spMkLst>
+            <pc:docMk/>
+            <pc:sldMk cId="1244846457" sldId="270"/>
+            <ac:spMk id="32" creationId="{5FF64A03-F24C-43E1-B1E4-986428A65E2D}"/>
+          </ac:spMkLst>
+        </pc:spChg>
+        <pc:spChg chg="add mod">
+          <ac:chgData name="Erik Lopez" userId="5fe6fa7f7cb912b1" providerId="LiveId" clId="{A70720B3-2D8B-4EC5-B7CD-FAFDFB283F78}" dt="2020-05-08T01:18:54.175" v="5063" actId="1076"/>
+          <ac:spMkLst>
+            <pc:docMk/>
+            <pc:sldMk cId="1244846457" sldId="270"/>
+            <ac:spMk id="34" creationId="{17032EB8-4E74-4979-983B-2587378E4349}"/>
+          </ac:spMkLst>
+        </pc:spChg>
+        <pc:spChg chg="add mod ord">
+          <ac:chgData name="Erik Lopez" userId="5fe6fa7f7cb912b1" providerId="LiveId" clId="{A70720B3-2D8B-4EC5-B7CD-FAFDFB283F78}" dt="2020-05-08T01:24:42.568" v="5092" actId="14100"/>
+          <ac:spMkLst>
+            <pc:docMk/>
+            <pc:sldMk cId="1244846457" sldId="270"/>
+            <ac:spMk id="35" creationId="{A2A7D85E-62DF-460B-B3F0-9F9ED263A2AA}"/>
+          </ac:spMkLst>
+        </pc:spChg>
+        <pc:picChg chg="add del mod">
+          <ac:chgData name="Erik Lopez" userId="5fe6fa7f7cb912b1" providerId="LiveId" clId="{A70720B3-2D8B-4EC5-B7CD-FAFDFB283F78}" dt="2020-05-08T01:07:14.545" v="4945" actId="478"/>
+          <ac:picMkLst>
+            <pc:docMk/>
+            <pc:sldMk cId="1244846457" sldId="270"/>
+            <ac:picMk id="5" creationId="{4C706583-EA03-43D4-892B-D7307E291C2D}"/>
+          </ac:picMkLst>
+        </pc:picChg>
+        <pc:picChg chg="add del">
+          <ac:chgData name="Erik Lopez" userId="5fe6fa7f7cb912b1" providerId="LiveId" clId="{A70720B3-2D8B-4EC5-B7CD-FAFDFB283F78}" dt="2020-05-08T01:07:18.713" v="4947"/>
+          <ac:picMkLst>
+            <pc:docMk/>
+            <pc:sldMk cId="1244846457" sldId="270"/>
+            <ac:picMk id="8" creationId="{0E82780E-9E0C-4A5B-B167-D5E7D1537D8F}"/>
+          </ac:picMkLst>
+        </pc:picChg>
+        <pc:picChg chg="add del mod">
+          <ac:chgData name="Erik Lopez" userId="5fe6fa7f7cb912b1" providerId="LiveId" clId="{A70720B3-2D8B-4EC5-B7CD-FAFDFB283F78}" dt="2020-05-08T01:09:19.483" v="4979" actId="478"/>
+          <ac:picMkLst>
+            <pc:docMk/>
+            <pc:sldMk cId="1244846457" sldId="270"/>
+            <ac:picMk id="9" creationId="{88D45A7F-9726-42DC-89DC-04A2258D9B90}"/>
+          </ac:picMkLst>
+        </pc:picChg>
+        <pc:picChg chg="add mod">
+          <ac:chgData name="Erik Lopez" userId="5fe6fa7f7cb912b1" providerId="LiveId" clId="{A70720B3-2D8B-4EC5-B7CD-FAFDFB283F78}" dt="2020-05-08T01:09:22.626" v="4980" actId="1076"/>
+          <ac:picMkLst>
+            <pc:docMk/>
+            <pc:sldMk cId="1244846457" sldId="270"/>
+            <ac:picMk id="23" creationId="{CFEE4D78-B2E2-4348-9B0E-EFA6B56B5A8E}"/>
+          </ac:picMkLst>
+        </pc:picChg>
+        <pc:picChg chg="add del mod">
+          <ac:chgData name="Erik Lopez" userId="5fe6fa7f7cb912b1" providerId="LiveId" clId="{A70720B3-2D8B-4EC5-B7CD-FAFDFB283F78}" dt="2020-05-08T01:23:45.788" v="5077" actId="478"/>
+          <ac:picMkLst>
+            <pc:docMk/>
+            <pc:sldMk cId="1244846457" sldId="270"/>
+            <ac:picMk id="33" creationId="{1DC766FD-1E9E-4618-90C0-31444E90EDB3}"/>
+          </ac:picMkLst>
+        </pc:picChg>
+        <pc:picChg chg="add mod ord">
+          <ac:chgData name="Erik Lopez" userId="5fe6fa7f7cb912b1" providerId="LiveId" clId="{A70720B3-2D8B-4EC5-B7CD-FAFDFB283F78}" dt="2020-05-08T01:24:20.594" v="5087" actId="1076"/>
+          <ac:picMkLst>
+            <pc:docMk/>
+            <pc:sldMk cId="1244846457" sldId="270"/>
+            <ac:picMk id="36" creationId="{F412721F-2196-4205-B83E-ED6BFF7C2798}"/>
+          </ac:picMkLst>
+        </pc:picChg>
+        <pc:cxnChg chg="add del">
+          <ac:chgData name="Erik Lopez" userId="5fe6fa7f7cb912b1" providerId="LiveId" clId="{A70720B3-2D8B-4EC5-B7CD-FAFDFB283F78}" dt="2020-05-08T01:06:55.366" v="4941" actId="26606"/>
+          <ac:cxnSpMkLst>
+            <pc:docMk/>
+            <pc:sldMk cId="1244846457" sldId="270"/>
+            <ac:cxnSpMk id="14" creationId="{7E1D4427-852B-4B37-8E76-0E9F1810BA2A}"/>
+          </ac:cxnSpMkLst>
+        </pc:cxnChg>
+        <pc:cxnChg chg="add">
+          <ac:chgData name="Erik Lopez" userId="5fe6fa7f7cb912b1" providerId="LiveId" clId="{A70720B3-2D8B-4EC5-B7CD-FAFDFB283F78}" dt="2020-05-08T01:07:27.679" v="4949" actId="26606"/>
+          <ac:cxnSpMkLst>
+            <pc:docMk/>
+            <pc:sldMk cId="1244846457" sldId="270"/>
+            <ac:cxnSpMk id="15" creationId="{6EEB3B97-A638-498B-8083-54191CE71E01}"/>
+          </ac:cxnSpMkLst>
+        </pc:cxnChg>
+        <pc:cxnChg chg="add del">
+          <ac:chgData name="Erik Lopez" userId="5fe6fa7f7cb912b1" providerId="LiveId" clId="{A70720B3-2D8B-4EC5-B7CD-FAFDFB283F78}" dt="2020-05-08T01:06:55.366" v="4941" actId="26606"/>
+          <ac:cxnSpMkLst>
+            <pc:docMk/>
+            <pc:sldMk cId="1244846457" sldId="270"/>
+            <ac:cxnSpMk id="18" creationId="{C9AC0290-4702-4519-B0F4-C2A46880997B}"/>
+          </ac:cxnSpMkLst>
+        </pc:cxnChg>
+        <pc:cxnChg chg="add del">
+          <ac:chgData name="Erik Lopez" userId="5fe6fa7f7cb912b1" providerId="LiveId" clId="{A70720B3-2D8B-4EC5-B7CD-FAFDFB283F78}" dt="2020-05-08T01:07:00.260" v="4944" actId="26606"/>
+          <ac:cxnSpMkLst>
+            <pc:docMk/>
+            <pc:sldMk cId="1244846457" sldId="270"/>
+            <ac:cxnSpMk id="26" creationId="{6EEB3B97-A638-498B-8083-54191CE71E01}"/>
+          </ac:cxnSpMkLst>
+        </pc:cxnChg>
+      </pc:sldChg>
+      <pc:sldChg chg="addSp delSp modSp add mod setBg delDesignElem">
+        <pc:chgData name="Erik Lopez" userId="5fe6fa7f7cb912b1" providerId="LiveId" clId="{A70720B3-2D8B-4EC5-B7CD-FAFDFB283F78}" dt="2020-05-08T01:47:12.066" v="5285" actId="20577"/>
+        <pc:sldMkLst>
+          <pc:docMk/>
+          <pc:sldMk cId="196559908" sldId="271"/>
+        </pc:sldMkLst>
+        <pc:spChg chg="del">
+          <ac:chgData name="Erik Lopez" userId="5fe6fa7f7cb912b1" providerId="LiveId" clId="{A70720B3-2D8B-4EC5-B7CD-FAFDFB283F78}" dt="2020-05-08T01:19:17.709" v="5067" actId="26606"/>
+          <ac:spMkLst>
+            <pc:docMk/>
+            <pc:sldMk cId="196559908" sldId="271"/>
+            <ac:spMk id="2" creationId="{EDE01E5C-7FA3-4190-B95B-1CE70195302E}"/>
+          </ac:spMkLst>
+        </pc:spChg>
+        <pc:spChg chg="del">
+          <ac:chgData name="Erik Lopez" userId="5fe6fa7f7cb912b1" providerId="LiveId" clId="{A70720B3-2D8B-4EC5-B7CD-FAFDFB283F78}" dt="2020-05-08T01:19:14.021" v="5066"/>
+          <ac:spMkLst>
+            <pc:docMk/>
+            <pc:sldMk cId="196559908" sldId="271"/>
+            <ac:spMk id="3" creationId="{727871B1-8B27-45B8-B622-9310A4DE559C}"/>
+          </ac:spMkLst>
+        </pc:spChg>
+        <pc:spChg chg="del">
+          <ac:chgData name="Erik Lopez" userId="5fe6fa7f7cb912b1" providerId="LiveId" clId="{A70720B3-2D8B-4EC5-B7CD-FAFDFB283F78}" dt="2020-05-08T01:19:17.709" v="5067" actId="26606"/>
+          <ac:spMkLst>
+            <pc:docMk/>
+            <pc:sldMk cId="196559908" sldId="271"/>
+            <ac:spMk id="4" creationId="{C6B8281C-4383-4602-9A10-A8845B5BA3A7}"/>
+          </ac:spMkLst>
+        </pc:spChg>
+        <pc:spChg chg="add del mod">
+          <ac:chgData name="Erik Lopez" userId="5fe6fa7f7cb912b1" providerId="LiveId" clId="{A70720B3-2D8B-4EC5-B7CD-FAFDFB283F78}" dt="2020-05-08T01:20:37.766" v="5070" actId="478"/>
+          <ac:spMkLst>
+            <pc:docMk/>
+            <pc:sldMk cId="196559908" sldId="271"/>
+            <ac:spMk id="6" creationId="{6F166D91-CC18-45AF-A6B9-A4E8EA721604}"/>
+          </ac:spMkLst>
+        </pc:spChg>
+        <pc:spChg chg="add mod">
+          <ac:chgData name="Erik Lopez" userId="5fe6fa7f7cb912b1" providerId="LiveId" clId="{A70720B3-2D8B-4EC5-B7CD-FAFDFB283F78}" dt="2020-05-08T01:43:11.845" v="5159" actId="122"/>
+          <ac:spMkLst>
+            <pc:docMk/>
+            <pc:sldMk cId="196559908" sldId="271"/>
+            <ac:spMk id="7" creationId="{B8B23477-263B-4F40-A95A-50C3FE99F075}"/>
+          </ac:spMkLst>
+        </pc:spChg>
+        <pc:spChg chg="add del mod">
+          <ac:chgData name="Erik Lopez" userId="5fe6fa7f7cb912b1" providerId="LiveId" clId="{A70720B3-2D8B-4EC5-B7CD-FAFDFB283F78}" dt="2020-05-08T01:43:19.341" v="5161" actId="478"/>
+          <ac:spMkLst>
+            <pc:docMk/>
+            <pc:sldMk cId="196559908" sldId="271"/>
+            <ac:spMk id="8" creationId="{D8DCB5C9-E536-4AC1-91C1-B41F411FE14C}"/>
+          </ac:spMkLst>
+        </pc:spChg>
+        <pc:spChg chg="add mod">
+          <ac:chgData name="Erik Lopez" userId="5fe6fa7f7cb912b1" providerId="LiveId" clId="{A70720B3-2D8B-4EC5-B7CD-FAFDFB283F78}" dt="2020-05-08T01:47:12.066" v="5285" actId="20577"/>
+          <ac:spMkLst>
+            <pc:docMk/>
+            <pc:sldMk cId="196559908" sldId="271"/>
+            <ac:spMk id="9" creationId="{C2D21328-90D1-4762-B121-44348610E387}"/>
+          </ac:spMkLst>
+        </pc:spChg>
+        <pc:spChg chg="add del">
+          <ac:chgData name="Erik Lopez" userId="5fe6fa7f7cb912b1" providerId="LiveId" clId="{A70720B3-2D8B-4EC5-B7CD-FAFDFB283F78}" dt="2020-05-08T01:20:44.435" v="5071" actId="26606"/>
+          <ac:spMkLst>
+            <pc:docMk/>
+            <pc:sldMk cId="196559908" sldId="271"/>
+            <ac:spMk id="10" creationId="{C2579DAE-C141-48DB-810E-C070C300819E}"/>
+          </ac:spMkLst>
+        </pc:spChg>
+        <pc:spChg chg="add del">
+          <ac:chgData name="Erik Lopez" userId="5fe6fa7f7cb912b1" providerId="LiveId" clId="{A70720B3-2D8B-4EC5-B7CD-FAFDFB283F78}" dt="2020-05-08T01:20:44.435" v="5071" actId="26606"/>
+          <ac:spMkLst>
+            <pc:docMk/>
+            <pc:sldMk cId="196559908" sldId="271"/>
+            <ac:spMk id="12" creationId="{02FD90C3-6350-4D5B-9738-6E94EDF30F74}"/>
+          </ac:spMkLst>
+        </pc:spChg>
+        <pc:spChg chg="add del">
+          <ac:chgData name="Erik Lopez" userId="5fe6fa7f7cb912b1" providerId="LiveId" clId="{A70720B3-2D8B-4EC5-B7CD-FAFDFB283F78}" dt="2020-05-08T01:20:44.435" v="5071" actId="26606"/>
+          <ac:spMkLst>
+            <pc:docMk/>
+            <pc:sldMk cId="196559908" sldId="271"/>
+            <ac:spMk id="14" creationId="{41497DE5-0939-4D1D-9350-0C5E1B209C68}"/>
+          </ac:spMkLst>
+        </pc:spChg>
+        <pc:spChg chg="add del">
+          <ac:chgData name="Erik Lopez" userId="5fe6fa7f7cb912b1" providerId="LiveId" clId="{A70720B3-2D8B-4EC5-B7CD-FAFDFB283F78}" dt="2020-05-08T01:20:44.435" v="5071" actId="26606"/>
+          <ac:spMkLst>
+            <pc:docMk/>
+            <pc:sldMk cId="196559908" sldId="271"/>
+            <ac:spMk id="16" creationId="{5CCC70ED-6C63-4537-B7EB-51990D6C0A6F}"/>
+          </ac:spMkLst>
+        </pc:spChg>
+        <pc:spChg chg="add del">
+          <ac:chgData name="Erik Lopez" userId="5fe6fa7f7cb912b1" providerId="LiveId" clId="{A70720B3-2D8B-4EC5-B7CD-FAFDFB283F78}" dt="2020-05-08T01:20:44.435" v="5071" actId="26606"/>
+          <ac:spMkLst>
+            <pc:docMk/>
+            <pc:sldMk cId="196559908" sldId="271"/>
+            <ac:spMk id="18" creationId="{B76E24C1-2968-40DC-A36E-F6B85F0F0752}"/>
+          </ac:spMkLst>
+        </pc:spChg>
+        <pc:spChg chg="add del">
+          <ac:chgData name="Erik Lopez" userId="5fe6fa7f7cb912b1" providerId="LiveId" clId="{A70720B3-2D8B-4EC5-B7CD-FAFDFB283F78}" dt="2020-05-08T01:42:42.529" v="5100"/>
+          <ac:spMkLst>
+            <pc:docMk/>
+            <pc:sldMk cId="196559908" sldId="271"/>
+            <ac:spMk id="71" creationId="{C2579DAE-C141-48DB-810E-C070C300819E}"/>
+          </ac:spMkLst>
+        </pc:spChg>
+        <pc:spChg chg="add del">
+          <ac:chgData name="Erik Lopez" userId="5fe6fa7f7cb912b1" providerId="LiveId" clId="{A70720B3-2D8B-4EC5-B7CD-FAFDFB283F78}" dt="2020-05-08T01:42:42.529" v="5100"/>
+          <ac:spMkLst>
+            <pc:docMk/>
+            <pc:sldMk cId="196559908" sldId="271"/>
+            <ac:spMk id="73" creationId="{02FD90C3-6350-4D5B-9738-6E94EDF30F74}"/>
+          </ac:spMkLst>
+        </pc:spChg>
+        <pc:spChg chg="add del">
+          <ac:chgData name="Erik Lopez" userId="5fe6fa7f7cb912b1" providerId="LiveId" clId="{A70720B3-2D8B-4EC5-B7CD-FAFDFB283F78}" dt="2020-05-08T01:42:42.529" v="5100"/>
+          <ac:spMkLst>
+            <pc:docMk/>
+            <pc:sldMk cId="196559908" sldId="271"/>
+            <ac:spMk id="75" creationId="{41497DE5-0939-4D1D-9350-0C5E1B209C68}"/>
+          </ac:spMkLst>
+        </pc:spChg>
+        <pc:spChg chg="add del">
+          <ac:chgData name="Erik Lopez" userId="5fe6fa7f7cb912b1" providerId="LiveId" clId="{A70720B3-2D8B-4EC5-B7CD-FAFDFB283F78}" dt="2020-05-08T01:42:42.529" v="5100"/>
+          <ac:spMkLst>
+            <pc:docMk/>
+            <pc:sldMk cId="196559908" sldId="271"/>
+            <ac:spMk id="77" creationId="{5CCC70ED-6C63-4537-B7EB-51990D6C0A6F}"/>
+          </ac:spMkLst>
+        </pc:spChg>
+        <pc:spChg chg="add del">
+          <ac:chgData name="Erik Lopez" userId="5fe6fa7f7cb912b1" providerId="LiveId" clId="{A70720B3-2D8B-4EC5-B7CD-FAFDFB283F78}" dt="2020-05-08T01:42:42.529" v="5100"/>
+          <ac:spMkLst>
+            <pc:docMk/>
+            <pc:sldMk cId="196559908" sldId="271"/>
+            <ac:spMk id="79" creationId="{B76E24C1-2968-40DC-A36E-F6B85F0F0752}"/>
+          </ac:spMkLst>
+        </pc:spChg>
+        <pc:picChg chg="add del mod">
+          <ac:chgData name="Erik Lopez" userId="5fe6fa7f7cb912b1" providerId="LiveId" clId="{A70720B3-2D8B-4EC5-B7CD-FAFDFB283F78}" dt="2020-05-08T01:19:32.271" v="5068" actId="478"/>
+          <ac:picMkLst>
+            <pc:docMk/>
+            <pc:sldMk cId="196559908" sldId="271"/>
+            <ac:picMk id="5" creationId="{BD1A7435-7E85-4066-9146-14977FF7B85F}"/>
+          </ac:picMkLst>
+        </pc:picChg>
+        <pc:picChg chg="add del mod">
+          <ac:chgData name="Erik Lopez" userId="5fe6fa7f7cb912b1" providerId="LiveId" clId="{A70720B3-2D8B-4EC5-B7CD-FAFDFB283F78}" dt="2020-05-08T01:46:50.772" v="5281"/>
+          <ac:picMkLst>
+            <pc:docMk/>
+            <pc:sldMk cId="196559908" sldId="271"/>
+            <ac:picMk id="21" creationId="{4716F289-E5F6-4C2F-8CAF-B977A4C63953}"/>
+          </ac:picMkLst>
+        </pc:picChg>
+        <pc:picChg chg="add mod">
+          <ac:chgData name="Erik Lopez" userId="5fe6fa7f7cb912b1" providerId="LiveId" clId="{A70720B3-2D8B-4EC5-B7CD-FAFDFB283F78}" dt="2020-05-08T01:45:52.753" v="5273" actId="14100"/>
+          <ac:picMkLst>
+            <pc:docMk/>
+            <pc:sldMk cId="196559908" sldId="271"/>
+            <ac:picMk id="1026" creationId="{6AD8BD24-FA69-45D2-848E-19C1E106F138}"/>
+          </ac:picMkLst>
+        </pc:picChg>
+      </pc:sldChg>
     </pc:docChg>
   </pc:docChgLst>
 </pc:chgInfo>
 </file>
 
 <file path=ppt/slideLayouts/slideLayout1.xml><?xml version="1.0" encoding="utf-8"?>
-<p:sldLayout xmlns:a="http://schemas.openxmlformats.org/drawingml/2006/main" xmlns:r="http://schemas.openxmlformats.org/officeDocument/2006/relationships" xmlns:p="http://schemas.openxmlformats.org/presentationml/2006/main" type="title" preserve="1">
+<p:sldLayout xmlns:a="http://schemas.openxmlformats.org/drawingml/2006/main" xmlns:r="http://schemas.openxmlformats.org/officeDocument/2006/relationships" xmlns:p="http://schemas.openxmlformats.org/presentationml/2006/main" showMasterSp="0" type="title" preserve="1">
   <p:cSld name="Title Slide">
     <p:spTree>
       <p:nvGrpSpPr>
@@ -800,31 +1526,113 @@
       </p:grpSpPr>
       <p:sp>
         <p:nvSpPr>
-          <p:cNvPr id="2" name="Title 1">
-            <a:extLst>
-              <a:ext uri="{FF2B5EF4-FFF2-40B4-BE49-F238E27FC236}">
-                <a16:creationId xmlns:a16="http://schemas.microsoft.com/office/drawing/2014/main" id="{D2DB95EB-203D-4629-B2B6-67CFAFF96A9D}"/>
-              </a:ext>
-            </a:extLst>
-          </p:cNvPr>
-          <p:cNvSpPr>
-            <a:spLocks noGrp="1"/>
-          </p:cNvSpPr>
-          <p:nvPr>
-            <p:ph type="ctrTitle"/>
-          </p:nvPr>
+          <p:cNvPr id="7" name="Rectangle 6"/>
+          <p:cNvSpPr/>
+          <p:nvPr/>
         </p:nvSpPr>
         <p:spPr>
           <a:xfrm>
-            <a:off x="1524000" y="1122363"/>
-            <a:ext cx="9144000" cy="2387600"/>
+            <a:off x="3175" y="6400800"/>
+            <a:ext cx="12188825" cy="457200"/>
+          </a:xfrm>
+          <a:prstGeom prst="rect">
+            <a:avLst/>
+          </a:prstGeom>
+          <a:solidFill>
+            <a:schemeClr val="accent2"/>
+          </a:solidFill>
+          <a:ln>
+            <a:noFill/>
+          </a:ln>
+        </p:spPr>
+        <p:style>
+          <a:lnRef idx="2">
+            <a:schemeClr val="accent1">
+              <a:shade val="50000"/>
+            </a:schemeClr>
+          </a:lnRef>
+          <a:fillRef idx="1">
+            <a:schemeClr val="accent1"/>
+          </a:fillRef>
+          <a:effectRef idx="0">
+            <a:schemeClr val="accent1"/>
+          </a:effectRef>
+          <a:fontRef idx="minor">
+            <a:schemeClr val="lt1"/>
+          </a:fontRef>
+        </p:style>
+      </p:sp>
+      <p:sp>
+        <p:nvSpPr>
+          <p:cNvPr id="8" name="Rectangle 7"/>
+          <p:cNvSpPr/>
+          <p:nvPr/>
+        </p:nvSpPr>
+        <p:spPr>
+          <a:xfrm>
+            <a:off x="15" y="6334316"/>
+            <a:ext cx="12188825" cy="64008"/>
+          </a:xfrm>
+          <a:prstGeom prst="rect">
+            <a:avLst/>
+          </a:prstGeom>
+          <a:solidFill>
+            <a:schemeClr val="accent1"/>
+          </a:solidFill>
+          <a:ln>
+            <a:noFill/>
+          </a:ln>
+        </p:spPr>
+        <p:style>
+          <a:lnRef idx="2">
+            <a:schemeClr val="accent1">
+              <a:shade val="50000"/>
+            </a:schemeClr>
+          </a:lnRef>
+          <a:fillRef idx="1">
+            <a:schemeClr val="accent1"/>
+          </a:fillRef>
+          <a:effectRef idx="0">
+            <a:schemeClr val="accent1"/>
+          </a:effectRef>
+          <a:fontRef idx="minor">
+            <a:schemeClr val="lt1"/>
+          </a:fontRef>
+        </p:style>
+      </p:sp>
+      <p:sp>
+        <p:nvSpPr>
+          <p:cNvPr id="2" name="Title 1"/>
+          <p:cNvSpPr>
+            <a:spLocks noGrp="1"/>
+          </p:cNvSpPr>
+          <p:nvPr>
+            <p:ph type="ctrTitle"/>
+          </p:nvPr>
+        </p:nvSpPr>
+        <p:spPr>
+          <a:xfrm>
+            <a:off x="1097280" y="758952"/>
+            <a:ext cx="10058400" cy="3566160"/>
           </a:xfrm>
         </p:spPr>
         <p:txBody>
-          <a:bodyPr anchor="b"/>
+          <a:bodyPr anchor="b">
+            <a:normAutofit/>
+          </a:bodyPr>
           <a:lstStyle>
-            <a:lvl1pPr algn="ctr">
-              <a:defRPr sz="6000"/>
+            <a:lvl1pPr algn="l">
+              <a:lnSpc>
+                <a:spcPct val="85000"/>
+              </a:lnSpc>
+              <a:defRPr sz="8000" spc="-50" baseline="0">
+                <a:solidFill>
+                  <a:schemeClr val="tx1">
+                    <a:lumMod val="85000"/>
+                    <a:lumOff val="15000"/>
+                  </a:schemeClr>
+                </a:solidFill>
+              </a:defRPr>
             </a:lvl1pPr>
           </a:lstStyle>
           <a:p>
@@ -832,18 +1640,13 @@
               <a:rPr lang="en-US"/>
               <a:t>Click to edit Master title style</a:t>
             </a:r>
-          </a:p>
-        </p:txBody>
-      </p:sp>
-      <p:sp>
-        <p:nvSpPr>
-          <p:cNvPr id="3" name="Subtitle 2">
-            <a:extLst>
-              <a:ext uri="{FF2B5EF4-FFF2-40B4-BE49-F238E27FC236}">
-                <a16:creationId xmlns:a16="http://schemas.microsoft.com/office/drawing/2014/main" id="{0A848B23-3155-46E8-938B-59BE1006FE95}"/>
-              </a:ext>
-            </a:extLst>
-          </p:cNvPr>
+            <a:endParaRPr lang="en-US" dirty="0"/>
+          </a:p>
+        </p:txBody>
+      </p:sp>
+      <p:sp>
+        <p:nvSpPr>
+          <p:cNvPr id="3" name="Subtitle 2"/>
           <p:cNvSpPr>
             <a:spLocks noGrp="1"/>
           </p:cNvSpPr>
@@ -853,48 +1656,55 @@
         </p:nvSpPr>
         <p:spPr>
           <a:xfrm>
-            <a:off x="1524000" y="3602038"/>
-            <a:ext cx="9144000" cy="1655762"/>
+            <a:off x="1100051" y="4455620"/>
+            <a:ext cx="10058400" cy="1143000"/>
           </a:xfrm>
         </p:spPr>
         <p:txBody>
-          <a:bodyPr/>
+          <a:bodyPr lIns="91440" rIns="91440">
+            <a:normAutofit/>
+          </a:bodyPr>
           <a:lstStyle>
-            <a:lvl1pPr marL="0" indent="0" algn="ctr">
+            <a:lvl1pPr marL="0" indent="0" algn="l">
               <a:buNone/>
-              <a:defRPr sz="2400"/>
+              <a:defRPr sz="2400" cap="all" spc="200" baseline="0">
+                <a:solidFill>
+                  <a:schemeClr val="tx2"/>
+                </a:solidFill>
+                <a:latin typeface="+mj-lt"/>
+              </a:defRPr>
             </a:lvl1pPr>
             <a:lvl2pPr marL="457200" indent="0" algn="ctr">
               <a:buNone/>
-              <a:defRPr sz="2000"/>
+              <a:defRPr sz="2400"/>
             </a:lvl2pPr>
             <a:lvl3pPr marL="914400" indent="0" algn="ctr">
               <a:buNone/>
-              <a:defRPr sz="1800"/>
+              <a:defRPr sz="2400"/>
             </a:lvl3pPr>
             <a:lvl4pPr marL="1371600" indent="0" algn="ctr">
               <a:buNone/>
-              <a:defRPr sz="1600"/>
+              <a:defRPr sz="2000"/>
             </a:lvl4pPr>
             <a:lvl5pPr marL="1828800" indent="0" algn="ctr">
               <a:buNone/>
-              <a:defRPr sz="1600"/>
+              <a:defRPr sz="2000"/>
             </a:lvl5pPr>
             <a:lvl6pPr marL="2286000" indent="0" algn="ctr">
               <a:buNone/>
-              <a:defRPr sz="1600"/>
+              <a:defRPr sz="2000"/>
             </a:lvl6pPr>
             <a:lvl7pPr marL="2743200" indent="0" algn="ctr">
               <a:buNone/>
-              <a:defRPr sz="1600"/>
+              <a:defRPr sz="2000"/>
             </a:lvl7pPr>
             <a:lvl8pPr marL="3200400" indent="0" algn="ctr">
               <a:buNone/>
-              <a:defRPr sz="1600"/>
+              <a:defRPr sz="2000"/>
             </a:lvl8pPr>
             <a:lvl9pPr marL="3657600" indent="0" algn="ctr">
               <a:buNone/>
-              <a:defRPr sz="1600"/>
+              <a:defRPr sz="2000"/>
             </a:lvl9pPr>
           </a:lstStyle>
           <a:p>
@@ -902,18 +1712,13 @@
               <a:rPr lang="en-US"/>
               <a:t>Click to edit Master subtitle style</a:t>
             </a:r>
-          </a:p>
-        </p:txBody>
-      </p:sp>
-      <p:sp>
-        <p:nvSpPr>
-          <p:cNvPr id="4" name="Date Placeholder 3">
-            <a:extLst>
-              <a:ext uri="{FF2B5EF4-FFF2-40B4-BE49-F238E27FC236}">
-                <a16:creationId xmlns:a16="http://schemas.microsoft.com/office/drawing/2014/main" id="{E783F45D-1F1D-45A0-BE47-5BF4C9BB166F}"/>
-              </a:ext>
-            </a:extLst>
-          </p:cNvPr>
+            <a:endParaRPr lang="en-US" dirty="0"/>
+          </a:p>
+        </p:txBody>
+      </p:sp>
+      <p:sp>
+        <p:nvSpPr>
+          <p:cNvPr id="4" name="Date Placeholder 3"/>
           <p:cNvSpPr>
             <a:spLocks noGrp="1"/>
           </p:cNvSpPr>
@@ -928,7 +1733,7 @@
           <a:p>
             <a:fld id="{5903BF61-59A0-41BF-9A68-F51252DBAEC7}" type="datetimeFigureOut">
               <a:rPr lang="en-US" smtClean="0"/>
-              <a:t>5/2/2020</a:t>
+              <a:t>5/8/2020</a:t>
             </a:fld>
             <a:endParaRPr lang="en-US"/>
           </a:p>
@@ -936,13 +1741,7 @@
       </p:sp>
       <p:sp>
         <p:nvSpPr>
-          <p:cNvPr id="5" name="Footer Placeholder 4">
-            <a:extLst>
-              <a:ext uri="{FF2B5EF4-FFF2-40B4-BE49-F238E27FC236}">
-                <a16:creationId xmlns:a16="http://schemas.microsoft.com/office/drawing/2014/main" id="{ED51C814-B726-4863-A566-43ECE7765E3A}"/>
-              </a:ext>
-            </a:extLst>
-          </p:cNvPr>
+          <p:cNvPr id="5" name="Footer Placeholder 4"/>
           <p:cNvSpPr>
             <a:spLocks noGrp="1"/>
           </p:cNvSpPr>
@@ -961,13 +1760,7 @@
       </p:sp>
       <p:sp>
         <p:nvSpPr>
-          <p:cNvPr id="6" name="Slide Number Placeholder 5">
-            <a:extLst>
-              <a:ext uri="{FF2B5EF4-FFF2-40B4-BE49-F238E27FC236}">
-                <a16:creationId xmlns:a16="http://schemas.microsoft.com/office/drawing/2014/main" id="{BC009244-4427-4E93-B687-77963EAE770E}"/>
-              </a:ext>
-            </a:extLst>
-          </p:cNvPr>
+          <p:cNvPr id="6" name="Slide Number Placeholder 5"/>
           <p:cNvSpPr>
             <a:spLocks noGrp="1"/>
           </p:cNvSpPr>
@@ -988,16 +1781,59 @@
           </a:p>
         </p:txBody>
       </p:sp>
+      <p:cxnSp>
+        <p:nvCxnSpPr>
+          <p:cNvPr id="9" name="Straight Connector 8"/>
+          <p:cNvCxnSpPr/>
+          <p:nvPr/>
+        </p:nvCxnSpPr>
+        <p:spPr>
+          <a:xfrm>
+            <a:off x="1207658" y="4343400"/>
+            <a:ext cx="9875520" cy="0"/>
+          </a:xfrm>
+          <a:prstGeom prst="line">
+            <a:avLst/>
+          </a:prstGeom>
+          <a:ln w="6350">
+            <a:solidFill>
+              <a:schemeClr val="tx1">
+                <a:lumMod val="50000"/>
+                <a:lumOff val="50000"/>
+              </a:schemeClr>
+            </a:solidFill>
+          </a:ln>
+        </p:spPr>
+        <p:style>
+          <a:lnRef idx="1">
+            <a:schemeClr val="accent1"/>
+          </a:lnRef>
+          <a:fillRef idx="0">
+            <a:schemeClr val="accent1"/>
+          </a:fillRef>
+          <a:effectRef idx="0">
+            <a:schemeClr val="accent1"/>
+          </a:effectRef>
+          <a:fontRef idx="minor">
+            <a:schemeClr val="tx1"/>
+          </a:fontRef>
+        </p:style>
+      </p:cxnSp>
     </p:spTree>
     <p:extLst>
       <p:ext uri="{BB962C8B-B14F-4D97-AF65-F5344CB8AC3E}">
-        <p14:creationId xmlns:p14="http://schemas.microsoft.com/office/powerpoint/2010/main" val="2655287946"/>
+        <p14:creationId xmlns:p14="http://schemas.microsoft.com/office/powerpoint/2010/main" val="3199473128"/>
       </p:ext>
     </p:extLst>
   </p:cSld>
   <p:clrMapOvr>
     <a:masterClrMapping/>
   </p:clrMapOvr>
+  <p:extLst>
+    <p:ext uri="{DCECCB84-F9BA-43D5-87BE-67443E8EF086}">
+      <p15:sldGuideLst xmlns:p15="http://schemas.microsoft.com/office/powerpoint/2012/main"/>
+    </p:ext>
+  </p:extLst>
 </p:sldLayout>
 </file>
 
@@ -1020,13 +1856,7 @@
       </p:grpSpPr>
       <p:sp>
         <p:nvSpPr>
-          <p:cNvPr id="2" name="Title 1">
-            <a:extLst>
-              <a:ext uri="{FF2B5EF4-FFF2-40B4-BE49-F238E27FC236}">
-                <a16:creationId xmlns:a16="http://schemas.microsoft.com/office/drawing/2014/main" id="{2C12066D-8D11-4879-AC22-41DB13D3D918}"/>
-              </a:ext>
-            </a:extLst>
-          </p:cNvPr>
+          <p:cNvPr id="2" name="Title 1"/>
           <p:cNvSpPr>
             <a:spLocks noGrp="1"/>
           </p:cNvSpPr>
@@ -1043,18 +1873,13 @@
               <a:rPr lang="en-US"/>
               <a:t>Click to edit Master title style</a:t>
             </a:r>
-          </a:p>
-        </p:txBody>
-      </p:sp>
-      <p:sp>
-        <p:nvSpPr>
-          <p:cNvPr id="3" name="Vertical Text Placeholder 2">
-            <a:extLst>
-              <a:ext uri="{FF2B5EF4-FFF2-40B4-BE49-F238E27FC236}">
-                <a16:creationId xmlns:a16="http://schemas.microsoft.com/office/drawing/2014/main" id="{F7283485-5A56-4141-8C1A-B94001C318C3}"/>
-              </a:ext>
-            </a:extLst>
-          </p:cNvPr>
+            <a:endParaRPr lang="en-US" dirty="0"/>
+          </a:p>
+        </p:txBody>
+      </p:sp>
+      <p:sp>
+        <p:nvSpPr>
+          <p:cNvPr id="3" name="Vertical Text Placeholder 2"/>
           <p:cNvSpPr>
             <a:spLocks noGrp="1"/>
           </p:cNvSpPr>
@@ -1064,7 +1889,7 @@
         </p:nvSpPr>
         <p:spPr/>
         <p:txBody>
-          <a:bodyPr vert="eaVert"/>
+          <a:bodyPr vert="eaVert" lIns="45720" tIns="0" rIns="45720" bIns="0"/>
           <a:lstStyle/>
           <a:p>
             <a:pPr lvl="0"/>
@@ -1100,18 +1925,13 @@
               <a:rPr lang="en-US"/>
               <a:t>Fifth level</a:t>
             </a:r>
-          </a:p>
-        </p:txBody>
-      </p:sp>
-      <p:sp>
-        <p:nvSpPr>
-          <p:cNvPr id="4" name="Date Placeholder 3">
-            <a:extLst>
-              <a:ext uri="{FF2B5EF4-FFF2-40B4-BE49-F238E27FC236}">
-                <a16:creationId xmlns:a16="http://schemas.microsoft.com/office/drawing/2014/main" id="{CD324A26-9926-4B5A-A1AC-4953246D7664}"/>
-              </a:ext>
-            </a:extLst>
-          </p:cNvPr>
+            <a:endParaRPr lang="en-US" dirty="0"/>
+          </a:p>
+        </p:txBody>
+      </p:sp>
+      <p:sp>
+        <p:nvSpPr>
+          <p:cNvPr id="4" name="Date Placeholder 3"/>
           <p:cNvSpPr>
             <a:spLocks noGrp="1"/>
           </p:cNvSpPr>
@@ -1126,7 +1946,7 @@
           <a:p>
             <a:fld id="{5903BF61-59A0-41BF-9A68-F51252DBAEC7}" type="datetimeFigureOut">
               <a:rPr lang="en-US" smtClean="0"/>
-              <a:t>5/2/2020</a:t>
+              <a:t>5/8/2020</a:t>
             </a:fld>
             <a:endParaRPr lang="en-US"/>
           </a:p>
@@ -1134,13 +1954,7 @@
       </p:sp>
       <p:sp>
         <p:nvSpPr>
-          <p:cNvPr id="5" name="Footer Placeholder 4">
-            <a:extLst>
-              <a:ext uri="{FF2B5EF4-FFF2-40B4-BE49-F238E27FC236}">
-                <a16:creationId xmlns:a16="http://schemas.microsoft.com/office/drawing/2014/main" id="{E2C285BE-CEB3-4E8A-B862-3909FD087C8F}"/>
-              </a:ext>
-            </a:extLst>
-          </p:cNvPr>
+          <p:cNvPr id="5" name="Footer Placeholder 4"/>
           <p:cNvSpPr>
             <a:spLocks noGrp="1"/>
           </p:cNvSpPr>
@@ -1159,13 +1973,7 @@
       </p:sp>
       <p:sp>
         <p:nvSpPr>
-          <p:cNvPr id="6" name="Slide Number Placeholder 5">
-            <a:extLst>
-              <a:ext uri="{FF2B5EF4-FFF2-40B4-BE49-F238E27FC236}">
-                <a16:creationId xmlns:a16="http://schemas.microsoft.com/office/drawing/2014/main" id="{3D6BFD1A-0735-42A8-B8F0-E914724C40FD}"/>
-              </a:ext>
-            </a:extLst>
-          </p:cNvPr>
+          <p:cNvPr id="6" name="Slide Number Placeholder 5"/>
           <p:cNvSpPr>
             <a:spLocks noGrp="1"/>
           </p:cNvSpPr>
@@ -1189,7 +1997,7 @@
     </p:spTree>
     <p:extLst>
       <p:ext uri="{BB962C8B-B14F-4D97-AF65-F5344CB8AC3E}">
-        <p14:creationId xmlns:p14="http://schemas.microsoft.com/office/powerpoint/2010/main" val="3240251124"/>
+        <p14:creationId xmlns:p14="http://schemas.microsoft.com/office/powerpoint/2010/main" val="803573741"/>
       </p:ext>
     </p:extLst>
   </p:cSld>
@@ -1200,7 +2008,7 @@
 </file>
 
 <file path=ppt/slideLayouts/slideLayout11.xml><?xml version="1.0" encoding="utf-8"?>
-<p:sldLayout xmlns:a="http://schemas.openxmlformats.org/drawingml/2006/main" xmlns:r="http://schemas.openxmlformats.org/officeDocument/2006/relationships" xmlns:p="http://schemas.openxmlformats.org/presentationml/2006/main" type="vertTitleAndTx" preserve="1">
+<p:sldLayout xmlns:a="http://schemas.openxmlformats.org/drawingml/2006/main" xmlns:r="http://schemas.openxmlformats.org/officeDocument/2006/relationships" xmlns:p="http://schemas.openxmlformats.org/presentationml/2006/main" showMasterSp="0" type="vertTitleAndTx" preserve="1">
   <p:cSld name="Vertical Title and Text">
     <p:spTree>
       <p:nvGrpSpPr>
@@ -1218,24 +2026,94 @@
       </p:grpSpPr>
       <p:sp>
         <p:nvSpPr>
-          <p:cNvPr id="2" name="Vertical Title 1">
-            <a:extLst>
-              <a:ext uri="{FF2B5EF4-FFF2-40B4-BE49-F238E27FC236}">
-                <a16:creationId xmlns:a16="http://schemas.microsoft.com/office/drawing/2014/main" id="{62544BCC-4860-4D78-874B-C81C8844AEDC}"/>
-              </a:ext>
-            </a:extLst>
-          </p:cNvPr>
-          <p:cNvSpPr>
-            <a:spLocks noGrp="1"/>
-          </p:cNvSpPr>
-          <p:nvPr>
-            <p:ph type="title" orient="vert"/>
-          </p:nvPr>
+          <p:cNvPr id="7" name="Rectangle 6"/>
+          <p:cNvSpPr/>
+          <p:nvPr/>
         </p:nvSpPr>
         <p:spPr>
           <a:xfrm>
-            <a:off x="8724900" y="365125"/>
-            <a:ext cx="2628900" cy="5811838"/>
+            <a:off x="3175" y="6400800"/>
+            <a:ext cx="12188825" cy="457200"/>
+          </a:xfrm>
+          <a:prstGeom prst="rect">
+            <a:avLst/>
+          </a:prstGeom>
+          <a:solidFill>
+            <a:schemeClr val="accent2"/>
+          </a:solidFill>
+          <a:ln>
+            <a:noFill/>
+          </a:ln>
+        </p:spPr>
+        <p:style>
+          <a:lnRef idx="2">
+            <a:schemeClr val="accent1">
+              <a:shade val="50000"/>
+            </a:schemeClr>
+          </a:lnRef>
+          <a:fillRef idx="1">
+            <a:schemeClr val="accent1"/>
+          </a:fillRef>
+          <a:effectRef idx="0">
+            <a:schemeClr val="accent1"/>
+          </a:effectRef>
+          <a:fontRef idx="minor">
+            <a:schemeClr val="lt1"/>
+          </a:fontRef>
+        </p:style>
+      </p:sp>
+      <p:sp>
+        <p:nvSpPr>
+          <p:cNvPr id="8" name="Rectangle 7"/>
+          <p:cNvSpPr/>
+          <p:nvPr/>
+        </p:nvSpPr>
+        <p:spPr>
+          <a:xfrm>
+            <a:off x="15" y="6334316"/>
+            <a:ext cx="12188825" cy="64008"/>
+          </a:xfrm>
+          <a:prstGeom prst="rect">
+            <a:avLst/>
+          </a:prstGeom>
+          <a:solidFill>
+            <a:schemeClr val="accent1"/>
+          </a:solidFill>
+          <a:ln>
+            <a:noFill/>
+          </a:ln>
+        </p:spPr>
+        <p:style>
+          <a:lnRef idx="2">
+            <a:schemeClr val="accent1">
+              <a:shade val="50000"/>
+            </a:schemeClr>
+          </a:lnRef>
+          <a:fillRef idx="1">
+            <a:schemeClr val="accent1"/>
+          </a:fillRef>
+          <a:effectRef idx="0">
+            <a:schemeClr val="accent1"/>
+          </a:effectRef>
+          <a:fontRef idx="minor">
+            <a:schemeClr val="lt1"/>
+          </a:fontRef>
+        </p:style>
+      </p:sp>
+      <p:sp>
+        <p:nvSpPr>
+          <p:cNvPr id="2" name="Vertical Title 1"/>
+          <p:cNvSpPr>
+            <a:spLocks noGrp="1"/>
+          </p:cNvSpPr>
+          <p:nvPr>
+            <p:ph type="title" orient="vert"/>
+          </p:nvPr>
+        </p:nvSpPr>
+        <p:spPr>
+          <a:xfrm>
+            <a:off x="8724900" y="414778"/>
+            <a:ext cx="2628900" cy="5757421"/>
           </a:xfrm>
         </p:spPr>
         <p:txBody>
@@ -1246,18 +2124,13 @@
               <a:rPr lang="en-US"/>
               <a:t>Click to edit Master title style</a:t>
             </a:r>
-          </a:p>
-        </p:txBody>
-      </p:sp>
-      <p:sp>
-        <p:nvSpPr>
-          <p:cNvPr id="3" name="Vertical Text Placeholder 2">
-            <a:extLst>
-              <a:ext uri="{FF2B5EF4-FFF2-40B4-BE49-F238E27FC236}">
-                <a16:creationId xmlns:a16="http://schemas.microsoft.com/office/drawing/2014/main" id="{987B9828-8F0E-4BC9-8E5A-BD68AF061BA5}"/>
-              </a:ext>
-            </a:extLst>
-          </p:cNvPr>
+            <a:endParaRPr lang="en-US" dirty="0"/>
+          </a:p>
+        </p:txBody>
+      </p:sp>
+      <p:sp>
+        <p:nvSpPr>
+          <p:cNvPr id="3" name="Vertical Text Placeholder 2"/>
           <p:cNvSpPr>
             <a:spLocks noGrp="1"/>
           </p:cNvSpPr>
@@ -1267,12 +2140,12 @@
         </p:nvSpPr>
         <p:spPr>
           <a:xfrm>
-            <a:off x="838200" y="365125"/>
-            <a:ext cx="7734300" cy="5811838"/>
+            <a:off x="838200" y="414778"/>
+            <a:ext cx="7734300" cy="5757422"/>
           </a:xfrm>
         </p:spPr>
         <p:txBody>
-          <a:bodyPr vert="eaVert"/>
+          <a:bodyPr vert="eaVert" lIns="45720" tIns="0" rIns="45720" bIns="0"/>
           <a:lstStyle/>
           <a:p>
             <a:pPr lvl="0"/>
@@ -1308,18 +2181,13 @@
               <a:rPr lang="en-US"/>
               <a:t>Fifth level</a:t>
             </a:r>
-          </a:p>
-        </p:txBody>
-      </p:sp>
-      <p:sp>
-        <p:nvSpPr>
-          <p:cNvPr id="4" name="Date Placeholder 3">
-            <a:extLst>
-              <a:ext uri="{FF2B5EF4-FFF2-40B4-BE49-F238E27FC236}">
-                <a16:creationId xmlns:a16="http://schemas.microsoft.com/office/drawing/2014/main" id="{32744BB1-67D7-46D8-B7F7-7711EAD732C3}"/>
-              </a:ext>
-            </a:extLst>
-          </p:cNvPr>
+            <a:endParaRPr lang="en-US" dirty="0"/>
+          </a:p>
+        </p:txBody>
+      </p:sp>
+      <p:sp>
+        <p:nvSpPr>
+          <p:cNvPr id="4" name="Date Placeholder 3"/>
           <p:cNvSpPr>
             <a:spLocks noGrp="1"/>
           </p:cNvSpPr>
@@ -1334,7 +2202,7 @@
           <a:p>
             <a:fld id="{5903BF61-59A0-41BF-9A68-F51252DBAEC7}" type="datetimeFigureOut">
               <a:rPr lang="en-US" smtClean="0"/>
-              <a:t>5/2/2020</a:t>
+              <a:t>5/8/2020</a:t>
             </a:fld>
             <a:endParaRPr lang="en-US"/>
           </a:p>
@@ -1342,13 +2210,7 @@
       </p:sp>
       <p:sp>
         <p:nvSpPr>
-          <p:cNvPr id="5" name="Footer Placeholder 4">
-            <a:extLst>
-              <a:ext uri="{FF2B5EF4-FFF2-40B4-BE49-F238E27FC236}">
-                <a16:creationId xmlns:a16="http://schemas.microsoft.com/office/drawing/2014/main" id="{C08B45AD-B2B9-4A3E-B534-D88771E77386}"/>
-              </a:ext>
-            </a:extLst>
-          </p:cNvPr>
+          <p:cNvPr id="5" name="Footer Placeholder 4"/>
           <p:cNvSpPr>
             <a:spLocks noGrp="1"/>
           </p:cNvSpPr>
@@ -1367,13 +2229,7 @@
       </p:sp>
       <p:sp>
         <p:nvSpPr>
-          <p:cNvPr id="6" name="Slide Number Placeholder 5">
-            <a:extLst>
-              <a:ext uri="{FF2B5EF4-FFF2-40B4-BE49-F238E27FC236}">
-                <a16:creationId xmlns:a16="http://schemas.microsoft.com/office/drawing/2014/main" id="{16E3E830-2F80-4FBE-A341-DA65A4B03166}"/>
-              </a:ext>
-            </a:extLst>
-          </p:cNvPr>
+          <p:cNvPr id="6" name="Slide Number Placeholder 5"/>
           <p:cNvSpPr>
             <a:spLocks noGrp="1"/>
           </p:cNvSpPr>
@@ -1397,13 +2253,18 @@
     </p:spTree>
     <p:extLst>
       <p:ext uri="{BB962C8B-B14F-4D97-AF65-F5344CB8AC3E}">
-        <p14:creationId xmlns:p14="http://schemas.microsoft.com/office/powerpoint/2010/main" val="3662526871"/>
+        <p14:creationId xmlns:p14="http://schemas.microsoft.com/office/powerpoint/2010/main" val="2362030591"/>
       </p:ext>
     </p:extLst>
   </p:cSld>
   <p:clrMapOvr>
     <a:masterClrMapping/>
   </p:clrMapOvr>
+  <p:extLst>
+    <p:ext uri="{DCECCB84-F9BA-43D5-87BE-67443E8EF086}">
+      <p15:sldGuideLst xmlns:p15="http://schemas.microsoft.com/office/powerpoint/2012/main"/>
+    </p:ext>
+  </p:extLst>
 </p:sldLayout>
 </file>
 
@@ -1426,18 +2287,39 @@
       </p:grpSpPr>
       <p:sp>
         <p:nvSpPr>
-          <p:cNvPr id="2" name="Title 1">
-            <a:extLst>
-              <a:ext uri="{FF2B5EF4-FFF2-40B4-BE49-F238E27FC236}">
-                <a16:creationId xmlns:a16="http://schemas.microsoft.com/office/drawing/2014/main" id="{46D1D67C-19EB-4026-B027-9E3F871FDFA0}"/>
-              </a:ext>
-            </a:extLst>
-          </p:cNvPr>
+          <p:cNvPr id="2" name="Title 1"/>
           <p:cNvSpPr>
             <a:spLocks noGrp="1"/>
           </p:cNvSpPr>
           <p:nvPr>
             <p:ph type="title"/>
+          </p:nvPr>
+        </p:nvSpPr>
+        <p:spPr/>
+        <p:txBody>
+          <a:bodyPr/>
+          <a:lstStyle>
+            <a:lvl1pPr marL="0">
+              <a:defRPr/>
+            </a:lvl1pPr>
+          </a:lstStyle>
+          <a:p>
+            <a:r>
+              <a:rPr lang="en-US"/>
+              <a:t>Click to edit Master title style</a:t>
+            </a:r>
+            <a:endParaRPr lang="en-US" dirty="0"/>
+          </a:p>
+        </p:txBody>
+      </p:sp>
+      <p:sp>
+        <p:nvSpPr>
+          <p:cNvPr id="3" name="Content Placeholder 2"/>
+          <p:cNvSpPr>
+            <a:spLocks noGrp="1"/>
+          </p:cNvSpPr>
+          <p:nvPr>
+            <p:ph idx="1"/>
           </p:nvPr>
         </p:nvSpPr>
         <p:spPr/>
@@ -1445,27 +2327,51 @@
           <a:bodyPr/>
           <a:lstStyle/>
           <a:p>
+            <a:pPr lvl="0"/>
             <a:r>
               <a:rPr lang="en-US"/>
-              <a:t>Click to edit Master title style</a:t>
-            </a:r>
-          </a:p>
-        </p:txBody>
-      </p:sp>
-      <p:sp>
-        <p:nvSpPr>
-          <p:cNvPr id="3" name="Content Placeholder 2">
-            <a:extLst>
-              <a:ext uri="{FF2B5EF4-FFF2-40B4-BE49-F238E27FC236}">
-                <a16:creationId xmlns:a16="http://schemas.microsoft.com/office/drawing/2014/main" id="{90D60A49-7968-4EC7-93DC-C4FA4DA0AD16}"/>
-              </a:ext>
-            </a:extLst>
-          </p:cNvPr>
-          <p:cNvSpPr>
-            <a:spLocks noGrp="1"/>
-          </p:cNvSpPr>
-          <p:nvPr>
-            <p:ph idx="1"/>
+              <a:t>Click to edit Master text styles</a:t>
+            </a:r>
+          </a:p>
+          <a:p>
+            <a:pPr lvl="1"/>
+            <a:r>
+              <a:rPr lang="en-US"/>
+              <a:t>Second level</a:t>
+            </a:r>
+          </a:p>
+          <a:p>
+            <a:pPr lvl="2"/>
+            <a:r>
+              <a:rPr lang="en-US"/>
+              <a:t>Third level</a:t>
+            </a:r>
+          </a:p>
+          <a:p>
+            <a:pPr lvl="3"/>
+            <a:r>
+              <a:rPr lang="en-US"/>
+              <a:t>Fourth level</a:t>
+            </a:r>
+          </a:p>
+          <a:p>
+            <a:pPr lvl="4"/>
+            <a:r>
+              <a:rPr lang="en-US"/>
+              <a:t>Fifth level</a:t>
+            </a:r>
+            <a:endParaRPr lang="en-US" dirty="0"/>
+          </a:p>
+        </p:txBody>
+      </p:sp>
+      <p:sp>
+        <p:nvSpPr>
+          <p:cNvPr id="4" name="Date Placeholder 3"/>
+          <p:cNvSpPr>
+            <a:spLocks noGrp="1"/>
+          </p:cNvSpPr>
+          <p:nvPr>
+            <p:ph type="dt" sz="half" idx="10"/>
           </p:nvPr>
         </p:nvSpPr>
         <p:spPr/>
@@ -1473,56 +2379,22 @@
           <a:bodyPr/>
           <a:lstStyle/>
           <a:p>
-            <a:pPr lvl="0"/>
-            <a:r>
-              <a:rPr lang="en-US"/>
-              <a:t>Click to edit Master text styles</a:t>
-            </a:r>
-          </a:p>
-          <a:p>
-            <a:pPr lvl="1"/>
-            <a:r>
-              <a:rPr lang="en-US"/>
-              <a:t>Second level</a:t>
-            </a:r>
-          </a:p>
-          <a:p>
-            <a:pPr lvl="2"/>
-            <a:r>
-              <a:rPr lang="en-US"/>
-              <a:t>Third level</a:t>
-            </a:r>
-          </a:p>
-          <a:p>
-            <a:pPr lvl="3"/>
-            <a:r>
-              <a:rPr lang="en-US"/>
-              <a:t>Fourth level</a:t>
-            </a:r>
-          </a:p>
-          <a:p>
-            <a:pPr lvl="4"/>
-            <a:r>
-              <a:rPr lang="en-US"/>
-              <a:t>Fifth level</a:t>
-            </a:r>
-          </a:p>
-        </p:txBody>
-      </p:sp>
-      <p:sp>
-        <p:nvSpPr>
-          <p:cNvPr id="4" name="Date Placeholder 3">
-            <a:extLst>
-              <a:ext uri="{FF2B5EF4-FFF2-40B4-BE49-F238E27FC236}">
-                <a16:creationId xmlns:a16="http://schemas.microsoft.com/office/drawing/2014/main" id="{6D7BA6B5-CE96-428E-8839-89DCD6B69D71}"/>
-              </a:ext>
-            </a:extLst>
-          </p:cNvPr>
-          <p:cNvSpPr>
-            <a:spLocks noGrp="1"/>
-          </p:cNvSpPr>
-          <p:nvPr>
-            <p:ph type="dt" sz="half" idx="10"/>
+            <a:fld id="{5903BF61-59A0-41BF-9A68-F51252DBAEC7}" type="datetimeFigureOut">
+              <a:rPr lang="en-US" smtClean="0"/>
+              <a:t>5/8/2020</a:t>
+            </a:fld>
+            <a:endParaRPr lang="en-US"/>
+          </a:p>
+        </p:txBody>
+      </p:sp>
+      <p:sp>
+        <p:nvSpPr>
+          <p:cNvPr id="5" name="Footer Placeholder 4"/>
+          <p:cNvSpPr>
+            <a:spLocks noGrp="1"/>
+          </p:cNvSpPr>
+          <p:nvPr>
+            <p:ph type="ftr" sz="quarter" idx="11"/>
           </p:nvPr>
         </p:nvSpPr>
         <p:spPr/>
@@ -1530,48 +2402,13 @@
           <a:bodyPr/>
           <a:lstStyle/>
           <a:p>
-            <a:fld id="{5903BF61-59A0-41BF-9A68-F51252DBAEC7}" type="datetimeFigureOut">
-              <a:rPr lang="en-US" smtClean="0"/>
-              <a:t>5/2/2020</a:t>
-            </a:fld>
             <a:endParaRPr lang="en-US"/>
           </a:p>
         </p:txBody>
       </p:sp>
       <p:sp>
         <p:nvSpPr>
-          <p:cNvPr id="5" name="Footer Placeholder 4">
-            <a:extLst>
-              <a:ext uri="{FF2B5EF4-FFF2-40B4-BE49-F238E27FC236}">
-                <a16:creationId xmlns:a16="http://schemas.microsoft.com/office/drawing/2014/main" id="{265E88CE-0D97-41E7-B3D1-296E3BE7D9C0}"/>
-              </a:ext>
-            </a:extLst>
-          </p:cNvPr>
-          <p:cNvSpPr>
-            <a:spLocks noGrp="1"/>
-          </p:cNvSpPr>
-          <p:nvPr>
-            <p:ph type="ftr" sz="quarter" idx="11"/>
-          </p:nvPr>
-        </p:nvSpPr>
-        <p:spPr/>
-        <p:txBody>
-          <a:bodyPr/>
-          <a:lstStyle/>
-          <a:p>
-            <a:endParaRPr lang="en-US"/>
-          </a:p>
-        </p:txBody>
-      </p:sp>
-      <p:sp>
-        <p:nvSpPr>
-          <p:cNvPr id="6" name="Slide Number Placeholder 5">
-            <a:extLst>
-              <a:ext uri="{FF2B5EF4-FFF2-40B4-BE49-F238E27FC236}">
-                <a16:creationId xmlns:a16="http://schemas.microsoft.com/office/drawing/2014/main" id="{E1A6DDCA-D3AA-4989-B622-2E59CB47F5DF}"/>
-              </a:ext>
-            </a:extLst>
-          </p:cNvPr>
+          <p:cNvPr id="6" name="Slide Number Placeholder 5"/>
           <p:cNvSpPr>
             <a:spLocks noGrp="1"/>
           </p:cNvSpPr>
@@ -1595,7 +2432,7 @@
     </p:spTree>
     <p:extLst>
       <p:ext uri="{BB962C8B-B14F-4D97-AF65-F5344CB8AC3E}">
-        <p14:creationId xmlns:p14="http://schemas.microsoft.com/office/powerpoint/2010/main" val="802998441"/>
+        <p14:creationId xmlns:p14="http://schemas.microsoft.com/office/powerpoint/2010/main" val="1297179401"/>
       </p:ext>
     </p:extLst>
   </p:cSld>
@@ -1606,8 +2443,16 @@
 </file>
 
 <file path=ppt/slideLayouts/slideLayout3.xml><?xml version="1.0" encoding="utf-8"?>
-<p:sldLayout xmlns:a="http://schemas.openxmlformats.org/drawingml/2006/main" xmlns:r="http://schemas.openxmlformats.org/officeDocument/2006/relationships" xmlns:p="http://schemas.openxmlformats.org/presentationml/2006/main" type="secHead" preserve="1">
+<p:sldLayout xmlns:a="http://schemas.openxmlformats.org/drawingml/2006/main" xmlns:r="http://schemas.openxmlformats.org/officeDocument/2006/relationships" xmlns:p="http://schemas.openxmlformats.org/presentationml/2006/main" showMasterSp="0" type="secHead" preserve="1">
   <p:cSld name="Section Header">
+    <p:bg>
+      <p:bgPr>
+        <a:solidFill>
+          <a:schemeClr val="bg1"/>
+        </a:solidFill>
+        <a:effectLst/>
+      </p:bgPr>
+    </p:bg>
     <p:spTree>
       <p:nvGrpSpPr>
         <p:cNvPr id="1" name=""/>
@@ -1624,79 +2469,157 @@
       </p:grpSpPr>
       <p:sp>
         <p:nvSpPr>
-          <p:cNvPr id="2" name="Title 1">
-            <a:extLst>
-              <a:ext uri="{FF2B5EF4-FFF2-40B4-BE49-F238E27FC236}">
-                <a16:creationId xmlns:a16="http://schemas.microsoft.com/office/drawing/2014/main" id="{4686E52E-F1B3-450E-947A-13B96BC9340E}"/>
-              </a:ext>
-            </a:extLst>
-          </p:cNvPr>
-          <p:cNvSpPr>
-            <a:spLocks noGrp="1"/>
-          </p:cNvSpPr>
-          <p:nvPr>
-            <p:ph type="title"/>
-          </p:nvPr>
+          <p:cNvPr id="7" name="Rectangle 6"/>
+          <p:cNvSpPr/>
+          <p:nvPr/>
         </p:nvSpPr>
         <p:spPr>
           <a:xfrm>
-            <a:off x="831850" y="1709738"/>
-            <a:ext cx="10515600" cy="2852737"/>
+            <a:off x="3175" y="6400800"/>
+            <a:ext cx="12188825" cy="457200"/>
+          </a:xfrm>
+          <a:prstGeom prst="rect">
+            <a:avLst/>
+          </a:prstGeom>
+          <a:solidFill>
+            <a:schemeClr val="accent2"/>
+          </a:solidFill>
+          <a:ln>
+            <a:noFill/>
+          </a:ln>
+        </p:spPr>
+        <p:style>
+          <a:lnRef idx="2">
+            <a:schemeClr val="accent1">
+              <a:shade val="50000"/>
+            </a:schemeClr>
+          </a:lnRef>
+          <a:fillRef idx="1">
+            <a:schemeClr val="accent1"/>
+          </a:fillRef>
+          <a:effectRef idx="0">
+            <a:schemeClr val="accent1"/>
+          </a:effectRef>
+          <a:fontRef idx="minor">
+            <a:schemeClr val="lt1"/>
+          </a:fontRef>
+        </p:style>
+      </p:sp>
+      <p:sp>
+        <p:nvSpPr>
+          <p:cNvPr id="8" name="Rectangle 7"/>
+          <p:cNvSpPr/>
+          <p:nvPr/>
+        </p:nvSpPr>
+        <p:spPr>
+          <a:xfrm>
+            <a:off x="15" y="6334316"/>
+            <a:ext cx="12188825" cy="64008"/>
+          </a:xfrm>
+          <a:prstGeom prst="rect">
+            <a:avLst/>
+          </a:prstGeom>
+          <a:solidFill>
+            <a:schemeClr val="accent1"/>
+          </a:solidFill>
+          <a:ln>
+            <a:noFill/>
+          </a:ln>
+        </p:spPr>
+        <p:style>
+          <a:lnRef idx="2">
+            <a:schemeClr val="accent1">
+              <a:shade val="50000"/>
+            </a:schemeClr>
+          </a:lnRef>
+          <a:fillRef idx="1">
+            <a:schemeClr val="accent1"/>
+          </a:fillRef>
+          <a:effectRef idx="0">
+            <a:schemeClr val="accent1"/>
+          </a:effectRef>
+          <a:fontRef idx="minor">
+            <a:schemeClr val="lt1"/>
+          </a:fontRef>
+        </p:style>
+      </p:sp>
+      <p:sp>
+        <p:nvSpPr>
+          <p:cNvPr id="2" name="Title 1"/>
+          <p:cNvSpPr>
+            <a:spLocks noGrp="1"/>
+          </p:cNvSpPr>
+          <p:nvPr>
+            <p:ph type="title"/>
+          </p:nvPr>
+        </p:nvSpPr>
+        <p:spPr>
+          <a:xfrm>
+            <a:off x="1097280" y="758952"/>
+            <a:ext cx="10058400" cy="3566160"/>
           </a:xfrm>
         </p:spPr>
         <p:txBody>
-          <a:bodyPr anchor="b"/>
+          <a:bodyPr anchor="b" anchorCtr="0">
+            <a:normAutofit/>
+          </a:bodyPr>
           <a:lstStyle>
             <a:lvl1pPr>
-              <a:defRPr sz="6000"/>
-            </a:lvl1pPr>
-          </a:lstStyle>
-          <a:p>
-            <a:r>
-              <a:rPr lang="en-US"/>
-              <a:t>Click to edit Master title style</a:t>
-            </a:r>
-          </a:p>
-        </p:txBody>
-      </p:sp>
-      <p:sp>
-        <p:nvSpPr>
-          <p:cNvPr id="3" name="Text Placeholder 2">
-            <a:extLst>
-              <a:ext uri="{FF2B5EF4-FFF2-40B4-BE49-F238E27FC236}">
-                <a16:creationId xmlns:a16="http://schemas.microsoft.com/office/drawing/2014/main" id="{E83560C7-3483-48BE-B54A-BAD8B4B77DAD}"/>
-              </a:ext>
-            </a:extLst>
-          </p:cNvPr>
-          <p:cNvSpPr>
-            <a:spLocks noGrp="1"/>
-          </p:cNvSpPr>
-          <p:nvPr>
-            <p:ph type="body" idx="1"/>
-          </p:nvPr>
-        </p:nvSpPr>
-        <p:spPr>
-          <a:xfrm>
-            <a:off x="831850" y="4589463"/>
-            <a:ext cx="10515600" cy="1500187"/>
-          </a:xfrm>
-        </p:spPr>
-        <p:txBody>
-          <a:bodyPr/>
-          <a:lstStyle>
-            <a:lvl1pPr marL="0" indent="0">
-              <a:buNone/>
-              <a:defRPr sz="2400">
+              <a:lnSpc>
+                <a:spcPct val="85000"/>
+              </a:lnSpc>
+              <a:defRPr sz="8000" b="0">
                 <a:solidFill>
                   <a:schemeClr val="tx1">
-                    <a:tint val="75000"/>
+                    <a:lumMod val="85000"/>
+                    <a:lumOff val="15000"/>
                   </a:schemeClr>
                 </a:solidFill>
               </a:defRPr>
             </a:lvl1pPr>
+          </a:lstStyle>
+          <a:p>
+            <a:r>
+              <a:rPr lang="en-US"/>
+              <a:t>Click to edit Master title style</a:t>
+            </a:r>
+            <a:endParaRPr lang="en-US" dirty="0"/>
+          </a:p>
+        </p:txBody>
+      </p:sp>
+      <p:sp>
+        <p:nvSpPr>
+          <p:cNvPr id="3" name="Text Placeholder 2"/>
+          <p:cNvSpPr>
+            <a:spLocks noGrp="1"/>
+          </p:cNvSpPr>
+          <p:nvPr>
+            <p:ph type="body" idx="1"/>
+          </p:nvPr>
+        </p:nvSpPr>
+        <p:spPr>
+          <a:xfrm>
+            <a:off x="1097280" y="4453128"/>
+            <a:ext cx="10058400" cy="1143000"/>
+          </a:xfrm>
+        </p:spPr>
+        <p:txBody>
+          <a:bodyPr lIns="91440" rIns="91440" anchor="t" anchorCtr="0">
+            <a:normAutofit/>
+          </a:bodyPr>
+          <a:lstStyle>
+            <a:lvl1pPr marL="0" indent="0">
+              <a:buNone/>
+              <a:defRPr sz="2400" cap="all" spc="200" baseline="0">
+                <a:solidFill>
+                  <a:schemeClr val="tx2"/>
+                </a:solidFill>
+                <a:latin typeface="+mj-lt"/>
+              </a:defRPr>
+            </a:lvl1pPr>
             <a:lvl2pPr marL="457200" indent="0">
               <a:buNone/>
-              <a:defRPr sz="2000">
+              <a:defRPr sz="1800">
                 <a:solidFill>
                   <a:schemeClr val="tx1">
                     <a:tint val="75000"/>
@@ -1706,7 +2629,7 @@
             </a:lvl2pPr>
             <a:lvl3pPr marL="914400" indent="0">
               <a:buNone/>
-              <a:defRPr sz="1800">
+              <a:defRPr sz="1600">
                 <a:solidFill>
                   <a:schemeClr val="tx1">
                     <a:tint val="75000"/>
@@ -1716,7 +2639,7 @@
             </a:lvl3pPr>
             <a:lvl4pPr marL="1371600" indent="0">
               <a:buNone/>
-              <a:defRPr sz="1600">
+              <a:defRPr sz="1400">
                 <a:solidFill>
                   <a:schemeClr val="tx1">
                     <a:tint val="75000"/>
@@ -1726,7 +2649,7 @@
             </a:lvl4pPr>
             <a:lvl5pPr marL="1828800" indent="0">
               <a:buNone/>
-              <a:defRPr sz="1600">
+              <a:defRPr sz="1400">
                 <a:solidFill>
                   <a:schemeClr val="tx1">
                     <a:tint val="75000"/>
@@ -1736,7 +2659,7 @@
             </a:lvl5pPr>
             <a:lvl6pPr marL="2286000" indent="0">
               <a:buNone/>
-              <a:defRPr sz="1600">
+              <a:defRPr sz="1400">
                 <a:solidFill>
                   <a:schemeClr val="tx1">
                     <a:tint val="75000"/>
@@ -1746,7 +2669,7 @@
             </a:lvl6pPr>
             <a:lvl7pPr marL="2743200" indent="0">
               <a:buNone/>
-              <a:defRPr sz="1600">
+              <a:defRPr sz="1400">
                 <a:solidFill>
                   <a:schemeClr val="tx1">
                     <a:tint val="75000"/>
@@ -1756,7 +2679,7 @@
             </a:lvl7pPr>
             <a:lvl8pPr marL="3200400" indent="0">
               <a:buNone/>
-              <a:defRPr sz="1600">
+              <a:defRPr sz="1400">
                 <a:solidFill>
                   <a:schemeClr val="tx1">
                     <a:tint val="75000"/>
@@ -1766,7 +2689,7 @@
             </a:lvl8pPr>
             <a:lvl9pPr marL="3657600" indent="0">
               <a:buNone/>
-              <a:defRPr sz="1600">
+              <a:defRPr sz="1400">
                 <a:solidFill>
                   <a:schemeClr val="tx1">
                     <a:tint val="75000"/>
@@ -1786,13 +2709,7 @@
       </p:sp>
       <p:sp>
         <p:nvSpPr>
-          <p:cNvPr id="4" name="Date Placeholder 3">
-            <a:extLst>
-              <a:ext uri="{FF2B5EF4-FFF2-40B4-BE49-F238E27FC236}">
-                <a16:creationId xmlns:a16="http://schemas.microsoft.com/office/drawing/2014/main" id="{8A013B1A-3EA3-497E-9CE7-2A216619D529}"/>
-              </a:ext>
-            </a:extLst>
-          </p:cNvPr>
+          <p:cNvPr id="4" name="Date Placeholder 3"/>
           <p:cNvSpPr>
             <a:spLocks noGrp="1"/>
           </p:cNvSpPr>
@@ -1807,7 +2724,7 @@
           <a:p>
             <a:fld id="{5903BF61-59A0-41BF-9A68-F51252DBAEC7}" type="datetimeFigureOut">
               <a:rPr lang="en-US" smtClean="0"/>
-              <a:t>5/2/2020</a:t>
+              <a:t>5/8/2020</a:t>
             </a:fld>
             <a:endParaRPr lang="en-US"/>
           </a:p>
@@ -1815,13 +2732,7 @@
       </p:sp>
       <p:sp>
         <p:nvSpPr>
-          <p:cNvPr id="5" name="Footer Placeholder 4">
-            <a:extLst>
-              <a:ext uri="{FF2B5EF4-FFF2-40B4-BE49-F238E27FC236}">
-                <a16:creationId xmlns:a16="http://schemas.microsoft.com/office/drawing/2014/main" id="{6CE14CE8-3ECE-4993-B74D-CF6E236250AA}"/>
-              </a:ext>
-            </a:extLst>
-          </p:cNvPr>
+          <p:cNvPr id="5" name="Footer Placeholder 4"/>
           <p:cNvSpPr>
             <a:spLocks noGrp="1"/>
           </p:cNvSpPr>
@@ -1840,13 +2751,7 @@
       </p:sp>
       <p:sp>
         <p:nvSpPr>
-          <p:cNvPr id="6" name="Slide Number Placeholder 5">
-            <a:extLst>
-              <a:ext uri="{FF2B5EF4-FFF2-40B4-BE49-F238E27FC236}">
-                <a16:creationId xmlns:a16="http://schemas.microsoft.com/office/drawing/2014/main" id="{66EE8049-074C-4AF3-AD0B-E227C3958673}"/>
-              </a:ext>
-            </a:extLst>
-          </p:cNvPr>
+          <p:cNvPr id="6" name="Slide Number Placeholder 5"/>
           <p:cNvSpPr>
             <a:spLocks noGrp="1"/>
           </p:cNvSpPr>
@@ -1867,16 +2772,59 @@
           </a:p>
         </p:txBody>
       </p:sp>
+      <p:cxnSp>
+        <p:nvCxnSpPr>
+          <p:cNvPr id="9" name="Straight Connector 8"/>
+          <p:cNvCxnSpPr/>
+          <p:nvPr/>
+        </p:nvCxnSpPr>
+        <p:spPr>
+          <a:xfrm>
+            <a:off x="1207658" y="4343400"/>
+            <a:ext cx="9875520" cy="0"/>
+          </a:xfrm>
+          <a:prstGeom prst="line">
+            <a:avLst/>
+          </a:prstGeom>
+          <a:ln w="6350">
+            <a:solidFill>
+              <a:schemeClr val="tx1">
+                <a:lumMod val="50000"/>
+                <a:lumOff val="50000"/>
+              </a:schemeClr>
+            </a:solidFill>
+          </a:ln>
+        </p:spPr>
+        <p:style>
+          <a:lnRef idx="1">
+            <a:schemeClr val="accent1"/>
+          </a:lnRef>
+          <a:fillRef idx="0">
+            <a:schemeClr val="accent1"/>
+          </a:fillRef>
+          <a:effectRef idx="0">
+            <a:schemeClr val="accent1"/>
+          </a:effectRef>
+          <a:fontRef idx="minor">
+            <a:schemeClr val="tx1"/>
+          </a:fontRef>
+        </p:style>
+      </p:cxnSp>
     </p:spTree>
     <p:extLst>
       <p:ext uri="{BB962C8B-B14F-4D97-AF65-F5344CB8AC3E}">
-        <p14:creationId xmlns:p14="http://schemas.microsoft.com/office/powerpoint/2010/main" val="3051237624"/>
+        <p14:creationId xmlns:p14="http://schemas.microsoft.com/office/powerpoint/2010/main" val="2627705864"/>
       </p:ext>
     </p:extLst>
   </p:cSld>
   <p:clrMapOvr>
     <a:masterClrMapping/>
   </p:clrMapOvr>
+  <p:extLst>
+    <p:ext uri="{DCECCB84-F9BA-43D5-87BE-67443E8EF086}">
+      <p15:sldGuideLst xmlns:p15="http://schemas.microsoft.com/office/powerpoint/2012/main"/>
+    </p:ext>
+  </p:extLst>
 </p:sldLayout>
 </file>
 
@@ -1899,13 +2847,7 @@
       </p:grpSpPr>
       <p:sp>
         <p:nvSpPr>
-          <p:cNvPr id="2" name="Title 1">
-            <a:extLst>
-              <a:ext uri="{FF2B5EF4-FFF2-40B4-BE49-F238E27FC236}">
-                <a16:creationId xmlns:a16="http://schemas.microsoft.com/office/drawing/2014/main" id="{C8BB9CB3-2108-4B90-A8C2-0B6C41DEB5E8}"/>
-              </a:ext>
-            </a:extLst>
-          </p:cNvPr>
+          <p:cNvPr id="8" name="Title 7"/>
           <p:cNvSpPr>
             <a:spLocks noGrp="1"/>
           </p:cNvSpPr>
@@ -1913,7 +2855,12 @@
             <p:ph type="title"/>
           </p:nvPr>
         </p:nvSpPr>
-        <p:spPr/>
+        <p:spPr>
+          <a:xfrm>
+            <a:off x="1097280" y="286603"/>
+            <a:ext cx="10058400" cy="1450757"/>
+          </a:xfrm>
+        </p:spPr>
         <p:txBody>
           <a:bodyPr/>
           <a:lstStyle/>
@@ -1922,18 +2869,13 @@
               <a:rPr lang="en-US"/>
               <a:t>Click to edit Master title style</a:t>
             </a:r>
-          </a:p>
-        </p:txBody>
-      </p:sp>
-      <p:sp>
-        <p:nvSpPr>
-          <p:cNvPr id="3" name="Content Placeholder 2">
-            <a:extLst>
-              <a:ext uri="{FF2B5EF4-FFF2-40B4-BE49-F238E27FC236}">
-                <a16:creationId xmlns:a16="http://schemas.microsoft.com/office/drawing/2014/main" id="{5F4D79D6-8F41-4CAA-9E3F-011ECFAFD9BD}"/>
-              </a:ext>
-            </a:extLst>
-          </p:cNvPr>
+            <a:endParaRPr lang="en-US" dirty="0"/>
+          </a:p>
+        </p:txBody>
+      </p:sp>
+      <p:sp>
+        <p:nvSpPr>
+          <p:cNvPr id="3" name="Content Placeholder 2"/>
           <p:cNvSpPr>
             <a:spLocks noGrp="1"/>
           </p:cNvSpPr>
@@ -1943,8 +2885,8 @@
         </p:nvSpPr>
         <p:spPr>
           <a:xfrm>
-            <a:off x="838200" y="1825625"/>
-            <a:ext cx="5181600" cy="4351338"/>
+            <a:off x="1097279" y="1845734"/>
+            <a:ext cx="4937760" cy="4023360"/>
           </a:xfrm>
         </p:spPr>
         <p:txBody>
@@ -1984,18 +2926,13 @@
               <a:rPr lang="en-US"/>
               <a:t>Fifth level</a:t>
             </a:r>
-          </a:p>
-        </p:txBody>
-      </p:sp>
-      <p:sp>
-        <p:nvSpPr>
-          <p:cNvPr id="4" name="Content Placeholder 3">
-            <a:extLst>
-              <a:ext uri="{FF2B5EF4-FFF2-40B4-BE49-F238E27FC236}">
-                <a16:creationId xmlns:a16="http://schemas.microsoft.com/office/drawing/2014/main" id="{8A100514-AD2F-43E1-878C-3D0F3FCA3249}"/>
-              </a:ext>
-            </a:extLst>
-          </p:cNvPr>
+            <a:endParaRPr lang="en-US" dirty="0"/>
+          </a:p>
+        </p:txBody>
+      </p:sp>
+      <p:sp>
+        <p:nvSpPr>
+          <p:cNvPr id="4" name="Content Placeholder 3"/>
           <p:cNvSpPr>
             <a:spLocks noGrp="1"/>
           </p:cNvSpPr>
@@ -2005,8 +2942,8 @@
         </p:nvSpPr>
         <p:spPr>
           <a:xfrm>
-            <a:off x="6172200" y="1825625"/>
-            <a:ext cx="5181600" cy="4351338"/>
+            <a:off x="6217920" y="1845735"/>
+            <a:ext cx="4937760" cy="4023360"/>
           </a:xfrm>
         </p:spPr>
         <p:txBody>
@@ -2046,18 +2983,13 @@
               <a:rPr lang="en-US"/>
               <a:t>Fifth level</a:t>
             </a:r>
-          </a:p>
-        </p:txBody>
-      </p:sp>
-      <p:sp>
-        <p:nvSpPr>
-          <p:cNvPr id="5" name="Date Placeholder 4">
-            <a:extLst>
-              <a:ext uri="{FF2B5EF4-FFF2-40B4-BE49-F238E27FC236}">
-                <a16:creationId xmlns:a16="http://schemas.microsoft.com/office/drawing/2014/main" id="{4C94D8F9-EBFF-4A9E-8EF9-C52081CC3E76}"/>
-              </a:ext>
-            </a:extLst>
-          </p:cNvPr>
+            <a:endParaRPr lang="en-US" dirty="0"/>
+          </a:p>
+        </p:txBody>
+      </p:sp>
+      <p:sp>
+        <p:nvSpPr>
+          <p:cNvPr id="5" name="Date Placeholder 4"/>
           <p:cNvSpPr>
             <a:spLocks noGrp="1"/>
           </p:cNvSpPr>
@@ -2072,7 +3004,7 @@
           <a:p>
             <a:fld id="{5903BF61-59A0-41BF-9A68-F51252DBAEC7}" type="datetimeFigureOut">
               <a:rPr lang="en-US" smtClean="0"/>
-              <a:t>5/2/2020</a:t>
+              <a:t>5/8/2020</a:t>
             </a:fld>
             <a:endParaRPr lang="en-US"/>
           </a:p>
@@ -2080,13 +3012,7 @@
       </p:sp>
       <p:sp>
         <p:nvSpPr>
-          <p:cNvPr id="6" name="Footer Placeholder 5">
-            <a:extLst>
-              <a:ext uri="{FF2B5EF4-FFF2-40B4-BE49-F238E27FC236}">
-                <a16:creationId xmlns:a16="http://schemas.microsoft.com/office/drawing/2014/main" id="{0623ABAD-F77A-4ADC-B6CC-32FB388783AD}"/>
-              </a:ext>
-            </a:extLst>
-          </p:cNvPr>
+          <p:cNvPr id="6" name="Footer Placeholder 5"/>
           <p:cNvSpPr>
             <a:spLocks noGrp="1"/>
           </p:cNvSpPr>
@@ -2105,13 +3031,7 @@
       </p:sp>
       <p:sp>
         <p:nvSpPr>
-          <p:cNvPr id="7" name="Slide Number Placeholder 6">
-            <a:extLst>
-              <a:ext uri="{FF2B5EF4-FFF2-40B4-BE49-F238E27FC236}">
-                <a16:creationId xmlns:a16="http://schemas.microsoft.com/office/drawing/2014/main" id="{8B30C10B-39AB-4FAF-BE1B-5F6F79806C65}"/>
-              </a:ext>
-            </a:extLst>
-          </p:cNvPr>
+          <p:cNvPr id="7" name="Slide Number Placeholder 6"/>
           <p:cNvSpPr>
             <a:spLocks noGrp="1"/>
           </p:cNvSpPr>
@@ -2135,7 +3055,7 @@
     </p:spTree>
     <p:extLst>
       <p:ext uri="{BB962C8B-B14F-4D97-AF65-F5344CB8AC3E}">
-        <p14:creationId xmlns:p14="http://schemas.microsoft.com/office/powerpoint/2010/main" val="3294260323"/>
+        <p14:creationId xmlns:p14="http://schemas.microsoft.com/office/powerpoint/2010/main" val="3697838257"/>
       </p:ext>
     </p:extLst>
   </p:cSld>
@@ -2164,13 +3084,7 @@
       </p:grpSpPr>
       <p:sp>
         <p:nvSpPr>
-          <p:cNvPr id="2" name="Title 1">
-            <a:extLst>
-              <a:ext uri="{FF2B5EF4-FFF2-40B4-BE49-F238E27FC236}">
-                <a16:creationId xmlns:a16="http://schemas.microsoft.com/office/drawing/2014/main" id="{0F1A62BF-1832-4803-8DC0-82DE3D79E9BB}"/>
-              </a:ext>
-            </a:extLst>
-          </p:cNvPr>
+          <p:cNvPr id="10" name="Title 9"/>
           <p:cNvSpPr>
             <a:spLocks noGrp="1"/>
           </p:cNvSpPr>
@@ -2180,8 +3094,8 @@
         </p:nvSpPr>
         <p:spPr>
           <a:xfrm>
-            <a:off x="839788" y="365125"/>
-            <a:ext cx="10515600" cy="1325563"/>
+            <a:off x="1097280" y="286603"/>
+            <a:ext cx="10058400" cy="1450757"/>
           </a:xfrm>
         </p:spPr>
         <p:txBody>
@@ -2192,18 +3106,13 @@
               <a:rPr lang="en-US"/>
               <a:t>Click to edit Master title style</a:t>
             </a:r>
-          </a:p>
-        </p:txBody>
-      </p:sp>
-      <p:sp>
-        <p:nvSpPr>
-          <p:cNvPr id="3" name="Text Placeholder 2">
-            <a:extLst>
-              <a:ext uri="{FF2B5EF4-FFF2-40B4-BE49-F238E27FC236}">
-                <a16:creationId xmlns:a16="http://schemas.microsoft.com/office/drawing/2014/main" id="{9C8E4B07-AABE-4E49-AB2B-2A33A31EC5FB}"/>
-              </a:ext>
-            </a:extLst>
-          </p:cNvPr>
+            <a:endParaRPr lang="en-US" dirty="0"/>
+          </a:p>
+        </p:txBody>
+      </p:sp>
+      <p:sp>
+        <p:nvSpPr>
+          <p:cNvPr id="3" name="Text Placeholder 2"/>
           <p:cNvSpPr>
             <a:spLocks noGrp="1"/>
           </p:cNvSpPr>
@@ -2213,16 +3122,22 @@
         </p:nvSpPr>
         <p:spPr>
           <a:xfrm>
-            <a:off x="839788" y="1681163"/>
-            <a:ext cx="5157787" cy="823912"/>
+            <a:off x="1097280" y="1846052"/>
+            <a:ext cx="4937760" cy="736282"/>
           </a:xfrm>
         </p:spPr>
         <p:txBody>
-          <a:bodyPr anchor="b"/>
+          <a:bodyPr lIns="91440" rIns="91440" anchor="ctr">
+            <a:normAutofit/>
+          </a:bodyPr>
           <a:lstStyle>
             <a:lvl1pPr marL="0" indent="0">
               <a:buNone/>
-              <a:defRPr sz="2400" b="1"/>
+              <a:defRPr sz="2000" b="0" cap="all" baseline="0">
+                <a:solidFill>
+                  <a:schemeClr val="tx2"/>
+                </a:solidFill>
+              </a:defRPr>
             </a:lvl1pPr>
             <a:lvl2pPr marL="457200" indent="0">
               <a:buNone/>
@@ -2268,13 +3183,7 @@
       </p:sp>
       <p:sp>
         <p:nvSpPr>
-          <p:cNvPr id="4" name="Content Placeholder 3">
-            <a:extLst>
-              <a:ext uri="{FF2B5EF4-FFF2-40B4-BE49-F238E27FC236}">
-                <a16:creationId xmlns:a16="http://schemas.microsoft.com/office/drawing/2014/main" id="{8FEC75BD-82BE-42F8-873D-0C25A49BBE63}"/>
-              </a:ext>
-            </a:extLst>
-          </p:cNvPr>
+          <p:cNvPr id="4" name="Content Placeholder 3"/>
           <p:cNvSpPr>
             <a:spLocks noGrp="1"/>
           </p:cNvSpPr>
@@ -2284,8 +3193,8 @@
         </p:nvSpPr>
         <p:spPr>
           <a:xfrm>
-            <a:off x="839788" y="2505075"/>
-            <a:ext cx="5157787" cy="3684588"/>
+            <a:off x="1097280" y="2582334"/>
+            <a:ext cx="4937760" cy="3378200"/>
           </a:xfrm>
         </p:spPr>
         <p:txBody>
@@ -2325,18 +3234,13 @@
               <a:rPr lang="en-US"/>
               <a:t>Fifth level</a:t>
             </a:r>
-          </a:p>
-        </p:txBody>
-      </p:sp>
-      <p:sp>
-        <p:nvSpPr>
-          <p:cNvPr id="5" name="Text Placeholder 4">
-            <a:extLst>
-              <a:ext uri="{FF2B5EF4-FFF2-40B4-BE49-F238E27FC236}">
-                <a16:creationId xmlns:a16="http://schemas.microsoft.com/office/drawing/2014/main" id="{3A953355-DFD1-42A4-82D7-CC6804C2B991}"/>
-              </a:ext>
-            </a:extLst>
-          </p:cNvPr>
+            <a:endParaRPr lang="en-US" dirty="0"/>
+          </a:p>
+        </p:txBody>
+      </p:sp>
+      <p:sp>
+        <p:nvSpPr>
+          <p:cNvPr id="5" name="Text Placeholder 4"/>
           <p:cNvSpPr>
             <a:spLocks noGrp="1"/>
           </p:cNvSpPr>
@@ -2346,16 +3250,22 @@
         </p:nvSpPr>
         <p:spPr>
           <a:xfrm>
-            <a:off x="6172200" y="1681163"/>
-            <a:ext cx="5183188" cy="823912"/>
+            <a:off x="6217920" y="1846052"/>
+            <a:ext cx="4937760" cy="736282"/>
           </a:xfrm>
         </p:spPr>
         <p:txBody>
-          <a:bodyPr anchor="b"/>
+          <a:bodyPr lIns="91440" rIns="91440" anchor="ctr">
+            <a:normAutofit/>
+          </a:bodyPr>
           <a:lstStyle>
             <a:lvl1pPr marL="0" indent="0">
               <a:buNone/>
-              <a:defRPr sz="2400" b="1"/>
+              <a:defRPr sz="2000" b="0" cap="all" baseline="0">
+                <a:solidFill>
+                  <a:schemeClr val="tx2"/>
+                </a:solidFill>
+              </a:defRPr>
             </a:lvl1pPr>
             <a:lvl2pPr marL="457200" indent="0">
               <a:buNone/>
@@ -2401,13 +3311,7 @@
       </p:sp>
       <p:sp>
         <p:nvSpPr>
-          <p:cNvPr id="6" name="Content Placeholder 5">
-            <a:extLst>
-              <a:ext uri="{FF2B5EF4-FFF2-40B4-BE49-F238E27FC236}">
-                <a16:creationId xmlns:a16="http://schemas.microsoft.com/office/drawing/2014/main" id="{B4E69AB6-A565-44D9-9E41-EB8D61197665}"/>
-              </a:ext>
-            </a:extLst>
-          </p:cNvPr>
+          <p:cNvPr id="6" name="Content Placeholder 5"/>
           <p:cNvSpPr>
             <a:spLocks noGrp="1"/>
           </p:cNvSpPr>
@@ -2417,8 +3321,8 @@
         </p:nvSpPr>
         <p:spPr>
           <a:xfrm>
-            <a:off x="6172200" y="2505075"/>
-            <a:ext cx="5183188" cy="3684588"/>
+            <a:off x="6217920" y="2582334"/>
+            <a:ext cx="4937760" cy="3378200"/>
           </a:xfrm>
         </p:spPr>
         <p:txBody>
@@ -2458,18 +3362,13 @@
               <a:rPr lang="en-US"/>
               <a:t>Fifth level</a:t>
             </a:r>
-          </a:p>
-        </p:txBody>
-      </p:sp>
-      <p:sp>
-        <p:nvSpPr>
-          <p:cNvPr id="7" name="Date Placeholder 6">
-            <a:extLst>
-              <a:ext uri="{FF2B5EF4-FFF2-40B4-BE49-F238E27FC236}">
-                <a16:creationId xmlns:a16="http://schemas.microsoft.com/office/drawing/2014/main" id="{5DC801F7-EE42-4B6D-A73F-294C79561ACD}"/>
-              </a:ext>
-            </a:extLst>
-          </p:cNvPr>
+            <a:endParaRPr lang="en-US" dirty="0"/>
+          </a:p>
+        </p:txBody>
+      </p:sp>
+      <p:sp>
+        <p:nvSpPr>
+          <p:cNvPr id="7" name="Date Placeholder 6"/>
           <p:cNvSpPr>
             <a:spLocks noGrp="1"/>
           </p:cNvSpPr>
@@ -2484,7 +3383,7 @@
           <a:p>
             <a:fld id="{5903BF61-59A0-41BF-9A68-F51252DBAEC7}" type="datetimeFigureOut">
               <a:rPr lang="en-US" smtClean="0"/>
-              <a:t>5/2/2020</a:t>
+              <a:t>5/8/2020</a:t>
             </a:fld>
             <a:endParaRPr lang="en-US"/>
           </a:p>
@@ -2492,13 +3391,7 @@
       </p:sp>
       <p:sp>
         <p:nvSpPr>
-          <p:cNvPr id="8" name="Footer Placeholder 7">
-            <a:extLst>
-              <a:ext uri="{FF2B5EF4-FFF2-40B4-BE49-F238E27FC236}">
-                <a16:creationId xmlns:a16="http://schemas.microsoft.com/office/drawing/2014/main" id="{13DC3E2D-7C10-4976-AF83-E2241340AE9F}"/>
-              </a:ext>
-            </a:extLst>
-          </p:cNvPr>
+          <p:cNvPr id="8" name="Footer Placeholder 7"/>
           <p:cNvSpPr>
             <a:spLocks noGrp="1"/>
           </p:cNvSpPr>
@@ -2517,13 +3410,7 @@
       </p:sp>
       <p:sp>
         <p:nvSpPr>
-          <p:cNvPr id="9" name="Slide Number Placeholder 8">
-            <a:extLst>
-              <a:ext uri="{FF2B5EF4-FFF2-40B4-BE49-F238E27FC236}">
-                <a16:creationId xmlns:a16="http://schemas.microsoft.com/office/drawing/2014/main" id="{F2B40F46-A08F-4934-BBD2-B60ED970A211}"/>
-              </a:ext>
-            </a:extLst>
-          </p:cNvPr>
+          <p:cNvPr id="9" name="Slide Number Placeholder 8"/>
           <p:cNvSpPr>
             <a:spLocks noGrp="1"/>
           </p:cNvSpPr>
@@ -2547,7 +3434,7 @@
     </p:spTree>
     <p:extLst>
       <p:ext uri="{BB962C8B-B14F-4D97-AF65-F5344CB8AC3E}">
-        <p14:creationId xmlns:p14="http://schemas.microsoft.com/office/powerpoint/2010/main" val="3144040699"/>
+        <p14:creationId xmlns:p14="http://schemas.microsoft.com/office/powerpoint/2010/main" val="1367323059"/>
       </p:ext>
     </p:extLst>
   </p:cSld>
@@ -2576,13 +3463,7 @@
       </p:grpSpPr>
       <p:sp>
         <p:nvSpPr>
-          <p:cNvPr id="2" name="Title 1">
-            <a:extLst>
-              <a:ext uri="{FF2B5EF4-FFF2-40B4-BE49-F238E27FC236}">
-                <a16:creationId xmlns:a16="http://schemas.microsoft.com/office/drawing/2014/main" id="{834DF44F-7991-437F-9C9B-994373840CDF}"/>
-              </a:ext>
-            </a:extLst>
-          </p:cNvPr>
+          <p:cNvPr id="2" name="Title 1"/>
           <p:cNvSpPr>
             <a:spLocks noGrp="1"/>
           </p:cNvSpPr>
@@ -2599,18 +3480,13 @@
               <a:rPr lang="en-US"/>
               <a:t>Click to edit Master title style</a:t>
             </a:r>
-          </a:p>
-        </p:txBody>
-      </p:sp>
-      <p:sp>
-        <p:nvSpPr>
-          <p:cNvPr id="3" name="Date Placeholder 2">
-            <a:extLst>
-              <a:ext uri="{FF2B5EF4-FFF2-40B4-BE49-F238E27FC236}">
-                <a16:creationId xmlns:a16="http://schemas.microsoft.com/office/drawing/2014/main" id="{3531C889-3EFD-496E-8DDF-F8D5AF5B2210}"/>
-              </a:ext>
-            </a:extLst>
-          </p:cNvPr>
+            <a:endParaRPr lang="en-US" dirty="0"/>
+          </a:p>
+        </p:txBody>
+      </p:sp>
+      <p:sp>
+        <p:nvSpPr>
+          <p:cNvPr id="3" name="Date Placeholder 2"/>
           <p:cNvSpPr>
             <a:spLocks noGrp="1"/>
           </p:cNvSpPr>
@@ -2625,7 +3501,7 @@
           <a:p>
             <a:fld id="{5903BF61-59A0-41BF-9A68-F51252DBAEC7}" type="datetimeFigureOut">
               <a:rPr lang="en-US" smtClean="0"/>
-              <a:t>5/2/2020</a:t>
+              <a:t>5/8/2020</a:t>
             </a:fld>
             <a:endParaRPr lang="en-US"/>
           </a:p>
@@ -2633,13 +3509,7 @@
       </p:sp>
       <p:sp>
         <p:nvSpPr>
-          <p:cNvPr id="4" name="Footer Placeholder 3">
-            <a:extLst>
-              <a:ext uri="{FF2B5EF4-FFF2-40B4-BE49-F238E27FC236}">
-                <a16:creationId xmlns:a16="http://schemas.microsoft.com/office/drawing/2014/main" id="{9E928908-3E6C-4A9F-A2C8-596565157DF0}"/>
-              </a:ext>
-            </a:extLst>
-          </p:cNvPr>
+          <p:cNvPr id="4" name="Footer Placeholder 3"/>
           <p:cNvSpPr>
             <a:spLocks noGrp="1"/>
           </p:cNvSpPr>
@@ -2658,13 +3528,7 @@
       </p:sp>
       <p:sp>
         <p:nvSpPr>
-          <p:cNvPr id="5" name="Slide Number Placeholder 4">
-            <a:extLst>
-              <a:ext uri="{FF2B5EF4-FFF2-40B4-BE49-F238E27FC236}">
-                <a16:creationId xmlns:a16="http://schemas.microsoft.com/office/drawing/2014/main" id="{E9E55415-8B03-4FC1-BA18-EAEED2F40EFC}"/>
-              </a:ext>
-            </a:extLst>
-          </p:cNvPr>
+          <p:cNvPr id="5" name="Slide Number Placeholder 4"/>
           <p:cNvSpPr>
             <a:spLocks noGrp="1"/>
           </p:cNvSpPr>
@@ -2688,7 +3552,7 @@
     </p:spTree>
     <p:extLst>
       <p:ext uri="{BB962C8B-B14F-4D97-AF65-F5344CB8AC3E}">
-        <p14:creationId xmlns:p14="http://schemas.microsoft.com/office/powerpoint/2010/main" val="276358469"/>
+        <p14:creationId xmlns:p14="http://schemas.microsoft.com/office/powerpoint/2010/main" val="4188505093"/>
       </p:ext>
     </p:extLst>
   </p:cSld>
@@ -2699,7 +3563,7 @@
 </file>
 
 <file path=ppt/slideLayouts/slideLayout7.xml><?xml version="1.0" encoding="utf-8"?>
-<p:sldLayout xmlns:a="http://schemas.openxmlformats.org/drawingml/2006/main" xmlns:r="http://schemas.openxmlformats.org/officeDocument/2006/relationships" xmlns:p="http://schemas.openxmlformats.org/presentationml/2006/main" type="blank" preserve="1">
+<p:sldLayout xmlns:a="http://schemas.openxmlformats.org/drawingml/2006/main" xmlns:r="http://schemas.openxmlformats.org/officeDocument/2006/relationships" xmlns:p="http://schemas.openxmlformats.org/presentationml/2006/main" showMasterSp="0" type="blank" preserve="1">
   <p:cSld name="Blank">
     <p:spTree>
       <p:nvGrpSpPr>
@@ -2717,13 +3581,83 @@
       </p:grpSpPr>
       <p:sp>
         <p:nvSpPr>
-          <p:cNvPr id="2" name="Date Placeholder 1">
-            <a:extLst>
-              <a:ext uri="{FF2B5EF4-FFF2-40B4-BE49-F238E27FC236}">
-                <a16:creationId xmlns:a16="http://schemas.microsoft.com/office/drawing/2014/main" id="{ABB8ED39-D547-4E24-ACB6-EBD48A9362D9}"/>
-              </a:ext>
-            </a:extLst>
-          </p:cNvPr>
+          <p:cNvPr id="5" name="Rectangle 4"/>
+          <p:cNvSpPr/>
+          <p:nvPr/>
+        </p:nvSpPr>
+        <p:spPr>
+          <a:xfrm>
+            <a:off x="3175" y="6400800"/>
+            <a:ext cx="12188825" cy="457200"/>
+          </a:xfrm>
+          <a:prstGeom prst="rect">
+            <a:avLst/>
+          </a:prstGeom>
+          <a:solidFill>
+            <a:schemeClr val="accent2"/>
+          </a:solidFill>
+          <a:ln>
+            <a:noFill/>
+          </a:ln>
+        </p:spPr>
+        <p:style>
+          <a:lnRef idx="2">
+            <a:schemeClr val="accent1">
+              <a:shade val="50000"/>
+            </a:schemeClr>
+          </a:lnRef>
+          <a:fillRef idx="1">
+            <a:schemeClr val="accent1"/>
+          </a:fillRef>
+          <a:effectRef idx="0">
+            <a:schemeClr val="accent1"/>
+          </a:effectRef>
+          <a:fontRef idx="minor">
+            <a:schemeClr val="lt1"/>
+          </a:fontRef>
+        </p:style>
+      </p:sp>
+      <p:sp>
+        <p:nvSpPr>
+          <p:cNvPr id="6" name="Rectangle 5"/>
+          <p:cNvSpPr/>
+          <p:nvPr/>
+        </p:nvSpPr>
+        <p:spPr>
+          <a:xfrm>
+            <a:off x="15" y="6334316"/>
+            <a:ext cx="12188825" cy="64008"/>
+          </a:xfrm>
+          <a:prstGeom prst="rect">
+            <a:avLst/>
+          </a:prstGeom>
+          <a:solidFill>
+            <a:schemeClr val="accent1"/>
+          </a:solidFill>
+          <a:ln>
+            <a:noFill/>
+          </a:ln>
+        </p:spPr>
+        <p:style>
+          <a:lnRef idx="2">
+            <a:schemeClr val="accent1">
+              <a:shade val="50000"/>
+            </a:schemeClr>
+          </a:lnRef>
+          <a:fillRef idx="1">
+            <a:schemeClr val="accent1"/>
+          </a:fillRef>
+          <a:effectRef idx="0">
+            <a:schemeClr val="accent1"/>
+          </a:effectRef>
+          <a:fontRef idx="minor">
+            <a:schemeClr val="lt1"/>
+          </a:fontRef>
+        </p:style>
+      </p:sp>
+      <p:sp>
+        <p:nvSpPr>
+          <p:cNvPr id="7" name="Date Placeholder 6"/>
           <p:cNvSpPr>
             <a:spLocks noGrp="1"/>
           </p:cNvSpPr>
@@ -2738,7 +3672,7 @@
           <a:p>
             <a:fld id="{5903BF61-59A0-41BF-9A68-F51252DBAEC7}" type="datetimeFigureOut">
               <a:rPr lang="en-US" smtClean="0"/>
-              <a:t>5/2/2020</a:t>
+              <a:t>5/8/2020</a:t>
             </a:fld>
             <a:endParaRPr lang="en-US"/>
           </a:p>
@@ -2746,13 +3680,7 @@
       </p:sp>
       <p:sp>
         <p:nvSpPr>
-          <p:cNvPr id="3" name="Footer Placeholder 2">
-            <a:extLst>
-              <a:ext uri="{FF2B5EF4-FFF2-40B4-BE49-F238E27FC236}">
-                <a16:creationId xmlns:a16="http://schemas.microsoft.com/office/drawing/2014/main" id="{22E69811-0171-4497-9614-B4293600FCD0}"/>
-              </a:ext>
-            </a:extLst>
-          </p:cNvPr>
+          <p:cNvPr id="8" name="Footer Placeholder 7"/>
           <p:cNvSpPr>
             <a:spLocks noGrp="1"/>
           </p:cNvSpPr>
@@ -2763,7 +3691,15 @@
         <p:spPr/>
         <p:txBody>
           <a:bodyPr/>
-          <a:lstStyle/>
+          <a:lstStyle>
+            <a:lvl1pPr>
+              <a:defRPr>
+                <a:solidFill>
+                  <a:srgbClr val="FFFFFF"/>
+                </a:solidFill>
+              </a:defRPr>
+            </a:lvl1pPr>
+          </a:lstStyle>
           <a:p>
             <a:endParaRPr lang="en-US"/>
           </a:p>
@@ -2771,13 +3707,7 @@
       </p:sp>
       <p:sp>
         <p:nvSpPr>
-          <p:cNvPr id="4" name="Slide Number Placeholder 3">
-            <a:extLst>
-              <a:ext uri="{FF2B5EF4-FFF2-40B4-BE49-F238E27FC236}">
-                <a16:creationId xmlns:a16="http://schemas.microsoft.com/office/drawing/2014/main" id="{F6C28CB9-1BA8-46CF-A675-D7B20F3B8732}"/>
-              </a:ext>
-            </a:extLst>
-          </p:cNvPr>
+          <p:cNvPr id="9" name="Slide Number Placeholder 8"/>
           <p:cNvSpPr>
             <a:spLocks noGrp="1"/>
           </p:cNvSpPr>
@@ -2801,7 +3731,7 @@
     </p:spTree>
     <p:extLst>
       <p:ext uri="{BB962C8B-B14F-4D97-AF65-F5344CB8AC3E}">
-        <p14:creationId xmlns:p14="http://schemas.microsoft.com/office/powerpoint/2010/main" val="4124671465"/>
+        <p14:creationId xmlns:p14="http://schemas.microsoft.com/office/powerpoint/2010/main" val="2855712258"/>
       </p:ext>
     </p:extLst>
   </p:cSld>
@@ -2812,7 +3742,7 @@
 </file>
 
 <file path=ppt/slideLayouts/slideLayout8.xml><?xml version="1.0" encoding="utf-8"?>
-<p:sldLayout xmlns:a="http://schemas.openxmlformats.org/drawingml/2006/main" xmlns:r="http://schemas.openxmlformats.org/officeDocument/2006/relationships" xmlns:p="http://schemas.openxmlformats.org/presentationml/2006/main" type="objTx" preserve="1">
+<p:sldLayout xmlns:a="http://schemas.openxmlformats.org/drawingml/2006/main" xmlns:r="http://schemas.openxmlformats.org/officeDocument/2006/relationships" xmlns:p="http://schemas.openxmlformats.org/presentationml/2006/main" showMasterSp="0" type="objTx" preserve="1">
   <p:cSld name="Content with Caption">
     <p:spTree>
       <p:nvGrpSpPr>
@@ -2830,31 +3760,107 @@
       </p:grpSpPr>
       <p:sp>
         <p:nvSpPr>
-          <p:cNvPr id="2" name="Title 1">
-            <a:extLst>
-              <a:ext uri="{FF2B5EF4-FFF2-40B4-BE49-F238E27FC236}">
-                <a16:creationId xmlns:a16="http://schemas.microsoft.com/office/drawing/2014/main" id="{85808F6F-9C1B-4D8C-B04D-FABADE9CBB48}"/>
-              </a:ext>
-            </a:extLst>
-          </p:cNvPr>
-          <p:cNvSpPr>
-            <a:spLocks noGrp="1"/>
-          </p:cNvSpPr>
-          <p:nvPr>
-            <p:ph type="title"/>
-          </p:nvPr>
+          <p:cNvPr id="8" name="Rectangle 7"/>
+          <p:cNvSpPr/>
+          <p:nvPr/>
         </p:nvSpPr>
         <p:spPr>
           <a:xfrm>
-            <a:off x="839788" y="457200"/>
-            <a:ext cx="3932237" cy="1600200"/>
+            <a:off x="16" y="0"/>
+            <a:ext cx="4050791" cy="6858000"/>
+          </a:xfrm>
+          <a:prstGeom prst="rect">
+            <a:avLst/>
+          </a:prstGeom>
+          <a:solidFill>
+            <a:schemeClr val="accent2"/>
+          </a:solidFill>
+          <a:ln>
+            <a:noFill/>
+          </a:ln>
+        </p:spPr>
+        <p:style>
+          <a:lnRef idx="2">
+            <a:schemeClr val="accent1">
+              <a:shade val="50000"/>
+            </a:schemeClr>
+          </a:lnRef>
+          <a:fillRef idx="1">
+            <a:schemeClr val="accent1"/>
+          </a:fillRef>
+          <a:effectRef idx="0">
+            <a:schemeClr val="accent1"/>
+          </a:effectRef>
+          <a:fontRef idx="minor">
+            <a:schemeClr val="lt1"/>
+          </a:fontRef>
+        </p:style>
+      </p:sp>
+      <p:sp>
+        <p:nvSpPr>
+          <p:cNvPr id="9" name="Rectangle 8"/>
+          <p:cNvSpPr/>
+          <p:nvPr/>
+        </p:nvSpPr>
+        <p:spPr>
+          <a:xfrm>
+            <a:off x="4040071" y="0"/>
+            <a:ext cx="64008" cy="6858000"/>
+          </a:xfrm>
+          <a:prstGeom prst="rect">
+            <a:avLst/>
+          </a:prstGeom>
+          <a:solidFill>
+            <a:schemeClr val="accent1"/>
+          </a:solidFill>
+          <a:ln>
+            <a:noFill/>
+          </a:ln>
+        </p:spPr>
+        <p:style>
+          <a:lnRef idx="2">
+            <a:schemeClr val="accent1">
+              <a:shade val="50000"/>
+            </a:schemeClr>
+          </a:lnRef>
+          <a:fillRef idx="1">
+            <a:schemeClr val="accent1"/>
+          </a:fillRef>
+          <a:effectRef idx="0">
+            <a:schemeClr val="accent1"/>
+          </a:effectRef>
+          <a:fontRef idx="minor">
+            <a:schemeClr val="lt1"/>
+          </a:fontRef>
+        </p:style>
+      </p:sp>
+      <p:sp>
+        <p:nvSpPr>
+          <p:cNvPr id="2" name="Title 1"/>
+          <p:cNvSpPr>
+            <a:spLocks noGrp="1"/>
+          </p:cNvSpPr>
+          <p:nvPr>
+            <p:ph type="title"/>
+          </p:nvPr>
+        </p:nvSpPr>
+        <p:spPr>
+          <a:xfrm>
+            <a:off x="457200" y="594359"/>
+            <a:ext cx="3200400" cy="2286000"/>
           </a:xfrm>
         </p:spPr>
         <p:txBody>
-          <a:bodyPr anchor="b"/>
+          <a:bodyPr anchor="b">
+            <a:normAutofit/>
+          </a:bodyPr>
           <a:lstStyle>
             <a:lvl1pPr>
-              <a:defRPr sz="3200"/>
+              <a:defRPr sz="3600" b="0">
+                <a:solidFill>
+                  <a:srgbClr val="FFFFFF"/>
+                </a:solidFill>
+              </a:defRPr>
             </a:lvl1pPr>
           </a:lstStyle>
           <a:p>
@@ -2862,18 +3868,13 @@
               <a:rPr lang="en-US"/>
               <a:t>Click to edit Master title style</a:t>
             </a:r>
-          </a:p>
-        </p:txBody>
-      </p:sp>
-      <p:sp>
-        <p:nvSpPr>
-          <p:cNvPr id="3" name="Content Placeholder 2">
-            <a:extLst>
-              <a:ext uri="{FF2B5EF4-FFF2-40B4-BE49-F238E27FC236}">
-                <a16:creationId xmlns:a16="http://schemas.microsoft.com/office/drawing/2014/main" id="{626250DA-1400-4A70-9A90-4C9EF58027A8}"/>
-              </a:ext>
-            </a:extLst>
-          </p:cNvPr>
+            <a:endParaRPr lang="en-US" dirty="0"/>
+          </a:p>
+        </p:txBody>
+      </p:sp>
+      <p:sp>
+        <p:nvSpPr>
+          <p:cNvPr id="3" name="Content Placeholder 2"/>
           <p:cNvSpPr>
             <a:spLocks noGrp="1"/>
           </p:cNvSpPr>
@@ -2883,223 +3884,208 @@
         </p:nvSpPr>
         <p:spPr>
           <a:xfrm>
-            <a:off x="5183188" y="987425"/>
-            <a:ext cx="6172200" cy="4873625"/>
+            <a:off x="4800600" y="731520"/>
+            <a:ext cx="6492240" cy="5257800"/>
           </a:xfrm>
         </p:spPr>
+        <p:txBody>
+          <a:bodyPr/>
+          <a:lstStyle/>
+          <a:p>
+            <a:pPr lvl="0"/>
+            <a:r>
+              <a:rPr lang="en-US"/>
+              <a:t>Click to edit Master text styles</a:t>
+            </a:r>
+          </a:p>
+          <a:p>
+            <a:pPr lvl="1"/>
+            <a:r>
+              <a:rPr lang="en-US"/>
+              <a:t>Second level</a:t>
+            </a:r>
+          </a:p>
+          <a:p>
+            <a:pPr lvl="2"/>
+            <a:r>
+              <a:rPr lang="en-US"/>
+              <a:t>Third level</a:t>
+            </a:r>
+          </a:p>
+          <a:p>
+            <a:pPr lvl="3"/>
+            <a:r>
+              <a:rPr lang="en-US"/>
+              <a:t>Fourth level</a:t>
+            </a:r>
+          </a:p>
+          <a:p>
+            <a:pPr lvl="4"/>
+            <a:r>
+              <a:rPr lang="en-US"/>
+              <a:t>Fifth level</a:t>
+            </a:r>
+            <a:endParaRPr lang="en-US" dirty="0"/>
+          </a:p>
+        </p:txBody>
+      </p:sp>
+      <p:sp>
+        <p:nvSpPr>
+          <p:cNvPr id="4" name="Text Placeholder 3"/>
+          <p:cNvSpPr>
+            <a:spLocks noGrp="1"/>
+          </p:cNvSpPr>
+          <p:nvPr>
+            <p:ph type="body" sz="half" idx="2"/>
+          </p:nvPr>
+        </p:nvSpPr>
+        <p:spPr>
+          <a:xfrm>
+            <a:off x="457200" y="2926080"/>
+            <a:ext cx="3200400" cy="3379124"/>
+          </a:xfrm>
+        </p:spPr>
+        <p:txBody>
+          <a:bodyPr lIns="91440" rIns="91440">
+            <a:normAutofit/>
+          </a:bodyPr>
+          <a:lstStyle>
+            <a:lvl1pPr marL="0" indent="0">
+              <a:buNone/>
+              <a:defRPr sz="1500">
+                <a:solidFill>
+                  <a:srgbClr val="FFFFFF"/>
+                </a:solidFill>
+              </a:defRPr>
+            </a:lvl1pPr>
+            <a:lvl2pPr marL="457200" indent="0">
+              <a:buNone/>
+              <a:defRPr sz="1200"/>
+            </a:lvl2pPr>
+            <a:lvl3pPr marL="914400" indent="0">
+              <a:buNone/>
+              <a:defRPr sz="1000"/>
+            </a:lvl3pPr>
+            <a:lvl4pPr marL="1371600" indent="0">
+              <a:buNone/>
+              <a:defRPr sz="900"/>
+            </a:lvl4pPr>
+            <a:lvl5pPr marL="1828800" indent="0">
+              <a:buNone/>
+              <a:defRPr sz="900"/>
+            </a:lvl5pPr>
+            <a:lvl6pPr marL="2286000" indent="0">
+              <a:buNone/>
+              <a:defRPr sz="900"/>
+            </a:lvl6pPr>
+            <a:lvl7pPr marL="2743200" indent="0">
+              <a:buNone/>
+              <a:defRPr sz="900"/>
+            </a:lvl7pPr>
+            <a:lvl8pPr marL="3200400" indent="0">
+              <a:buNone/>
+              <a:defRPr sz="900"/>
+            </a:lvl8pPr>
+            <a:lvl9pPr marL="3657600" indent="0">
+              <a:buNone/>
+              <a:defRPr sz="900"/>
+            </a:lvl9pPr>
+          </a:lstStyle>
+          <a:p>
+            <a:pPr lvl="0"/>
+            <a:r>
+              <a:rPr lang="en-US"/>
+              <a:t>Click to edit Master text styles</a:t>
+            </a:r>
+          </a:p>
+        </p:txBody>
+      </p:sp>
+      <p:sp>
+        <p:nvSpPr>
+          <p:cNvPr id="5" name="Date Placeholder 4"/>
+          <p:cNvSpPr>
+            <a:spLocks noGrp="1"/>
+          </p:cNvSpPr>
+          <p:nvPr>
+            <p:ph type="dt" sz="half" idx="10"/>
+          </p:nvPr>
+        </p:nvSpPr>
+        <p:spPr>
+          <a:xfrm>
+            <a:off x="465512" y="6459785"/>
+            <a:ext cx="2618510" cy="365125"/>
+          </a:xfrm>
+        </p:spPr>
+        <p:txBody>
+          <a:bodyPr/>
+          <a:lstStyle>
+            <a:lvl1pPr algn="l">
+              <a:defRPr/>
+            </a:lvl1pPr>
+          </a:lstStyle>
+          <a:p>
+            <a:fld id="{5903BF61-59A0-41BF-9A68-F51252DBAEC7}" type="datetimeFigureOut">
+              <a:rPr lang="en-US" smtClean="0"/>
+              <a:t>5/8/2020</a:t>
+            </a:fld>
+            <a:endParaRPr lang="en-US"/>
+          </a:p>
+        </p:txBody>
+      </p:sp>
+      <p:sp>
+        <p:nvSpPr>
+          <p:cNvPr id="6" name="Footer Placeholder 5"/>
+          <p:cNvSpPr>
+            <a:spLocks noGrp="1"/>
+          </p:cNvSpPr>
+          <p:nvPr>
+            <p:ph type="ftr" sz="quarter" idx="11"/>
+          </p:nvPr>
+        </p:nvSpPr>
+        <p:spPr>
+          <a:xfrm>
+            <a:off x="4800600" y="6459785"/>
+            <a:ext cx="4648200" cy="365125"/>
+          </a:xfrm>
+        </p:spPr>
+        <p:txBody>
+          <a:bodyPr/>
+          <a:lstStyle>
+            <a:lvl1pPr algn="l">
+              <a:defRPr>
+                <a:solidFill>
+                  <a:schemeClr val="tx2"/>
+                </a:solidFill>
+              </a:defRPr>
+            </a:lvl1pPr>
+          </a:lstStyle>
+          <a:p>
+            <a:endParaRPr lang="en-US"/>
+          </a:p>
+        </p:txBody>
+      </p:sp>
+      <p:sp>
+        <p:nvSpPr>
+          <p:cNvPr id="7" name="Slide Number Placeholder 6"/>
+          <p:cNvSpPr>
+            <a:spLocks noGrp="1"/>
+          </p:cNvSpPr>
+          <p:nvPr>
+            <p:ph type="sldNum" sz="quarter" idx="12"/>
+          </p:nvPr>
+        </p:nvSpPr>
+        <p:spPr/>
         <p:txBody>
           <a:bodyPr/>
           <a:lstStyle>
             <a:lvl1pPr>
-              <a:defRPr sz="3200"/>
+              <a:defRPr>
+                <a:solidFill>
+                  <a:schemeClr val="tx2"/>
+                </a:solidFill>
+              </a:defRPr>
             </a:lvl1pPr>
-            <a:lvl2pPr>
-              <a:defRPr sz="2800"/>
-            </a:lvl2pPr>
-            <a:lvl3pPr>
-              <a:defRPr sz="2400"/>
-            </a:lvl3pPr>
-            <a:lvl4pPr>
-              <a:defRPr sz="2000"/>
-            </a:lvl4pPr>
-            <a:lvl5pPr>
-              <a:defRPr sz="2000"/>
-            </a:lvl5pPr>
-            <a:lvl6pPr>
-              <a:defRPr sz="2000"/>
-            </a:lvl6pPr>
-            <a:lvl7pPr>
-              <a:defRPr sz="2000"/>
-            </a:lvl7pPr>
-            <a:lvl8pPr>
-              <a:defRPr sz="2000"/>
-            </a:lvl8pPr>
-            <a:lvl9pPr>
-              <a:defRPr sz="2000"/>
-            </a:lvl9pPr>
           </a:lstStyle>
-          <a:p>
-            <a:pPr lvl="0"/>
-            <a:r>
-              <a:rPr lang="en-US"/>
-              <a:t>Click to edit Master text styles</a:t>
-            </a:r>
-          </a:p>
-          <a:p>
-            <a:pPr lvl="1"/>
-            <a:r>
-              <a:rPr lang="en-US"/>
-              <a:t>Second level</a:t>
-            </a:r>
-          </a:p>
-          <a:p>
-            <a:pPr lvl="2"/>
-            <a:r>
-              <a:rPr lang="en-US"/>
-              <a:t>Third level</a:t>
-            </a:r>
-          </a:p>
-          <a:p>
-            <a:pPr lvl="3"/>
-            <a:r>
-              <a:rPr lang="en-US"/>
-              <a:t>Fourth level</a:t>
-            </a:r>
-          </a:p>
-          <a:p>
-            <a:pPr lvl="4"/>
-            <a:r>
-              <a:rPr lang="en-US"/>
-              <a:t>Fifth level</a:t>
-            </a:r>
-          </a:p>
-        </p:txBody>
-      </p:sp>
-      <p:sp>
-        <p:nvSpPr>
-          <p:cNvPr id="4" name="Text Placeholder 3">
-            <a:extLst>
-              <a:ext uri="{FF2B5EF4-FFF2-40B4-BE49-F238E27FC236}">
-                <a16:creationId xmlns:a16="http://schemas.microsoft.com/office/drawing/2014/main" id="{7063532E-EEEA-4150-95E8-BE7F2400E38C}"/>
-              </a:ext>
-            </a:extLst>
-          </p:cNvPr>
-          <p:cNvSpPr>
-            <a:spLocks noGrp="1"/>
-          </p:cNvSpPr>
-          <p:nvPr>
-            <p:ph type="body" sz="half" idx="2"/>
-          </p:nvPr>
-        </p:nvSpPr>
-        <p:spPr>
-          <a:xfrm>
-            <a:off x="839788" y="2057400"/>
-            <a:ext cx="3932237" cy="3811588"/>
-          </a:xfrm>
-        </p:spPr>
-        <p:txBody>
-          <a:bodyPr/>
-          <a:lstStyle>
-            <a:lvl1pPr marL="0" indent="0">
-              <a:buNone/>
-              <a:defRPr sz="1600"/>
-            </a:lvl1pPr>
-            <a:lvl2pPr marL="457200" indent="0">
-              <a:buNone/>
-              <a:defRPr sz="1400"/>
-            </a:lvl2pPr>
-            <a:lvl3pPr marL="914400" indent="0">
-              <a:buNone/>
-              <a:defRPr sz="1200"/>
-            </a:lvl3pPr>
-            <a:lvl4pPr marL="1371600" indent="0">
-              <a:buNone/>
-              <a:defRPr sz="1000"/>
-            </a:lvl4pPr>
-            <a:lvl5pPr marL="1828800" indent="0">
-              <a:buNone/>
-              <a:defRPr sz="1000"/>
-            </a:lvl5pPr>
-            <a:lvl6pPr marL="2286000" indent="0">
-              <a:buNone/>
-              <a:defRPr sz="1000"/>
-            </a:lvl6pPr>
-            <a:lvl7pPr marL="2743200" indent="0">
-              <a:buNone/>
-              <a:defRPr sz="1000"/>
-            </a:lvl7pPr>
-            <a:lvl8pPr marL="3200400" indent="0">
-              <a:buNone/>
-              <a:defRPr sz="1000"/>
-            </a:lvl8pPr>
-            <a:lvl9pPr marL="3657600" indent="0">
-              <a:buNone/>
-              <a:defRPr sz="1000"/>
-            </a:lvl9pPr>
-          </a:lstStyle>
-          <a:p>
-            <a:pPr lvl="0"/>
-            <a:r>
-              <a:rPr lang="en-US"/>
-              <a:t>Click to edit Master text styles</a:t>
-            </a:r>
-          </a:p>
-        </p:txBody>
-      </p:sp>
-      <p:sp>
-        <p:nvSpPr>
-          <p:cNvPr id="5" name="Date Placeholder 4">
-            <a:extLst>
-              <a:ext uri="{FF2B5EF4-FFF2-40B4-BE49-F238E27FC236}">
-                <a16:creationId xmlns:a16="http://schemas.microsoft.com/office/drawing/2014/main" id="{88EC8101-EC8E-40B9-B826-FC5D4547AE7E}"/>
-              </a:ext>
-            </a:extLst>
-          </p:cNvPr>
-          <p:cNvSpPr>
-            <a:spLocks noGrp="1"/>
-          </p:cNvSpPr>
-          <p:nvPr>
-            <p:ph type="dt" sz="half" idx="10"/>
-          </p:nvPr>
-        </p:nvSpPr>
-        <p:spPr/>
-        <p:txBody>
-          <a:bodyPr/>
-          <a:lstStyle/>
-          <a:p>
-            <a:fld id="{5903BF61-59A0-41BF-9A68-F51252DBAEC7}" type="datetimeFigureOut">
-              <a:rPr lang="en-US" smtClean="0"/>
-              <a:t>5/2/2020</a:t>
-            </a:fld>
-            <a:endParaRPr lang="en-US"/>
-          </a:p>
-        </p:txBody>
-      </p:sp>
-      <p:sp>
-        <p:nvSpPr>
-          <p:cNvPr id="6" name="Footer Placeholder 5">
-            <a:extLst>
-              <a:ext uri="{FF2B5EF4-FFF2-40B4-BE49-F238E27FC236}">
-                <a16:creationId xmlns:a16="http://schemas.microsoft.com/office/drawing/2014/main" id="{777F2E29-B85B-46DF-A1B2-AA0BDE81AA97}"/>
-              </a:ext>
-            </a:extLst>
-          </p:cNvPr>
-          <p:cNvSpPr>
-            <a:spLocks noGrp="1"/>
-          </p:cNvSpPr>
-          <p:nvPr>
-            <p:ph type="ftr" sz="quarter" idx="11"/>
-          </p:nvPr>
-        </p:nvSpPr>
-        <p:spPr/>
-        <p:txBody>
-          <a:bodyPr/>
-          <a:lstStyle/>
-          <a:p>
-            <a:endParaRPr lang="en-US"/>
-          </a:p>
-        </p:txBody>
-      </p:sp>
-      <p:sp>
-        <p:nvSpPr>
-          <p:cNvPr id="7" name="Slide Number Placeholder 6">
-            <a:extLst>
-              <a:ext uri="{FF2B5EF4-FFF2-40B4-BE49-F238E27FC236}">
-                <a16:creationId xmlns:a16="http://schemas.microsoft.com/office/drawing/2014/main" id="{CD48C68D-70EE-4723-8B96-46A920ACC78D}"/>
-              </a:ext>
-            </a:extLst>
-          </p:cNvPr>
-          <p:cNvSpPr>
-            <a:spLocks noGrp="1"/>
-          </p:cNvSpPr>
-          <p:nvPr>
-            <p:ph type="sldNum" sz="quarter" idx="12"/>
-          </p:nvPr>
-        </p:nvSpPr>
-        <p:spPr/>
-        <p:txBody>
-          <a:bodyPr/>
-          <a:lstStyle/>
           <a:p>
             <a:fld id="{8BE14354-9F22-4107-A6BE-86D32DB11CC9}" type="slidenum">
               <a:rPr lang="en-US" smtClean="0"/>
@@ -3112,7 +4098,7 @@
     </p:spTree>
     <p:extLst>
       <p:ext uri="{BB962C8B-B14F-4D97-AF65-F5344CB8AC3E}">
-        <p14:creationId xmlns:p14="http://schemas.microsoft.com/office/powerpoint/2010/main" val="1311912023"/>
+        <p14:creationId xmlns:p14="http://schemas.microsoft.com/office/powerpoint/2010/main" val="712083582"/>
       </p:ext>
     </p:extLst>
   </p:cSld>
@@ -3123,7 +4109,7 @@
 </file>
 
 <file path=ppt/slideLayouts/slideLayout9.xml><?xml version="1.0" encoding="utf-8"?>
-<p:sldLayout xmlns:a="http://schemas.openxmlformats.org/drawingml/2006/main" xmlns:r="http://schemas.openxmlformats.org/officeDocument/2006/relationships" xmlns:p="http://schemas.openxmlformats.org/presentationml/2006/main" type="picTx" preserve="1">
+<p:sldLayout xmlns:a="http://schemas.openxmlformats.org/drawingml/2006/main" xmlns:r="http://schemas.openxmlformats.org/officeDocument/2006/relationships" xmlns:p="http://schemas.openxmlformats.org/presentationml/2006/main" showMasterSp="0" type="picTx" preserve="1">
   <p:cSld name="Picture with Caption">
     <p:spTree>
       <p:nvGrpSpPr>
@@ -3141,31 +4127,107 @@
       </p:grpSpPr>
       <p:sp>
         <p:nvSpPr>
-          <p:cNvPr id="2" name="Title 1">
-            <a:extLst>
-              <a:ext uri="{FF2B5EF4-FFF2-40B4-BE49-F238E27FC236}">
-                <a16:creationId xmlns:a16="http://schemas.microsoft.com/office/drawing/2014/main" id="{CD5C1334-CC14-41F9-83E5-C70E0E61C4CB}"/>
-              </a:ext>
-            </a:extLst>
-          </p:cNvPr>
-          <p:cNvSpPr>
-            <a:spLocks noGrp="1"/>
-          </p:cNvSpPr>
-          <p:nvPr>
-            <p:ph type="title"/>
-          </p:nvPr>
+          <p:cNvPr id="8" name="Rectangle 7"/>
+          <p:cNvSpPr/>
+          <p:nvPr/>
         </p:nvSpPr>
         <p:spPr>
           <a:xfrm>
-            <a:off x="839788" y="457200"/>
-            <a:ext cx="3932237" cy="1600200"/>
+            <a:off x="0" y="4953000"/>
+            <a:ext cx="12188825" cy="1905000"/>
+          </a:xfrm>
+          <a:prstGeom prst="rect">
+            <a:avLst/>
+          </a:prstGeom>
+          <a:solidFill>
+            <a:schemeClr val="accent2"/>
+          </a:solidFill>
+          <a:ln>
+            <a:noFill/>
+          </a:ln>
+        </p:spPr>
+        <p:style>
+          <a:lnRef idx="2">
+            <a:schemeClr val="accent1">
+              <a:shade val="50000"/>
+            </a:schemeClr>
+          </a:lnRef>
+          <a:fillRef idx="1">
+            <a:schemeClr val="accent1"/>
+          </a:fillRef>
+          <a:effectRef idx="0">
+            <a:schemeClr val="accent1"/>
+          </a:effectRef>
+          <a:fontRef idx="minor">
+            <a:schemeClr val="lt1"/>
+          </a:fontRef>
+        </p:style>
+      </p:sp>
+      <p:sp>
+        <p:nvSpPr>
+          <p:cNvPr id="9" name="Rectangle 8"/>
+          <p:cNvSpPr/>
+          <p:nvPr/>
+        </p:nvSpPr>
+        <p:spPr>
+          <a:xfrm>
+            <a:off x="15" y="4915076"/>
+            <a:ext cx="12188825" cy="64008"/>
+          </a:xfrm>
+          <a:prstGeom prst="rect">
+            <a:avLst/>
+          </a:prstGeom>
+          <a:solidFill>
+            <a:schemeClr val="accent1"/>
+          </a:solidFill>
+          <a:ln>
+            <a:noFill/>
+          </a:ln>
+        </p:spPr>
+        <p:style>
+          <a:lnRef idx="2">
+            <a:schemeClr val="accent1">
+              <a:shade val="50000"/>
+            </a:schemeClr>
+          </a:lnRef>
+          <a:fillRef idx="1">
+            <a:schemeClr val="accent1"/>
+          </a:fillRef>
+          <a:effectRef idx="0">
+            <a:schemeClr val="accent1"/>
+          </a:effectRef>
+          <a:fontRef idx="minor">
+            <a:schemeClr val="lt1"/>
+          </a:fontRef>
+        </p:style>
+      </p:sp>
+      <p:sp>
+        <p:nvSpPr>
+          <p:cNvPr id="2" name="Title 1"/>
+          <p:cNvSpPr>
+            <a:spLocks noGrp="1"/>
+          </p:cNvSpPr>
+          <p:nvPr>
+            <p:ph type="title"/>
+          </p:nvPr>
+        </p:nvSpPr>
+        <p:spPr>
+          <a:xfrm>
+            <a:off x="1097280" y="5074920"/>
+            <a:ext cx="10113264" cy="822960"/>
           </a:xfrm>
         </p:spPr>
         <p:txBody>
-          <a:bodyPr anchor="b"/>
+          <a:bodyPr lIns="91440" tIns="0" rIns="91440" bIns="0" anchor="b">
+            <a:noAutofit/>
+          </a:bodyPr>
           <a:lstStyle>
             <a:lvl1pPr>
-              <a:defRPr sz="3200"/>
+              <a:defRPr sz="3600" b="0">
+                <a:solidFill>
+                  <a:srgbClr val="FFFFFF"/>
+                </a:solidFill>
+              </a:defRPr>
             </a:lvl1pPr>
           </a:lstStyle>
           <a:p>
@@ -3173,20 +4235,15 @@
               <a:rPr lang="en-US"/>
               <a:t>Click to edit Master title style</a:t>
             </a:r>
-          </a:p>
-        </p:txBody>
-      </p:sp>
-      <p:sp>
-        <p:nvSpPr>
-          <p:cNvPr id="3" name="Picture Placeholder 2">
-            <a:extLst>
-              <a:ext uri="{FF2B5EF4-FFF2-40B4-BE49-F238E27FC236}">
-                <a16:creationId xmlns:a16="http://schemas.microsoft.com/office/drawing/2014/main" id="{71FB06D1-B1C1-466B-B095-0EC8E4EB9830}"/>
-              </a:ext>
-            </a:extLst>
-          </p:cNvPr>
-          <p:cNvSpPr>
-            <a:spLocks noGrp="1"/>
+            <a:endParaRPr lang="en-US" dirty="0"/>
+          </a:p>
+        </p:txBody>
+      </p:sp>
+      <p:sp>
+        <p:nvSpPr>
+          <p:cNvPr id="3" name="Picture Placeholder 2"/>
+          <p:cNvSpPr>
+            <a:spLocks noGrp="1" noChangeAspect="1"/>
           </p:cNvSpPr>
           <p:nvPr>
             <p:ph type="pic" idx="1"/>
@@ -3194,16 +4251,26 @@
         </p:nvSpPr>
         <p:spPr>
           <a:xfrm>
-            <a:off x="5183188" y="987425"/>
-            <a:ext cx="6172200" cy="4873625"/>
+            <a:off x="15" y="0"/>
+            <a:ext cx="12191985" cy="4915076"/>
           </a:xfrm>
+          <a:blipFill>
+            <a:blip r:embed="rId2"/>
+            <a:stretch>
+              <a:fillRect/>
+            </a:stretch>
+          </a:blipFill>
         </p:spPr>
         <p:txBody>
-          <a:bodyPr/>
+          <a:bodyPr lIns="457200" tIns="457200" anchor="t"/>
           <a:lstStyle>
             <a:lvl1pPr marL="0" indent="0">
               <a:buNone/>
-              <a:defRPr sz="3200"/>
+              <a:defRPr sz="3200">
+                <a:solidFill>
+                  <a:schemeClr val="bg1"/>
+                </a:solidFill>
+              </a:defRPr>
             </a:lvl1pPr>
             <a:lvl2pPr marL="457200" indent="0">
               <a:buNone/>
@@ -3239,19 +4306,17 @@
             </a:lvl9pPr>
           </a:lstStyle>
           <a:p>
-            <a:endParaRPr lang="en-US"/>
-          </a:p>
-        </p:txBody>
-      </p:sp>
-      <p:sp>
-        <p:nvSpPr>
-          <p:cNvPr id="4" name="Text Placeholder 3">
-            <a:extLst>
-              <a:ext uri="{FF2B5EF4-FFF2-40B4-BE49-F238E27FC236}">
-                <a16:creationId xmlns:a16="http://schemas.microsoft.com/office/drawing/2014/main" id="{80CC20EF-78C2-4117-8400-5201DD46D7E9}"/>
-              </a:ext>
-            </a:extLst>
-          </p:cNvPr>
+            <a:r>
+              <a:rPr lang="en-US"/>
+              <a:t>Click icon to add picture</a:t>
+            </a:r>
+            <a:endParaRPr lang="en-US" dirty="0"/>
+          </a:p>
+        </p:txBody>
+      </p:sp>
+      <p:sp>
+        <p:nvSpPr>
+          <p:cNvPr id="4" name="Text Placeholder 3"/>
           <p:cNvSpPr>
             <a:spLocks noGrp="1"/>
           </p:cNvSpPr>
@@ -3261,48 +4326,60 @@
         </p:nvSpPr>
         <p:spPr>
           <a:xfrm>
-            <a:off x="839788" y="2057400"/>
-            <a:ext cx="3932237" cy="3811588"/>
+            <a:off x="1097280" y="5907023"/>
+            <a:ext cx="10113264" cy="594360"/>
           </a:xfrm>
         </p:spPr>
         <p:txBody>
-          <a:bodyPr/>
+          <a:bodyPr lIns="91440" tIns="0" rIns="91440" bIns="0">
+            <a:normAutofit/>
+          </a:bodyPr>
           <a:lstStyle>
             <a:lvl1pPr marL="0" indent="0">
+              <a:spcBef>
+                <a:spcPts val="0"/>
+              </a:spcBef>
+              <a:spcAft>
+                <a:spcPts val="600"/>
+              </a:spcAft>
               <a:buNone/>
-              <a:defRPr sz="1600"/>
+              <a:defRPr sz="1500">
+                <a:solidFill>
+                  <a:srgbClr val="FFFFFF"/>
+                </a:solidFill>
+              </a:defRPr>
             </a:lvl1pPr>
             <a:lvl2pPr marL="457200" indent="0">
               <a:buNone/>
-              <a:defRPr sz="1400"/>
+              <a:defRPr sz="1200"/>
             </a:lvl2pPr>
             <a:lvl3pPr marL="914400" indent="0">
               <a:buNone/>
-              <a:defRPr sz="1200"/>
+              <a:defRPr sz="1000"/>
             </a:lvl3pPr>
             <a:lvl4pPr marL="1371600" indent="0">
               <a:buNone/>
-              <a:defRPr sz="1000"/>
+              <a:defRPr sz="900"/>
             </a:lvl4pPr>
             <a:lvl5pPr marL="1828800" indent="0">
               <a:buNone/>
-              <a:defRPr sz="1000"/>
+              <a:defRPr sz="900"/>
             </a:lvl5pPr>
             <a:lvl6pPr marL="2286000" indent="0">
               <a:buNone/>
-              <a:defRPr sz="1000"/>
+              <a:defRPr sz="900"/>
             </a:lvl6pPr>
             <a:lvl7pPr marL="2743200" indent="0">
               <a:buNone/>
-              <a:defRPr sz="1000"/>
+              <a:defRPr sz="900"/>
             </a:lvl7pPr>
             <a:lvl8pPr marL="3200400" indent="0">
               <a:buNone/>
-              <a:defRPr sz="1000"/>
+              <a:defRPr sz="900"/>
             </a:lvl8pPr>
             <a:lvl9pPr marL="3657600" indent="0">
               <a:buNone/>
-              <a:defRPr sz="1000"/>
+              <a:defRPr sz="900"/>
             </a:lvl9pPr>
           </a:lstStyle>
           <a:p>
@@ -3316,13 +4393,7 @@
       </p:sp>
       <p:sp>
         <p:nvSpPr>
-          <p:cNvPr id="5" name="Date Placeholder 4">
-            <a:extLst>
-              <a:ext uri="{FF2B5EF4-FFF2-40B4-BE49-F238E27FC236}">
-                <a16:creationId xmlns:a16="http://schemas.microsoft.com/office/drawing/2014/main" id="{49813F91-7BEB-4B57-B8AE-E6C9C790B8ED}"/>
-              </a:ext>
-            </a:extLst>
-          </p:cNvPr>
+          <p:cNvPr id="5" name="Date Placeholder 4"/>
           <p:cNvSpPr>
             <a:spLocks noGrp="1"/>
           </p:cNvSpPr>
@@ -3337,7 +4408,7 @@
           <a:p>
             <a:fld id="{5903BF61-59A0-41BF-9A68-F51252DBAEC7}" type="datetimeFigureOut">
               <a:rPr lang="en-US" smtClean="0"/>
-              <a:t>5/2/2020</a:t>
+              <a:t>5/8/2020</a:t>
             </a:fld>
             <a:endParaRPr lang="en-US"/>
           </a:p>
@@ -3345,13 +4416,7 @@
       </p:sp>
       <p:sp>
         <p:nvSpPr>
-          <p:cNvPr id="6" name="Footer Placeholder 5">
-            <a:extLst>
-              <a:ext uri="{FF2B5EF4-FFF2-40B4-BE49-F238E27FC236}">
-                <a16:creationId xmlns:a16="http://schemas.microsoft.com/office/drawing/2014/main" id="{1C3E6C61-AD72-4C8D-AE1B-F396AB7A1BEE}"/>
-              </a:ext>
-            </a:extLst>
-          </p:cNvPr>
+          <p:cNvPr id="6" name="Footer Placeholder 5"/>
           <p:cNvSpPr>
             <a:spLocks noGrp="1"/>
           </p:cNvSpPr>
@@ -3370,13 +4435,7 @@
       </p:sp>
       <p:sp>
         <p:nvSpPr>
-          <p:cNvPr id="7" name="Slide Number Placeholder 6">
-            <a:extLst>
-              <a:ext uri="{FF2B5EF4-FFF2-40B4-BE49-F238E27FC236}">
-                <a16:creationId xmlns:a16="http://schemas.microsoft.com/office/drawing/2014/main" id="{BCE2594D-04AF-4E3C-8C33-7575D6E728CF}"/>
-              </a:ext>
-            </a:extLst>
-          </p:cNvPr>
+          <p:cNvPr id="7" name="Slide Number Placeholder 6"/>
           <p:cNvSpPr>
             <a:spLocks noGrp="1"/>
           </p:cNvSpPr>
@@ -3400,7 +4459,7 @@
     </p:spTree>
     <p:extLst>
       <p:ext uri="{BB962C8B-B14F-4D97-AF65-F5344CB8AC3E}">
-        <p14:creationId xmlns:p14="http://schemas.microsoft.com/office/powerpoint/2010/main" val="323806340"/>
+        <p14:creationId xmlns:p14="http://schemas.microsoft.com/office/powerpoint/2010/main" val="2251979056"/>
       </p:ext>
     </p:extLst>
   </p:cSld>
@@ -3434,31 +4493,101 @@
       </p:grpSpPr>
       <p:sp>
         <p:nvSpPr>
-          <p:cNvPr id="2" name="Title Placeholder 1">
-            <a:extLst>
-              <a:ext uri="{FF2B5EF4-FFF2-40B4-BE49-F238E27FC236}">
-                <a16:creationId xmlns:a16="http://schemas.microsoft.com/office/drawing/2014/main" id="{3D376F1C-4B17-4B1C-A947-0FC924D9416F}"/>
-              </a:ext>
-            </a:extLst>
-          </p:cNvPr>
-          <p:cNvSpPr>
-            <a:spLocks noGrp="1"/>
-          </p:cNvSpPr>
-          <p:nvPr>
-            <p:ph type="title"/>
-          </p:nvPr>
+          <p:cNvPr id="7" name="Rectangle 6"/>
+          <p:cNvSpPr/>
+          <p:nvPr/>
         </p:nvSpPr>
         <p:spPr>
           <a:xfrm>
-            <a:off x="838200" y="365125"/>
-            <a:ext cx="10515600" cy="1325563"/>
+            <a:off x="1" y="6400800"/>
+            <a:ext cx="12192000" cy="457200"/>
+          </a:xfrm>
+          <a:prstGeom prst="rect">
+            <a:avLst/>
+          </a:prstGeom>
+          <a:solidFill>
+            <a:schemeClr val="accent2"/>
+          </a:solidFill>
+          <a:ln>
+            <a:noFill/>
+          </a:ln>
+        </p:spPr>
+        <p:style>
+          <a:lnRef idx="2">
+            <a:schemeClr val="accent1">
+              <a:shade val="50000"/>
+            </a:schemeClr>
+          </a:lnRef>
+          <a:fillRef idx="1">
+            <a:schemeClr val="accent1"/>
+          </a:fillRef>
+          <a:effectRef idx="0">
+            <a:schemeClr val="accent1"/>
+          </a:effectRef>
+          <a:fontRef idx="minor">
+            <a:schemeClr val="lt1"/>
+          </a:fontRef>
+        </p:style>
+      </p:sp>
+      <p:sp>
+        <p:nvSpPr>
+          <p:cNvPr id="9" name="Rectangle 8"/>
+          <p:cNvSpPr/>
+          <p:nvPr/>
+        </p:nvSpPr>
+        <p:spPr>
+          <a:xfrm>
+            <a:off x="0" y="6334316"/>
+            <a:ext cx="12192001" cy="65998"/>
+          </a:xfrm>
+          <a:prstGeom prst="rect">
+            <a:avLst/>
+          </a:prstGeom>
+          <a:solidFill>
+            <a:schemeClr val="accent1"/>
+          </a:solidFill>
+          <a:ln>
+            <a:noFill/>
+          </a:ln>
+        </p:spPr>
+        <p:style>
+          <a:lnRef idx="2">
+            <a:schemeClr val="accent1">
+              <a:shade val="50000"/>
+            </a:schemeClr>
+          </a:lnRef>
+          <a:fillRef idx="1">
+            <a:schemeClr val="accent1"/>
+          </a:fillRef>
+          <a:effectRef idx="0">
+            <a:schemeClr val="accent1"/>
+          </a:effectRef>
+          <a:fontRef idx="minor">
+            <a:schemeClr val="lt1"/>
+          </a:fontRef>
+        </p:style>
+      </p:sp>
+      <p:sp>
+        <p:nvSpPr>
+          <p:cNvPr id="2" name="Title Placeholder 1"/>
+          <p:cNvSpPr>
+            <a:spLocks noGrp="1"/>
+          </p:cNvSpPr>
+          <p:nvPr>
+            <p:ph type="title"/>
+          </p:nvPr>
+        </p:nvSpPr>
+        <p:spPr>
+          <a:xfrm>
+            <a:off x="1097280" y="286603"/>
+            <a:ext cx="10058400" cy="1450757"/>
           </a:xfrm>
           <a:prstGeom prst="rect">
             <a:avLst/>
           </a:prstGeom>
         </p:spPr>
         <p:txBody>
-          <a:bodyPr vert="horz" lIns="91440" tIns="45720" rIns="91440" bIns="45720" rtlCol="0" anchor="ctr">
+          <a:bodyPr vert="horz" lIns="91440" tIns="45720" rIns="91440" bIns="45720" rtlCol="0" anchor="b">
             <a:normAutofit/>
           </a:bodyPr>
           <a:lstStyle/>
@@ -3467,18 +4596,13 @@
               <a:rPr lang="en-US"/>
               <a:t>Click to edit Master title style</a:t>
             </a:r>
-          </a:p>
-        </p:txBody>
-      </p:sp>
-      <p:sp>
-        <p:nvSpPr>
-          <p:cNvPr id="3" name="Text Placeholder 2">
-            <a:extLst>
-              <a:ext uri="{FF2B5EF4-FFF2-40B4-BE49-F238E27FC236}">
-                <a16:creationId xmlns:a16="http://schemas.microsoft.com/office/drawing/2014/main" id="{19E78718-89F3-4DEF-B634-742F31F9F104}"/>
-              </a:ext>
-            </a:extLst>
-          </p:cNvPr>
+            <a:endParaRPr lang="en-US" dirty="0"/>
+          </a:p>
+        </p:txBody>
+      </p:sp>
+      <p:sp>
+        <p:nvSpPr>
+          <p:cNvPr id="3" name="Text Placeholder 2"/>
           <p:cNvSpPr>
             <a:spLocks noGrp="1"/>
           </p:cNvSpPr>
@@ -3488,15 +4612,15 @@
         </p:nvSpPr>
         <p:spPr>
           <a:xfrm>
-            <a:off x="838200" y="1825625"/>
-            <a:ext cx="10515600" cy="4351338"/>
+            <a:off x="1097280" y="1845734"/>
+            <a:ext cx="10058400" cy="4023360"/>
           </a:xfrm>
           <a:prstGeom prst="rect">
             <a:avLst/>
           </a:prstGeom>
         </p:spPr>
         <p:txBody>
-          <a:bodyPr vert="horz" lIns="91440" tIns="45720" rIns="91440" bIns="45720" rtlCol="0">
+          <a:bodyPr vert="horz" lIns="0" tIns="45720" rIns="0" bIns="45720" rtlCol="0">
             <a:normAutofit/>
           </a:bodyPr>
           <a:lstStyle/>
@@ -3534,18 +4658,13 @@
               <a:rPr lang="en-US"/>
               <a:t>Fifth level</a:t>
             </a:r>
-          </a:p>
-        </p:txBody>
-      </p:sp>
-      <p:sp>
-        <p:nvSpPr>
-          <p:cNvPr id="4" name="Date Placeholder 3">
-            <a:extLst>
-              <a:ext uri="{FF2B5EF4-FFF2-40B4-BE49-F238E27FC236}">
-                <a16:creationId xmlns:a16="http://schemas.microsoft.com/office/drawing/2014/main" id="{AB040370-2399-4B09-A4BF-9DC98FCE3C64}"/>
-              </a:ext>
-            </a:extLst>
-          </p:cNvPr>
+            <a:endParaRPr lang="en-US" dirty="0"/>
+          </a:p>
+        </p:txBody>
+      </p:sp>
+      <p:sp>
+        <p:nvSpPr>
+          <p:cNvPr id="4" name="Date Placeholder 3"/>
           <p:cNvSpPr>
             <a:spLocks noGrp="1"/>
           </p:cNvSpPr>
@@ -3555,8 +4674,8 @@
         </p:nvSpPr>
         <p:spPr>
           <a:xfrm>
-            <a:off x="838200" y="6356350"/>
-            <a:ext cx="2743200" cy="365125"/>
+            <a:off x="1097280" y="6459785"/>
+            <a:ext cx="2472271" cy="365125"/>
           </a:xfrm>
           <a:prstGeom prst="rect">
             <a:avLst/>
@@ -3566,11 +4685,9 @@
           <a:bodyPr vert="horz" lIns="91440" tIns="45720" rIns="91440" bIns="45720" rtlCol="0" anchor="ctr"/>
           <a:lstStyle>
             <a:lvl1pPr algn="l">
-              <a:defRPr sz="1200">
+              <a:defRPr sz="900">
                 <a:solidFill>
-                  <a:schemeClr val="tx1">
-                    <a:tint val="75000"/>
-                  </a:schemeClr>
+                  <a:srgbClr val="FFFFFF"/>
                 </a:solidFill>
               </a:defRPr>
             </a:lvl1pPr>
@@ -3578,7 +4695,7 @@
           <a:p>
             <a:fld id="{5903BF61-59A0-41BF-9A68-F51252DBAEC7}" type="datetimeFigureOut">
               <a:rPr lang="en-US" smtClean="0"/>
-              <a:t>5/2/2020</a:t>
+              <a:t>5/8/2020</a:t>
             </a:fld>
             <a:endParaRPr lang="en-US"/>
           </a:p>
@@ -3586,13 +4703,7 @@
       </p:sp>
       <p:sp>
         <p:nvSpPr>
-          <p:cNvPr id="5" name="Footer Placeholder 4">
-            <a:extLst>
-              <a:ext uri="{FF2B5EF4-FFF2-40B4-BE49-F238E27FC236}">
-                <a16:creationId xmlns:a16="http://schemas.microsoft.com/office/drawing/2014/main" id="{507F3BEF-F007-4369-B37D-5DAB2A2C7324}"/>
-              </a:ext>
-            </a:extLst>
-          </p:cNvPr>
+          <p:cNvPr id="5" name="Footer Placeholder 4"/>
           <p:cNvSpPr>
             <a:spLocks noGrp="1"/>
           </p:cNvSpPr>
@@ -3602,8 +4713,8 @@
         </p:nvSpPr>
         <p:spPr>
           <a:xfrm>
-            <a:off x="4038600" y="6356350"/>
-            <a:ext cx="4114800" cy="365125"/>
+            <a:off x="3686185" y="6459785"/>
+            <a:ext cx="4822804" cy="365125"/>
           </a:xfrm>
           <a:prstGeom prst="rect">
             <a:avLst/>
@@ -3613,11 +4724,9 @@
           <a:bodyPr vert="horz" lIns="91440" tIns="45720" rIns="91440" bIns="45720" rtlCol="0" anchor="ctr"/>
           <a:lstStyle>
             <a:lvl1pPr algn="ctr">
-              <a:defRPr sz="1200">
+              <a:defRPr sz="900" cap="all" baseline="0">
                 <a:solidFill>
-                  <a:schemeClr val="tx1">
-                    <a:tint val="75000"/>
-                  </a:schemeClr>
+                  <a:srgbClr val="FFFFFF"/>
                 </a:solidFill>
               </a:defRPr>
             </a:lvl1pPr>
@@ -3629,13 +4738,7 @@
       </p:sp>
       <p:sp>
         <p:nvSpPr>
-          <p:cNvPr id="6" name="Slide Number Placeholder 5">
-            <a:extLst>
-              <a:ext uri="{FF2B5EF4-FFF2-40B4-BE49-F238E27FC236}">
-                <a16:creationId xmlns:a16="http://schemas.microsoft.com/office/drawing/2014/main" id="{D4B3879D-26E2-44FE-8898-2F7F4DA7DA8D}"/>
-              </a:ext>
-            </a:extLst>
-          </p:cNvPr>
+          <p:cNvPr id="6" name="Slide Number Placeholder 5"/>
           <p:cNvSpPr>
             <a:spLocks noGrp="1"/>
           </p:cNvSpPr>
@@ -3645,8 +4748,8 @@
         </p:nvSpPr>
         <p:spPr>
           <a:xfrm>
-            <a:off x="8610600" y="6356350"/>
-            <a:ext cx="2743200" cy="365125"/>
+            <a:off x="9900458" y="6459785"/>
+            <a:ext cx="1312025" cy="365125"/>
           </a:xfrm>
           <a:prstGeom prst="rect">
             <a:avLst/>
@@ -3656,11 +4759,9 @@
           <a:bodyPr vert="horz" lIns="91440" tIns="45720" rIns="91440" bIns="45720" rtlCol="0" anchor="ctr"/>
           <a:lstStyle>
             <a:lvl1pPr algn="r">
-              <a:defRPr sz="1200">
+              <a:defRPr sz="1050">
                 <a:solidFill>
-                  <a:schemeClr val="tx1">
-                    <a:tint val="75000"/>
-                  </a:schemeClr>
+                  <a:srgbClr val="FFFFFF"/>
                 </a:solidFill>
               </a:defRPr>
             </a:lvl1pPr>
@@ -3674,40 +4775,81 @@
           </a:p>
         </p:txBody>
       </p:sp>
+      <p:cxnSp>
+        <p:nvCxnSpPr>
+          <p:cNvPr id="10" name="Straight Connector 9"/>
+          <p:cNvCxnSpPr/>
+          <p:nvPr/>
+        </p:nvCxnSpPr>
+        <p:spPr>
+          <a:xfrm>
+            <a:off x="1193532" y="1737845"/>
+            <a:ext cx="9966960" cy="0"/>
+          </a:xfrm>
+          <a:prstGeom prst="line">
+            <a:avLst/>
+          </a:prstGeom>
+          <a:ln w="6350">
+            <a:solidFill>
+              <a:schemeClr val="tx1">
+                <a:lumMod val="50000"/>
+                <a:lumOff val="50000"/>
+              </a:schemeClr>
+            </a:solidFill>
+          </a:ln>
+        </p:spPr>
+        <p:style>
+          <a:lnRef idx="1">
+            <a:schemeClr val="accent1"/>
+          </a:lnRef>
+          <a:fillRef idx="0">
+            <a:schemeClr val="accent1"/>
+          </a:fillRef>
+          <a:effectRef idx="0">
+            <a:schemeClr val="accent1"/>
+          </a:effectRef>
+          <a:fontRef idx="minor">
+            <a:schemeClr val="tx1"/>
+          </a:fontRef>
+        </p:style>
+      </p:cxnSp>
     </p:spTree>
     <p:extLst>
       <p:ext uri="{BB962C8B-B14F-4D97-AF65-F5344CB8AC3E}">
-        <p14:creationId xmlns:p14="http://schemas.microsoft.com/office/powerpoint/2010/main" val="1887126827"/>
+        <p14:creationId xmlns:p14="http://schemas.microsoft.com/office/powerpoint/2010/main" val="3467328524"/>
       </p:ext>
     </p:extLst>
   </p:cSld>
   <p:clrMap bg1="lt1" tx1="dk1" bg2="lt2" tx2="dk2" accent1="accent1" accent2="accent2" accent3="accent3" accent4="accent4" accent5="accent5" accent6="accent6" hlink="hlink" folHlink="folHlink"/>
   <p:sldLayoutIdLst>
-    <p:sldLayoutId id="2147483649" r:id="rId1"/>
-    <p:sldLayoutId id="2147483650" r:id="rId2"/>
-    <p:sldLayoutId id="2147483651" r:id="rId3"/>
-    <p:sldLayoutId id="2147483652" r:id="rId4"/>
-    <p:sldLayoutId id="2147483653" r:id="rId5"/>
-    <p:sldLayoutId id="2147483654" r:id="rId6"/>
-    <p:sldLayoutId id="2147483655" r:id="rId7"/>
-    <p:sldLayoutId id="2147483656" r:id="rId8"/>
-    <p:sldLayoutId id="2147483657" r:id="rId9"/>
-    <p:sldLayoutId id="2147483658" r:id="rId10"/>
-    <p:sldLayoutId id="2147483659" r:id="rId11"/>
+    <p:sldLayoutId id="2147483733" r:id="rId1"/>
+    <p:sldLayoutId id="2147483734" r:id="rId2"/>
+    <p:sldLayoutId id="2147483735" r:id="rId3"/>
+    <p:sldLayoutId id="2147483736" r:id="rId4"/>
+    <p:sldLayoutId id="2147483737" r:id="rId5"/>
+    <p:sldLayoutId id="2147483738" r:id="rId6"/>
+    <p:sldLayoutId id="2147483739" r:id="rId7"/>
+    <p:sldLayoutId id="2147483740" r:id="rId8"/>
+    <p:sldLayoutId id="2147483741" r:id="rId9"/>
+    <p:sldLayoutId id="2147483742" r:id="rId10"/>
+    <p:sldLayoutId id="2147483743" r:id="rId11"/>
   </p:sldLayoutIdLst>
   <p:txStyles>
     <p:titleStyle>
       <a:lvl1pPr algn="l" defTabSz="914400" rtl="0" eaLnBrk="1" latinLnBrk="0" hangingPunct="1">
         <a:lnSpc>
-          <a:spcPct val="90000"/>
+          <a:spcPct val="85000"/>
         </a:lnSpc>
         <a:spcBef>
           <a:spcPct val="0"/>
         </a:spcBef>
         <a:buNone/>
-        <a:defRPr sz="4400" kern="1200">
+        <a:defRPr sz="4800" kern="1200" spc="-50" baseline="0">
           <a:solidFill>
-            <a:schemeClr val="tx1"/>
+            <a:schemeClr val="tx1">
+              <a:lumMod val="75000"/>
+              <a:lumOff val="25000"/>
+            </a:schemeClr>
           </a:solidFill>
           <a:latin typeface="+mj-lt"/>
           <a:ea typeface="+mj-ea"/>
@@ -3716,162 +4858,244 @@
       </a:lvl1pPr>
     </p:titleStyle>
     <p:bodyStyle>
-      <a:lvl1pPr marL="228600" indent="-228600" algn="l" defTabSz="914400" rtl="0" eaLnBrk="1" latinLnBrk="0" hangingPunct="1">
+      <a:lvl1pPr marL="91440" indent="-91440" algn="l" defTabSz="914400" rtl="0" eaLnBrk="1" latinLnBrk="0" hangingPunct="1">
         <a:lnSpc>
           <a:spcPct val="90000"/>
         </a:lnSpc>
         <a:spcBef>
-          <a:spcPts val="1000"/>
+          <a:spcPts val="1200"/>
         </a:spcBef>
-        <a:buFont typeface="Arial" panose="020B0604020202020204" pitchFamily="34" charset="0"/>
-        <a:buChar char="•"/>
-        <a:defRPr sz="2800" kern="1200">
+        <a:spcAft>
+          <a:spcPts val="200"/>
+        </a:spcAft>
+        <a:buClr>
+          <a:schemeClr val="accent1"/>
+        </a:buClr>
+        <a:buSzPct val="100000"/>
+        <a:buFont typeface="Calibri" panose="020F0502020204030204" pitchFamily="34" charset="0"/>
+        <a:buChar char=" "/>
+        <a:defRPr sz="2000" kern="1200">
           <a:solidFill>
-            <a:schemeClr val="tx1"/>
+            <a:schemeClr val="tx1">
+              <a:lumMod val="75000"/>
+              <a:lumOff val="25000"/>
+            </a:schemeClr>
           </a:solidFill>
           <a:latin typeface="+mn-lt"/>
           <a:ea typeface="+mn-ea"/>
           <a:cs typeface="+mn-cs"/>
         </a:defRPr>
       </a:lvl1pPr>
-      <a:lvl2pPr marL="685800" indent="-228600" algn="l" defTabSz="914400" rtl="0" eaLnBrk="1" latinLnBrk="0" hangingPunct="1">
+      <a:lvl2pPr marL="384048" indent="-182880" algn="l" defTabSz="914400" rtl="0" eaLnBrk="1" latinLnBrk="0" hangingPunct="1">
         <a:lnSpc>
           <a:spcPct val="90000"/>
         </a:lnSpc>
         <a:spcBef>
-          <a:spcPts val="500"/>
+          <a:spcPts val="200"/>
         </a:spcBef>
-        <a:buFont typeface="Arial" panose="020B0604020202020204" pitchFamily="34" charset="0"/>
-        <a:buChar char="•"/>
-        <a:defRPr sz="2400" kern="1200">
+        <a:spcAft>
+          <a:spcPts val="400"/>
+        </a:spcAft>
+        <a:buClr>
+          <a:schemeClr val="accent1"/>
+        </a:buClr>
+        <a:buFont typeface="Calibri" pitchFamily="34" charset="0"/>
+        <a:buChar char="◦"/>
+        <a:defRPr sz="1800" kern="1200">
           <a:solidFill>
-            <a:schemeClr val="tx1"/>
+            <a:schemeClr val="tx1">
+              <a:lumMod val="75000"/>
+              <a:lumOff val="25000"/>
+            </a:schemeClr>
           </a:solidFill>
           <a:latin typeface="+mn-lt"/>
           <a:ea typeface="+mn-ea"/>
           <a:cs typeface="+mn-cs"/>
         </a:defRPr>
       </a:lvl2pPr>
-      <a:lvl3pPr marL="1143000" indent="-228600" algn="l" defTabSz="914400" rtl="0" eaLnBrk="1" latinLnBrk="0" hangingPunct="1">
+      <a:lvl3pPr marL="566928" indent="-182880" algn="l" defTabSz="914400" rtl="0" eaLnBrk="1" latinLnBrk="0" hangingPunct="1">
         <a:lnSpc>
           <a:spcPct val="90000"/>
         </a:lnSpc>
         <a:spcBef>
-          <a:spcPts val="500"/>
+          <a:spcPts val="200"/>
         </a:spcBef>
-        <a:buFont typeface="Arial" panose="020B0604020202020204" pitchFamily="34" charset="0"/>
-        <a:buChar char="•"/>
-        <a:defRPr sz="2000" kern="1200">
+        <a:spcAft>
+          <a:spcPts val="400"/>
+        </a:spcAft>
+        <a:buClr>
+          <a:schemeClr val="accent1"/>
+        </a:buClr>
+        <a:buFont typeface="Calibri" pitchFamily="34" charset="0"/>
+        <a:buChar char="◦"/>
+        <a:defRPr sz="1400" kern="1200">
           <a:solidFill>
-            <a:schemeClr val="tx1"/>
+            <a:schemeClr val="tx1">
+              <a:lumMod val="75000"/>
+              <a:lumOff val="25000"/>
+            </a:schemeClr>
           </a:solidFill>
           <a:latin typeface="+mn-lt"/>
           <a:ea typeface="+mn-ea"/>
           <a:cs typeface="+mn-cs"/>
         </a:defRPr>
       </a:lvl3pPr>
-      <a:lvl4pPr marL="1600200" indent="-228600" algn="l" defTabSz="914400" rtl="0" eaLnBrk="1" latinLnBrk="0" hangingPunct="1">
+      <a:lvl4pPr marL="749808" indent="-182880" algn="l" defTabSz="914400" rtl="0" eaLnBrk="1" latinLnBrk="0" hangingPunct="1">
         <a:lnSpc>
           <a:spcPct val="90000"/>
         </a:lnSpc>
         <a:spcBef>
-          <a:spcPts val="500"/>
+          <a:spcPts val="200"/>
         </a:spcBef>
-        <a:buFont typeface="Arial" panose="020B0604020202020204" pitchFamily="34" charset="0"/>
-        <a:buChar char="•"/>
-        <a:defRPr sz="1800" kern="1200">
+        <a:spcAft>
+          <a:spcPts val="400"/>
+        </a:spcAft>
+        <a:buClr>
+          <a:schemeClr val="accent1"/>
+        </a:buClr>
+        <a:buFont typeface="Calibri" pitchFamily="34" charset="0"/>
+        <a:buChar char="◦"/>
+        <a:defRPr sz="1400" kern="1200">
           <a:solidFill>
-            <a:schemeClr val="tx1"/>
+            <a:schemeClr val="tx1">
+              <a:lumMod val="75000"/>
+              <a:lumOff val="25000"/>
+            </a:schemeClr>
           </a:solidFill>
           <a:latin typeface="+mn-lt"/>
           <a:ea typeface="+mn-ea"/>
           <a:cs typeface="+mn-cs"/>
         </a:defRPr>
       </a:lvl4pPr>
-      <a:lvl5pPr marL="2057400" indent="-228600" algn="l" defTabSz="914400" rtl="0" eaLnBrk="1" latinLnBrk="0" hangingPunct="1">
+      <a:lvl5pPr marL="932688" indent="-182880" algn="l" defTabSz="914400" rtl="0" eaLnBrk="1" latinLnBrk="0" hangingPunct="1">
         <a:lnSpc>
           <a:spcPct val="90000"/>
         </a:lnSpc>
         <a:spcBef>
-          <a:spcPts val="500"/>
+          <a:spcPts val="200"/>
         </a:spcBef>
-        <a:buFont typeface="Arial" panose="020B0604020202020204" pitchFamily="34" charset="0"/>
-        <a:buChar char="•"/>
-        <a:defRPr sz="1800" kern="1200">
+        <a:spcAft>
+          <a:spcPts val="400"/>
+        </a:spcAft>
+        <a:buClr>
+          <a:schemeClr val="accent1"/>
+        </a:buClr>
+        <a:buFont typeface="Calibri" pitchFamily="34" charset="0"/>
+        <a:buChar char="◦"/>
+        <a:defRPr sz="1400" kern="1200">
           <a:solidFill>
-            <a:schemeClr val="tx1"/>
+            <a:schemeClr val="tx1">
+              <a:lumMod val="75000"/>
+              <a:lumOff val="25000"/>
+            </a:schemeClr>
           </a:solidFill>
           <a:latin typeface="+mn-lt"/>
           <a:ea typeface="+mn-ea"/>
           <a:cs typeface="+mn-cs"/>
         </a:defRPr>
       </a:lvl5pPr>
-      <a:lvl6pPr marL="2514600" indent="-228600" algn="l" defTabSz="914400" rtl="0" eaLnBrk="1" latinLnBrk="0" hangingPunct="1">
+      <a:lvl6pPr marL="1100000" indent="-228600" algn="l" defTabSz="914400" rtl="0" eaLnBrk="1" latinLnBrk="0" hangingPunct="1">
         <a:lnSpc>
           <a:spcPct val="90000"/>
         </a:lnSpc>
         <a:spcBef>
-          <a:spcPts val="500"/>
+          <a:spcPts val="200"/>
         </a:spcBef>
-        <a:buFont typeface="Arial" panose="020B0604020202020204" pitchFamily="34" charset="0"/>
-        <a:buChar char="•"/>
-        <a:defRPr sz="1800" kern="1200">
+        <a:spcAft>
+          <a:spcPts val="400"/>
+        </a:spcAft>
+        <a:buClr>
+          <a:schemeClr val="accent1"/>
+        </a:buClr>
+        <a:buFont typeface="Calibri" pitchFamily="34" charset="0"/>
+        <a:buChar char="◦"/>
+        <a:defRPr sz="1400" kern="1200">
           <a:solidFill>
-            <a:schemeClr val="tx1"/>
+            <a:schemeClr val="tx1">
+              <a:lumMod val="75000"/>
+              <a:lumOff val="25000"/>
+            </a:schemeClr>
           </a:solidFill>
           <a:latin typeface="+mn-lt"/>
           <a:ea typeface="+mn-ea"/>
           <a:cs typeface="+mn-cs"/>
         </a:defRPr>
       </a:lvl6pPr>
-      <a:lvl7pPr marL="2971800" indent="-228600" algn="l" defTabSz="914400" rtl="0" eaLnBrk="1" latinLnBrk="0" hangingPunct="1">
+      <a:lvl7pPr marL="1300000" indent="-228600" algn="l" defTabSz="914400" rtl="0" eaLnBrk="1" latinLnBrk="0" hangingPunct="1">
         <a:lnSpc>
           <a:spcPct val="90000"/>
         </a:lnSpc>
         <a:spcBef>
-          <a:spcPts val="500"/>
+          <a:spcPts val="200"/>
         </a:spcBef>
-        <a:buFont typeface="Arial" panose="020B0604020202020204" pitchFamily="34" charset="0"/>
-        <a:buChar char="•"/>
-        <a:defRPr sz="1800" kern="1200">
+        <a:spcAft>
+          <a:spcPts val="400"/>
+        </a:spcAft>
+        <a:buClr>
+          <a:schemeClr val="accent1"/>
+        </a:buClr>
+        <a:buFont typeface="Calibri" pitchFamily="34" charset="0"/>
+        <a:buChar char="◦"/>
+        <a:defRPr sz="1400" kern="1200">
           <a:solidFill>
-            <a:schemeClr val="tx1"/>
+            <a:schemeClr val="tx1">
+              <a:lumMod val="75000"/>
+              <a:lumOff val="25000"/>
+            </a:schemeClr>
           </a:solidFill>
           <a:latin typeface="+mn-lt"/>
           <a:ea typeface="+mn-ea"/>
           <a:cs typeface="+mn-cs"/>
         </a:defRPr>
       </a:lvl7pPr>
-      <a:lvl8pPr marL="3429000" indent="-228600" algn="l" defTabSz="914400" rtl="0" eaLnBrk="1" latinLnBrk="0" hangingPunct="1">
+      <a:lvl8pPr marL="1500000" indent="-228600" algn="l" defTabSz="914400" rtl="0" eaLnBrk="1" latinLnBrk="0" hangingPunct="1">
         <a:lnSpc>
           <a:spcPct val="90000"/>
         </a:lnSpc>
         <a:spcBef>
-          <a:spcPts val="500"/>
+          <a:spcPts val="200"/>
         </a:spcBef>
-        <a:buFont typeface="Arial" panose="020B0604020202020204" pitchFamily="34" charset="0"/>
-        <a:buChar char="•"/>
-        <a:defRPr sz="1800" kern="1200">
+        <a:spcAft>
+          <a:spcPts val="400"/>
+        </a:spcAft>
+        <a:buClr>
+          <a:schemeClr val="accent1"/>
+        </a:buClr>
+        <a:buFont typeface="Calibri" pitchFamily="34" charset="0"/>
+        <a:buChar char="◦"/>
+        <a:defRPr sz="1400" kern="1200">
           <a:solidFill>
-            <a:schemeClr val="tx1"/>
+            <a:schemeClr val="tx1">
+              <a:lumMod val="75000"/>
+              <a:lumOff val="25000"/>
+            </a:schemeClr>
           </a:solidFill>
           <a:latin typeface="+mn-lt"/>
           <a:ea typeface="+mn-ea"/>
           <a:cs typeface="+mn-cs"/>
         </a:defRPr>
       </a:lvl8pPr>
-      <a:lvl9pPr marL="3886200" indent="-228600" algn="l" defTabSz="914400" rtl="0" eaLnBrk="1" latinLnBrk="0" hangingPunct="1">
+      <a:lvl9pPr marL="1700000" indent="-228600" algn="l" defTabSz="914400" rtl="0" eaLnBrk="1" latinLnBrk="0" hangingPunct="1">
         <a:lnSpc>
           <a:spcPct val="90000"/>
         </a:lnSpc>
         <a:spcBef>
-          <a:spcPts val="500"/>
+          <a:spcPts val="200"/>
         </a:spcBef>
-        <a:buFont typeface="Arial" panose="020B0604020202020204" pitchFamily="34" charset="0"/>
-        <a:buChar char="•"/>
-        <a:defRPr sz="1800" kern="1200">
+        <a:spcAft>
+          <a:spcPts val="400"/>
+        </a:spcAft>
+        <a:buClr>
+          <a:schemeClr val="accent1"/>
+        </a:buClr>
+        <a:buFont typeface="Calibri" pitchFamily="34" charset="0"/>
+        <a:buChar char="◦"/>
+        <a:defRPr sz="1400" kern="1200">
           <a:solidFill>
-            <a:schemeClr val="tx1"/>
+            <a:schemeClr val="tx1">
+              <a:lumMod val="75000"/>
+              <a:lumOff val="25000"/>
+            </a:schemeClr>
           </a:solidFill>
           <a:latin typeface="+mn-lt"/>
           <a:ea typeface="+mn-ea"/>
@@ -3975,12 +5199,25 @@
       </a:lvl9pPr>
     </p:otherStyle>
   </p:txStyles>
+  <p:extLst>
+    <p:ext uri="{27BBF7A9-308A-43DC-89C8-2F10F3537804}">
+      <p15:sldGuideLst xmlns:p15="http://schemas.microsoft.com/office/powerpoint/2012/main"/>
+    </p:ext>
+  </p:extLst>
 </p:sldMaster>
 </file>
 
 <file path=ppt/slides/slide1.xml><?xml version="1.0" encoding="utf-8"?>
 <p:sld xmlns:a="http://schemas.openxmlformats.org/drawingml/2006/main" xmlns:r="http://schemas.openxmlformats.org/officeDocument/2006/relationships" xmlns:p="http://schemas.openxmlformats.org/presentationml/2006/main">
   <p:cSld>
+    <p:bg>
+      <p:bgPr>
+        <a:solidFill>
+          <a:schemeClr val="bg1"/>
+        </a:solidFill>
+        <a:effectLst/>
+      </p:bgPr>
+    </p:bg>
     <p:spTree>
       <p:nvGrpSpPr>
         <p:cNvPr id="1" name=""/>
@@ -3995,6 +5232,66 @@
           <a:chExt cx="0" cy="0"/>
         </a:xfrm>
       </p:grpSpPr>
+      <p:sp useBgFill="1">
+        <p:nvSpPr>
+          <p:cNvPr id="5" name="Rectangle 7">
+            <a:extLst>
+              <a:ext uri="{FF2B5EF4-FFF2-40B4-BE49-F238E27FC236}">
+                <a16:creationId xmlns:a16="http://schemas.microsoft.com/office/drawing/2014/main" id="{FBDCECDC-EEE3-4128-AA5E-82A8C08796E8}"/>
+              </a:ext>
+              <a:ext uri="{C183D7F6-B498-43B3-948B-1728B52AA6E4}">
+                <adec:decorative xmlns:adec="http://schemas.microsoft.com/office/drawing/2017/decorative" val="1"/>
+              </a:ext>
+            </a:extLst>
+          </p:cNvPr>
+          <p:cNvSpPr>
+            <a:spLocks noGrp="1" noRot="1" noChangeAspect="1" noMove="1" noResize="1" noEditPoints="1" noAdjustHandles="1" noChangeArrowheads="1" noChangeShapeType="1" noTextEdit="1"/>
+          </p:cNvSpPr>
+          <p:nvPr>
+            <p:extLst>
+              <p:ext uri="{386F3935-93C4-4BCD-93E2-E3B085C9AB24}">
+                <p16:designElem xmlns:p16="http://schemas.microsoft.com/office/powerpoint/2015/main" val="1"/>
+              </p:ext>
+            </p:extLst>
+          </p:nvPr>
+        </p:nvSpPr>
+        <p:spPr>
+          <a:xfrm>
+            <a:off x="1507" y="0"/>
+            <a:ext cx="12192000" cy="6858000"/>
+          </a:xfrm>
+          <a:prstGeom prst="rect">
+            <a:avLst/>
+          </a:prstGeom>
+          <a:ln>
+            <a:noFill/>
+          </a:ln>
+        </p:spPr>
+        <p:style>
+          <a:lnRef idx="2">
+            <a:schemeClr val="accent1">
+              <a:shade val="50000"/>
+            </a:schemeClr>
+          </a:lnRef>
+          <a:fillRef idx="1">
+            <a:schemeClr val="accent1"/>
+          </a:fillRef>
+          <a:effectRef idx="0">
+            <a:schemeClr val="accent1"/>
+          </a:effectRef>
+          <a:fontRef idx="minor">
+            <a:schemeClr val="lt1"/>
+          </a:fontRef>
+        </p:style>
+        <p:txBody>
+          <a:bodyPr rtlCol="0" anchor="ctr"/>
+          <a:lstStyle/>
+          <a:p>
+            <a:pPr algn="ctr"/>
+            <a:endParaRPr lang="en-US"/>
+          </a:p>
+        </p:txBody>
+      </p:sp>
       <p:sp>
         <p:nvSpPr>
           <p:cNvPr id="2" name="Title 1">
@@ -4013,22 +5310,77 @@
         </p:nvSpPr>
         <p:spPr>
           <a:xfrm>
-            <a:off x="407504" y="1122363"/>
-            <a:ext cx="11430000" cy="2387600"/>
+            <a:off x="1097280" y="758952"/>
+            <a:ext cx="10058400" cy="3892168"/>
           </a:xfrm>
         </p:spPr>
         <p:txBody>
           <a:bodyPr>
-            <a:normAutofit fontScale="90000"/>
+            <a:normAutofit/>
           </a:bodyPr>
           <a:lstStyle/>
           <a:p>
             <a:r>
               <a:rPr lang="en-US" dirty="0"/>
-              <a:t>Winners &amp; Losers: Clustering Algorithms to Identify NSF Funding Trends</a:t>
-            </a:r>
-          </a:p>
-        </p:txBody>
+              <a:t>Identifying Winners &amp; Losers of NSF Funding with Clustering</a:t>
+            </a:r>
+          </a:p>
+        </p:txBody>
+      </p:sp>
+      <p:sp>
+        <p:nvSpPr>
+          <p:cNvPr id="10" name="Rectangle 9">
+            <a:extLst>
+              <a:ext uri="{FF2B5EF4-FFF2-40B4-BE49-F238E27FC236}">
+                <a16:creationId xmlns:a16="http://schemas.microsoft.com/office/drawing/2014/main" id="{4260EDE0-989C-4E16-AF94-F652294D828E}"/>
+              </a:ext>
+              <a:ext uri="{C183D7F6-B498-43B3-948B-1728B52AA6E4}">
+                <adec:decorative xmlns:adec="http://schemas.microsoft.com/office/drawing/2017/decorative" val="1"/>
+              </a:ext>
+            </a:extLst>
+          </p:cNvPr>
+          <p:cNvSpPr>
+            <a:spLocks noGrp="1" noRot="1" noChangeAspect="1" noMove="1" noResize="1" noEditPoints="1" noAdjustHandles="1" noChangeArrowheads="1" noChangeShapeType="1" noTextEdit="1"/>
+          </p:cNvSpPr>
+          <p:nvPr>
+            <p:extLst>
+              <p:ext uri="{386F3935-93C4-4BCD-93E2-E3B085C9AB24}">
+                <p16:designElem xmlns:p16="http://schemas.microsoft.com/office/powerpoint/2015/main" val="1"/>
+              </p:ext>
+            </p:extLst>
+          </p:nvPr>
+        </p:nvSpPr>
+        <p:spPr bwMode="white">
+          <a:xfrm>
+            <a:off x="1507" y="4953000"/>
+            <a:ext cx="12188952" cy="1905000"/>
+          </a:xfrm>
+          <a:prstGeom prst="rect">
+            <a:avLst/>
+          </a:prstGeom>
+          <a:solidFill>
+            <a:schemeClr val="accent2"/>
+          </a:solidFill>
+          <a:ln>
+            <a:noFill/>
+          </a:ln>
+        </p:spPr>
+        <p:style>
+          <a:lnRef idx="2">
+            <a:schemeClr val="accent1">
+              <a:shade val="50000"/>
+            </a:schemeClr>
+          </a:lnRef>
+          <a:fillRef idx="1">
+            <a:schemeClr val="accent1"/>
+          </a:fillRef>
+          <a:effectRef idx="0">
+            <a:schemeClr val="accent1"/>
+          </a:effectRef>
+          <a:fontRef idx="minor">
+            <a:schemeClr val="lt1"/>
+          </a:fontRef>
+        </p:style>
       </p:sp>
       <p:sp>
         <p:nvSpPr>
@@ -4046,17 +5398,83 @@
             <p:ph type="subTitle" idx="1"/>
           </p:nvPr>
         </p:nvSpPr>
-        <p:spPr/>
-        <p:txBody>
-          <a:bodyPr/>
+        <p:spPr>
+          <a:xfrm>
+            <a:off x="1100051" y="5225240"/>
+            <a:ext cx="10058400" cy="1143000"/>
+          </a:xfrm>
+        </p:spPr>
+        <p:txBody>
+          <a:bodyPr>
+            <a:normAutofit/>
+          </a:bodyPr>
           <a:lstStyle/>
           <a:p>
             <a:r>
-              <a:rPr lang="en-US" dirty="0"/>
+              <a:rPr lang="en-US">
+                <a:solidFill>
+                  <a:srgbClr val="FFFFFF"/>
+                </a:solidFill>
+              </a:rPr>
               <a:t>By Erik Lopez</a:t>
             </a:r>
           </a:p>
         </p:txBody>
+      </p:sp>
+      <p:sp>
+        <p:nvSpPr>
+          <p:cNvPr id="12" name="Rectangle 11">
+            <a:extLst>
+              <a:ext uri="{FF2B5EF4-FFF2-40B4-BE49-F238E27FC236}">
+                <a16:creationId xmlns:a16="http://schemas.microsoft.com/office/drawing/2014/main" id="{1F3985C0-E548-44D2-B30E-F3E42DADE133}"/>
+              </a:ext>
+              <a:ext uri="{C183D7F6-B498-43B3-948B-1728B52AA6E4}">
+                <adec:decorative xmlns:adec="http://schemas.microsoft.com/office/drawing/2017/decorative" val="1"/>
+              </a:ext>
+            </a:extLst>
+          </p:cNvPr>
+          <p:cNvSpPr>
+            <a:spLocks noGrp="1" noRot="1" noChangeAspect="1" noMove="1" noResize="1" noEditPoints="1" noAdjustHandles="1" noChangeArrowheads="1" noChangeShapeType="1" noTextEdit="1"/>
+          </p:cNvSpPr>
+          <p:nvPr>
+            <p:extLst>
+              <p:ext uri="{386F3935-93C4-4BCD-93E2-E3B085C9AB24}">
+                <p16:designElem xmlns:p16="http://schemas.microsoft.com/office/powerpoint/2015/main" val="1"/>
+              </p:ext>
+            </p:extLst>
+          </p:nvPr>
+        </p:nvSpPr>
+        <p:spPr>
+          <a:xfrm>
+            <a:off x="1507" y="4906176"/>
+            <a:ext cx="12188952" cy="64008"/>
+          </a:xfrm>
+          <a:prstGeom prst="rect">
+            <a:avLst/>
+          </a:prstGeom>
+          <a:solidFill>
+            <a:schemeClr val="accent1"/>
+          </a:solidFill>
+          <a:ln>
+            <a:noFill/>
+          </a:ln>
+        </p:spPr>
+        <p:style>
+          <a:lnRef idx="2">
+            <a:schemeClr val="accent1">
+              <a:shade val="50000"/>
+            </a:schemeClr>
+          </a:lnRef>
+          <a:fillRef idx="1">
+            <a:schemeClr val="accent1"/>
+          </a:fillRef>
+          <a:effectRef idx="0">
+            <a:schemeClr val="accent1"/>
+          </a:effectRef>
+          <a:fontRef idx="minor">
+            <a:schemeClr val="lt1"/>
+          </a:fontRef>
+        </p:style>
       </p:sp>
     </p:spTree>
     <p:extLst>
@@ -4093,6 +5511,239 @@
           <p:cNvPr id="2" name="Title 1">
             <a:extLst>
               <a:ext uri="{FF2B5EF4-FFF2-40B4-BE49-F238E27FC236}">
+                <a16:creationId xmlns:a16="http://schemas.microsoft.com/office/drawing/2014/main" id="{9808C9FA-1EC5-4D16-B732-912114D5F9E3}"/>
+              </a:ext>
+            </a:extLst>
+          </p:cNvPr>
+          <p:cNvSpPr>
+            <a:spLocks noGrp="1"/>
+          </p:cNvSpPr>
+          <p:nvPr>
+            <p:ph type="title"/>
+          </p:nvPr>
+        </p:nvSpPr>
+        <p:spPr/>
+        <p:txBody>
+          <a:bodyPr/>
+          <a:lstStyle/>
+          <a:p>
+            <a:r>
+              <a:rPr lang="en-US" dirty="0" err="1"/>
+              <a:t>KMeans</a:t>
+            </a:r>
+            <a:r>
+              <a:rPr lang="en-US" dirty="0"/>
+              <a:t>: Political Leanings</a:t>
+            </a:r>
+          </a:p>
+        </p:txBody>
+      </p:sp>
+      <p:pic>
+        <p:nvPicPr>
+          <p:cNvPr id="5122" name="Picture 2">
+            <a:extLst>
+              <a:ext uri="{FF2B5EF4-FFF2-40B4-BE49-F238E27FC236}">
+                <a16:creationId xmlns:a16="http://schemas.microsoft.com/office/drawing/2014/main" id="{F0C19E11-8EBD-4630-999A-BD41A306E7FB}"/>
+              </a:ext>
+            </a:extLst>
+          </p:cNvPr>
+          <p:cNvPicPr>
+            <a:picLocks noGrp="1" noChangeAspect="1" noChangeArrowheads="1"/>
+          </p:cNvPicPr>
+          <p:nvPr>
+            <p:ph idx="1"/>
+          </p:nvPr>
+        </p:nvPicPr>
+        <p:blipFill>
+          <a:blip r:embed="rId2">
+            <a:extLst>
+              <a:ext uri="{28A0092B-C50C-407E-A947-70E740481C1C}">
+                <a14:useLocalDpi xmlns:a14="http://schemas.microsoft.com/office/drawing/2010/main" val="0"/>
+              </a:ext>
+            </a:extLst>
+          </a:blip>
+          <a:stretch>
+            <a:fillRect/>
+          </a:stretch>
+        </p:blipFill>
+        <p:spPr bwMode="auto">
+          <a:xfrm>
+            <a:off x="1386259" y="1846263"/>
+            <a:ext cx="9479808" cy="4022725"/>
+          </a:xfrm>
+          <a:prstGeom prst="rect">
+            <a:avLst/>
+          </a:prstGeom>
+          <a:noFill/>
+          <a:extLst>
+            <a:ext uri="{909E8E84-426E-40DD-AFC4-6F175D3DCCD1}">
+              <a14:hiddenFill xmlns:a14="http://schemas.microsoft.com/office/drawing/2010/main">
+                <a:solidFill>
+                  <a:srgbClr val="FFFFFF"/>
+                </a:solidFill>
+              </a14:hiddenFill>
+            </a:ext>
+          </a:extLst>
+        </p:spPr>
+      </p:pic>
+    </p:spTree>
+    <p:extLst>
+      <p:ext uri="{BB962C8B-B14F-4D97-AF65-F5344CB8AC3E}">
+        <p14:creationId xmlns:p14="http://schemas.microsoft.com/office/powerpoint/2010/main" val="1430993469"/>
+      </p:ext>
+    </p:extLst>
+  </p:cSld>
+  <p:clrMapOvr>
+    <a:masterClrMapping/>
+  </p:clrMapOvr>
+</p:sld>
+</file>
+
+<file path=ppt/slides/slide11.xml><?xml version="1.0" encoding="utf-8"?>
+<p:sld xmlns:a="http://schemas.openxmlformats.org/drawingml/2006/main" xmlns:r="http://schemas.openxmlformats.org/officeDocument/2006/relationships" xmlns:p="http://schemas.openxmlformats.org/presentationml/2006/main">
+  <p:cSld>
+    <p:bg>
+      <p:bgPr>
+        <a:solidFill>
+          <a:schemeClr val="bg1"/>
+        </a:solidFill>
+        <a:effectLst/>
+      </p:bgPr>
+    </p:bg>
+    <p:spTree>
+      <p:nvGrpSpPr>
+        <p:cNvPr id="1" name=""/>
+        <p:cNvGrpSpPr/>
+        <p:nvPr/>
+      </p:nvGrpSpPr>
+      <p:grpSpPr>
+        <a:xfrm>
+          <a:off x="0" y="0"/>
+          <a:ext cx="0" cy="0"/>
+          <a:chOff x="0" y="0"/>
+          <a:chExt cx="0" cy="0"/>
+        </a:xfrm>
+      </p:grpSpPr>
+      <p:sp useBgFill="1">
+        <p:nvSpPr>
+          <p:cNvPr id="73" name="Rectangle 72">
+            <a:extLst>
+              <a:ext uri="{FF2B5EF4-FFF2-40B4-BE49-F238E27FC236}">
+                <a16:creationId xmlns:a16="http://schemas.microsoft.com/office/drawing/2014/main" id="{44CC594A-A820-450F-B363-C19201FCFEC6}"/>
+              </a:ext>
+              <a:ext uri="{C183D7F6-B498-43B3-948B-1728B52AA6E4}">
+                <adec:decorative xmlns:adec="http://schemas.microsoft.com/office/drawing/2017/decorative" val="1"/>
+              </a:ext>
+            </a:extLst>
+          </p:cNvPr>
+          <p:cNvSpPr>
+            <a:spLocks noGrp="1" noRot="1" noChangeAspect="1" noMove="1" noResize="1" noEditPoints="1" noAdjustHandles="1" noChangeArrowheads="1" noChangeShapeType="1" noTextEdit="1"/>
+          </p:cNvSpPr>
+          <p:nvPr>
+            <p:extLst>
+              <p:ext uri="{386F3935-93C4-4BCD-93E2-E3B085C9AB24}">
+                <p16:designElem xmlns:p16="http://schemas.microsoft.com/office/powerpoint/2015/main" val="1"/>
+              </p:ext>
+            </p:extLst>
+          </p:nvPr>
+        </p:nvSpPr>
+        <p:spPr>
+          <a:xfrm>
+            <a:off x="0" y="0"/>
+            <a:ext cx="12186315" cy="6858000"/>
+          </a:xfrm>
+          <a:prstGeom prst="rect">
+            <a:avLst/>
+          </a:prstGeom>
+          <a:ln>
+            <a:noFill/>
+          </a:ln>
+        </p:spPr>
+        <p:style>
+          <a:lnRef idx="2">
+            <a:schemeClr val="accent6">
+              <a:shade val="50000"/>
+            </a:schemeClr>
+          </a:lnRef>
+          <a:fillRef idx="1001">
+            <a:schemeClr val="lt1"/>
+          </a:fillRef>
+          <a:effectRef idx="0">
+            <a:schemeClr val="accent6"/>
+          </a:effectRef>
+          <a:fontRef idx="minor">
+            <a:schemeClr val="lt1"/>
+          </a:fontRef>
+        </p:style>
+        <p:txBody>
+          <a:bodyPr rtlCol="0" anchor="ctr"/>
+          <a:lstStyle/>
+          <a:p>
+            <a:pPr algn="ctr"/>
+            <a:endParaRPr lang="en-US"/>
+          </a:p>
+        </p:txBody>
+      </p:sp>
+      <p:sp>
+        <p:nvSpPr>
+          <p:cNvPr id="75" name="Rectangle 74">
+            <a:extLst>
+              <a:ext uri="{FF2B5EF4-FFF2-40B4-BE49-F238E27FC236}">
+                <a16:creationId xmlns:a16="http://schemas.microsoft.com/office/drawing/2014/main" id="{59FAB3DA-E9ED-4574-ABCC-378BC0FF1BBC}"/>
+              </a:ext>
+              <a:ext uri="{C183D7F6-B498-43B3-948B-1728B52AA6E4}">
+                <adec:decorative xmlns:adec="http://schemas.microsoft.com/office/drawing/2017/decorative" val="1"/>
+              </a:ext>
+            </a:extLst>
+          </p:cNvPr>
+          <p:cNvSpPr>
+            <a:spLocks noGrp="1" noRot="1" noChangeAspect="1" noMove="1" noResize="1" noEditPoints="1" noAdjustHandles="1" noChangeArrowheads="1" noChangeShapeType="1" noTextEdit="1"/>
+          </p:cNvSpPr>
+          <p:nvPr>
+            <p:extLst>
+              <p:ext uri="{386F3935-93C4-4BCD-93E2-E3B085C9AB24}">
+                <p16:designElem xmlns:p16="http://schemas.microsoft.com/office/powerpoint/2015/main" val="1"/>
+              </p:ext>
+            </p:extLst>
+          </p:nvPr>
+        </p:nvSpPr>
+        <p:spPr>
+          <a:xfrm>
+            <a:off x="16" y="0"/>
+            <a:ext cx="4050791" cy="6858000"/>
+          </a:xfrm>
+          <a:prstGeom prst="rect">
+            <a:avLst/>
+          </a:prstGeom>
+          <a:solidFill>
+            <a:schemeClr val="accent2"/>
+          </a:solidFill>
+          <a:ln>
+            <a:noFill/>
+          </a:ln>
+        </p:spPr>
+        <p:style>
+          <a:lnRef idx="2">
+            <a:schemeClr val="accent1">
+              <a:shade val="50000"/>
+            </a:schemeClr>
+          </a:lnRef>
+          <a:fillRef idx="1">
+            <a:schemeClr val="accent1"/>
+          </a:fillRef>
+          <a:effectRef idx="0">
+            <a:schemeClr val="accent1"/>
+          </a:effectRef>
+          <a:fontRef idx="minor">
+            <a:schemeClr val="lt1"/>
+          </a:fontRef>
+        </p:style>
+      </p:sp>
+      <p:sp>
+        <p:nvSpPr>
+          <p:cNvPr id="2" name="Title 1">
+            <a:extLst>
+              <a:ext uri="{FF2B5EF4-FFF2-40B4-BE49-F238E27FC236}">
                 <a16:creationId xmlns:a16="http://schemas.microsoft.com/office/drawing/2014/main" id="{00A4A3CD-185E-4234-B25A-675CDE09559E}"/>
               </a:ext>
             </a:extLst>
@@ -4104,21 +5755,143 @@
             <p:ph type="title"/>
           </p:nvPr>
         </p:nvSpPr>
-        <p:spPr/>
-        <p:txBody>
-          <a:bodyPr/>
+        <p:spPr>
+          <a:xfrm>
+            <a:off x="492370" y="516835"/>
+            <a:ext cx="3084844" cy="2103875"/>
+          </a:xfrm>
+        </p:spPr>
+        <p:txBody>
+          <a:bodyPr>
+            <a:normAutofit/>
+          </a:bodyPr>
           <a:lstStyle/>
           <a:p>
-            <a:r>
-              <a:rPr lang="en-US" dirty="0" err="1"/>
+            <a:pPr algn="ctr"/>
+            <a:r>
+              <a:rPr lang="en-US" sz="3600" dirty="0" err="1">
+                <a:solidFill>
+                  <a:srgbClr val="FFFFFF"/>
+                </a:solidFill>
+              </a:rPr>
               <a:t>KMeans</a:t>
             </a:r>
             <a:r>
-              <a:rPr lang="en-US" dirty="0"/>
-              <a:t>: Geo-visualized</a:t>
-            </a:r>
-          </a:p>
-        </p:txBody>
+              <a:rPr lang="en-US" sz="3600" dirty="0">
+                <a:solidFill>
+                  <a:srgbClr val="FFFFFF"/>
+                </a:solidFill>
+              </a:rPr>
+              <a:t>: </a:t>
+            </a:r>
+            <a:br>
+              <a:rPr lang="en-US" sz="3600" dirty="0">
+                <a:solidFill>
+                  <a:srgbClr val="FFFFFF"/>
+                </a:solidFill>
+              </a:rPr>
+            </a:br>
+            <a:r>
+              <a:rPr lang="en-US" sz="3600" dirty="0">
+                <a:solidFill>
+                  <a:srgbClr val="FFFFFF"/>
+                </a:solidFill>
+              </a:rPr>
+              <a:t>Geo-visualized</a:t>
+            </a:r>
+          </a:p>
+        </p:txBody>
+      </p:sp>
+      <p:sp>
+        <p:nvSpPr>
+          <p:cNvPr id="6150" name="Content Placeholder 6149">
+            <a:extLst>
+              <a:ext uri="{FF2B5EF4-FFF2-40B4-BE49-F238E27FC236}">
+                <a16:creationId xmlns:a16="http://schemas.microsoft.com/office/drawing/2014/main" id="{0D390C49-2B93-45C4-8465-899B0CD2976C}"/>
+              </a:ext>
+            </a:extLst>
+          </p:cNvPr>
+          <p:cNvSpPr>
+            <a:spLocks noGrp="1"/>
+          </p:cNvSpPr>
+          <p:nvPr>
+            <p:ph idx="1"/>
+          </p:nvPr>
+        </p:nvSpPr>
+        <p:spPr>
+          <a:xfrm>
+            <a:off x="492371" y="2653800"/>
+            <a:ext cx="3084844" cy="3335519"/>
+          </a:xfrm>
+        </p:spPr>
+        <p:txBody>
+          <a:bodyPr>
+            <a:normAutofit/>
+          </a:bodyPr>
+          <a:lstStyle/>
+          <a:p>
+            <a:endParaRPr lang="en-US" sz="1500">
+              <a:solidFill>
+                <a:srgbClr val="FFFFFF"/>
+              </a:solidFill>
+            </a:endParaRPr>
+          </a:p>
+        </p:txBody>
+      </p:sp>
+      <p:sp>
+        <p:nvSpPr>
+          <p:cNvPr id="77" name="Rectangle 76">
+            <a:extLst>
+              <a:ext uri="{FF2B5EF4-FFF2-40B4-BE49-F238E27FC236}">
+                <a16:creationId xmlns:a16="http://schemas.microsoft.com/office/drawing/2014/main" id="{53B8D6B0-55D6-48DC-86D8-FD95D5F118AB}"/>
+              </a:ext>
+              <a:ext uri="{C183D7F6-B498-43B3-948B-1728B52AA6E4}">
+                <adec:decorative xmlns:adec="http://schemas.microsoft.com/office/drawing/2017/decorative" val="1"/>
+              </a:ext>
+            </a:extLst>
+          </p:cNvPr>
+          <p:cNvSpPr>
+            <a:spLocks noGrp="1" noRot="1" noChangeAspect="1" noMove="1" noResize="1" noEditPoints="1" noAdjustHandles="1" noChangeArrowheads="1" noChangeShapeType="1" noTextEdit="1"/>
+          </p:cNvSpPr>
+          <p:nvPr>
+            <p:extLst>
+              <p:ext uri="{386F3935-93C4-4BCD-93E2-E3B085C9AB24}">
+                <p16:designElem xmlns:p16="http://schemas.microsoft.com/office/powerpoint/2015/main" val="1"/>
+              </p:ext>
+            </p:extLst>
+          </p:nvPr>
+        </p:nvSpPr>
+        <p:spPr>
+          <a:xfrm>
+            <a:off x="4040071" y="0"/>
+            <a:ext cx="64008" cy="6858000"/>
+          </a:xfrm>
+          <a:prstGeom prst="rect">
+            <a:avLst/>
+          </a:prstGeom>
+          <a:solidFill>
+            <a:schemeClr val="accent1"/>
+          </a:solidFill>
+          <a:ln>
+            <a:noFill/>
+          </a:ln>
+        </p:spPr>
+        <p:style>
+          <a:lnRef idx="2">
+            <a:schemeClr val="accent1">
+              <a:shade val="50000"/>
+            </a:schemeClr>
+          </a:lnRef>
+          <a:fillRef idx="1">
+            <a:schemeClr val="accent1"/>
+          </a:fillRef>
+          <a:effectRef idx="0">
+            <a:schemeClr val="accent1"/>
+          </a:effectRef>
+          <a:fontRef idx="minor">
+            <a:schemeClr val="lt1"/>
+          </a:fontRef>
+        </p:style>
       </p:sp>
       <p:pic>
         <p:nvPicPr>
@@ -4130,11 +5903,9 @@
             </a:extLst>
           </p:cNvPr>
           <p:cNvPicPr>
-            <a:picLocks noGrp="1" noChangeAspect="1" noChangeArrowheads="1"/>
+            <a:picLocks noChangeAspect="1" noChangeArrowheads="1"/>
           </p:cNvPicPr>
-          <p:nvPr>
-            <p:ph idx="1"/>
-          </p:nvPr>
+          <p:nvPr/>
         </p:nvPicPr>
         <p:blipFill>
           <a:blip r:embed="rId2">
@@ -4144,15 +5915,14 @@
               </a:ext>
             </a:extLst>
           </a:blip>
-          <a:srcRect/>
           <a:stretch>
             <a:fillRect/>
           </a:stretch>
         </p:blipFill>
         <p:spPr bwMode="auto">
           <a:xfrm>
-            <a:off x="2010285" y="316264"/>
-            <a:ext cx="8985997" cy="6408882"/>
+            <a:off x="4547627" y="893518"/>
+            <a:ext cx="7152002" cy="5095801"/>
           </a:xfrm>
           <a:prstGeom prst="rect">
             <a:avLst/>
@@ -4182,89 +5952,6 @@
 </p:sld>
 </file>
 
-<file path=ppt/slides/slide11.xml><?xml version="1.0" encoding="utf-8"?>
-<p:sld xmlns:a="http://schemas.openxmlformats.org/drawingml/2006/main" xmlns:r="http://schemas.openxmlformats.org/officeDocument/2006/relationships" xmlns:p="http://schemas.openxmlformats.org/presentationml/2006/main">
-  <p:cSld>
-    <p:spTree>
-      <p:nvGrpSpPr>
-        <p:cNvPr id="1" name=""/>
-        <p:cNvGrpSpPr/>
-        <p:nvPr/>
-      </p:nvGrpSpPr>
-      <p:grpSpPr>
-        <a:xfrm>
-          <a:off x="0" y="0"/>
-          <a:ext cx="0" cy="0"/>
-          <a:chOff x="0" y="0"/>
-          <a:chExt cx="0" cy="0"/>
-        </a:xfrm>
-      </p:grpSpPr>
-      <p:sp>
-        <p:nvSpPr>
-          <p:cNvPr id="4" name="Title 3">
-            <a:extLst>
-              <a:ext uri="{FF2B5EF4-FFF2-40B4-BE49-F238E27FC236}">
-                <a16:creationId xmlns:a16="http://schemas.microsoft.com/office/drawing/2014/main" id="{6EE1F74A-09B5-4697-87F6-BE468B6F85CE}"/>
-              </a:ext>
-            </a:extLst>
-          </p:cNvPr>
-          <p:cNvSpPr>
-            <a:spLocks noGrp="1"/>
-          </p:cNvSpPr>
-          <p:nvPr>
-            <p:ph type="title"/>
-          </p:nvPr>
-        </p:nvSpPr>
-        <p:spPr/>
-        <p:txBody>
-          <a:bodyPr/>
-          <a:lstStyle/>
-          <a:p>
-            <a:r>
-              <a:rPr lang="en-US" dirty="0"/>
-              <a:t>No significant differences to report</a:t>
-            </a:r>
-          </a:p>
-        </p:txBody>
-      </p:sp>
-      <p:sp>
-        <p:nvSpPr>
-          <p:cNvPr id="5" name="Text Placeholder 4">
-            <a:extLst>
-              <a:ext uri="{FF2B5EF4-FFF2-40B4-BE49-F238E27FC236}">
-                <a16:creationId xmlns:a16="http://schemas.microsoft.com/office/drawing/2014/main" id="{31DBDFF2-C24A-4A41-8858-BBDE1D5FB4E5}"/>
-              </a:ext>
-            </a:extLst>
-          </p:cNvPr>
-          <p:cNvSpPr>
-            <a:spLocks noGrp="1"/>
-          </p:cNvSpPr>
-          <p:nvPr>
-            <p:ph type="body" idx="1"/>
-          </p:nvPr>
-        </p:nvSpPr>
-        <p:spPr/>
-        <p:txBody>
-          <a:bodyPr/>
-          <a:lstStyle/>
-          <a:p>
-            <a:endParaRPr lang="en-US" dirty="0"/>
-          </a:p>
-        </p:txBody>
-      </p:sp>
-    </p:spTree>
-    <p:extLst>
-      <p:ext uri="{BB962C8B-B14F-4D97-AF65-F5344CB8AC3E}">
-        <p14:creationId xmlns:p14="http://schemas.microsoft.com/office/powerpoint/2010/main" val="51406742"/>
-      </p:ext>
-    </p:extLst>
-  </p:cSld>
-  <p:clrMapOvr>
-    <a:masterClrMapping/>
-  </p:clrMapOvr>
-</p:sld>
-</file>
-
 <file path=ppt/slides/slide12.xml><?xml version="1.0" encoding="utf-8"?>
 <p:sld xmlns:a="http://schemas.openxmlformats.org/drawingml/2006/main" xmlns:r="http://schemas.openxmlformats.org/officeDocument/2006/relationships" xmlns:p="http://schemas.openxmlformats.org/presentationml/2006/main">
   <p:cSld>
@@ -4305,7 +5992,7 @@
           <a:p>
             <a:r>
               <a:rPr lang="en-US" dirty="0"/>
-              <a:t>Results/Implications</a:t>
+              <a:t>Results &amp; Policy Implications</a:t>
             </a:r>
           </a:p>
         </p:txBody>
@@ -4328,7 +6015,9 @@
         </p:nvSpPr>
         <p:spPr/>
         <p:txBody>
-          <a:bodyPr/>
+          <a:bodyPr>
+            <a:normAutofit/>
+          </a:bodyPr>
           <a:lstStyle/>
           <a:p>
             <a:r>
@@ -4353,7 +6042,7 @@
             <a:pPr lvl="1"/>
             <a:r>
               <a:rPr lang="en-US" dirty="0"/>
-              <a:t>Decreases accuracy of clusters </a:t>
+              <a:t>Decreases cluster accuracy</a:t>
             </a:r>
           </a:p>
           <a:p>
@@ -4362,6 +6051,31 @@
               <a:rPr lang="en-US" dirty="0"/>
               <a:t>Need to filter out “noisy” CDs </a:t>
             </a:r>
+          </a:p>
+          <a:p>
+            <a:r>
+              <a:rPr lang="en-US" dirty="0"/>
+              <a:t>Congressional District Unit not a great unit of analysis </a:t>
+            </a:r>
+          </a:p>
+          <a:p>
+            <a:pPr lvl="1"/>
+            <a:r>
+              <a:rPr lang="en-US" dirty="0"/>
+              <a:t>Vary is size too much</a:t>
+            </a:r>
+          </a:p>
+          <a:p>
+            <a:pPr marL="201168" lvl="1" indent="0">
+              <a:buNone/>
+            </a:pPr>
+            <a:endParaRPr lang="en-US" dirty="0"/>
+          </a:p>
+          <a:p>
+            <a:pPr marL="201168" lvl="1" indent="0">
+              <a:buNone/>
+            </a:pPr>
+            <a:endParaRPr lang="en-US" dirty="0"/>
           </a:p>
         </p:txBody>
       </p:sp>
@@ -4383,65 +6097,46 @@
         </p:nvSpPr>
         <p:spPr/>
         <p:txBody>
-          <a:bodyPr/>
+          <a:bodyPr>
+            <a:normAutofit/>
+          </a:bodyPr>
           <a:lstStyle/>
           <a:p>
+            <a:pPr marL="0" indent="0">
+              <a:buNone/>
+            </a:pPr>
             <a:r>
               <a:rPr lang="en-US" dirty="0"/>
-              <a:t>No link between funding and:</a:t>
+              <a:t>There exist areas being “left behind”</a:t>
             </a:r>
           </a:p>
           <a:p>
             <a:pPr lvl="1"/>
             <a:r>
               <a:rPr lang="en-US" dirty="0"/>
-              <a:t>Urban/rural split</a:t>
-            </a:r>
-          </a:p>
-          <a:p>
-            <a:pPr lvl="1"/>
+              <a:t>Danger of stagnating innovation, education, local economies </a:t>
+            </a:r>
+          </a:p>
+          <a:p>
+            <a:pPr marL="0" indent="0">
+              <a:buNone/>
+            </a:pPr>
             <a:r>
               <a:rPr lang="en-US" dirty="0"/>
-              <a:t>Density</a:t>
-            </a:r>
-          </a:p>
-          <a:p>
-            <a:pPr lvl="1"/>
-            <a:r>
-              <a:rPr lang="en-US" dirty="0"/>
-              <a:t>Political leaning</a:t>
-            </a:r>
-          </a:p>
-          <a:p>
-            <a:r>
-              <a:rPr lang="en-US" dirty="0"/>
-              <a:t>Funding changes due to other factors (maybe in combination)</a:t>
-            </a:r>
-          </a:p>
-          <a:p>
-            <a:r>
-              <a:rPr lang="en-US" dirty="0"/>
-              <a:t>Try out other clustering </a:t>
-            </a:r>
-            <a:r>
-              <a:rPr lang="en-US" dirty="0" err="1"/>
-              <a:t>algos</a:t>
-            </a:r>
+              <a:t>Need different unit of analysis to properly describe them </a:t>
+            </a:r>
+          </a:p>
+          <a:p>
+            <a:pPr marL="0" indent="0">
+              <a:buNone/>
+            </a:pPr>
             <a:endParaRPr lang="en-US" dirty="0"/>
           </a:p>
           <a:p>
-            <a:pPr lvl="1"/>
-            <a:r>
-              <a:rPr lang="en-US" dirty="0"/>
-              <a:t>Gaussian Mix</a:t>
-            </a:r>
-          </a:p>
-          <a:p>
-            <a:pPr lvl="1"/>
-            <a:r>
-              <a:rPr lang="en-US" dirty="0"/>
-              <a:t>DBSCAN (can filter out noise) </a:t>
-            </a:r>
+            <a:pPr marL="0" indent="0">
+              <a:buNone/>
+            </a:pPr>
+            <a:endParaRPr lang="en-US" dirty="0"/>
           </a:p>
         </p:txBody>
       </p:sp>
@@ -4521,48 +6216,95 @@
         </p:nvSpPr>
         <p:spPr/>
         <p:txBody>
-          <a:bodyPr/>
+          <a:bodyPr>
+            <a:normAutofit/>
+          </a:bodyPr>
           <a:lstStyle/>
           <a:p>
+            <a:pPr marL="0" indent="0">
+              <a:buNone/>
+            </a:pPr>
             <a:r>
               <a:rPr lang="en-US" dirty="0"/>
-              <a:t>Assumptions:</a:t>
+              <a:t>Static Data:</a:t>
             </a:r>
           </a:p>
           <a:p>
             <a:pPr lvl="1"/>
             <a:r>
               <a:rPr lang="en-US" dirty="0"/>
-              <a:t>Demographics/Characteristics static between Census </a:t>
+              <a:t>Demographics/Characteristics static between Census counts </a:t>
             </a:r>
           </a:p>
           <a:p>
             <a:pPr lvl="1"/>
             <a:r>
               <a:rPr lang="en-US" dirty="0"/>
-              <a:t> Accounting for redistricting </a:t>
-            </a:r>
-          </a:p>
-          <a:p>
-            <a:pPr lvl="1"/>
+              <a:t>Can’t account for population changes</a:t>
+            </a:r>
+          </a:p>
+          <a:p>
+            <a:pPr marL="0">
+              <a:buNone/>
+            </a:pPr>
             <a:r>
               <a:rPr lang="en-US" dirty="0"/>
               <a:t>Address unmatched funding records</a:t>
             </a:r>
           </a:p>
           <a:p>
-            <a:pPr lvl="2"/>
+            <a:pPr lvl="1"/>
             <a:r>
               <a:rPr lang="en-US" dirty="0"/>
               <a:t>Bad congress district code </a:t>
             </a:r>
           </a:p>
           <a:p>
-            <a:pPr lvl="2"/>
+            <a:pPr lvl="1"/>
             <a:r>
               <a:rPr lang="en-US" dirty="0"/>
-              <a:t>Excluded from analysis </a:t>
-            </a:r>
+              <a:t>Can’t be included </a:t>
+            </a:r>
+          </a:p>
+          <a:p>
+            <a:pPr marL="0">
+              <a:buNone/>
+            </a:pPr>
+            <a:r>
+              <a:rPr lang="en-US" dirty="0" err="1"/>
+              <a:t>KMeans</a:t>
+            </a:r>
+            <a:r>
+              <a:rPr lang="en-US" dirty="0"/>
+              <a:t> Algorithm </a:t>
+            </a:r>
+          </a:p>
+          <a:p>
+            <a:pPr lvl="1"/>
+            <a:r>
+              <a:rPr lang="en-US" dirty="0"/>
+              <a:t>Best for circular clusters</a:t>
+            </a:r>
+          </a:p>
+          <a:p>
+            <a:pPr lvl="1"/>
+            <a:r>
+              <a:rPr lang="en-US" dirty="0"/>
+              <a:t>Can’t handle noise</a:t>
+            </a:r>
+          </a:p>
+          <a:p>
+            <a:pPr lvl="1"/>
+            <a:r>
+              <a:rPr lang="en-US" dirty="0"/>
+              <a:t>Try out Gaussian Mix, DBSCAN (can filter out noise)</a:t>
+            </a:r>
+          </a:p>
+          <a:p>
+            <a:pPr marL="0" indent="0">
+              <a:buNone/>
+            </a:pPr>
+            <a:endParaRPr lang="en-US" dirty="0"/>
           </a:p>
           <a:p>
             <a:pPr lvl="1"/>
@@ -4701,17 +6443,19 @@
         </p:nvSpPr>
         <p:spPr>
           <a:xfrm>
-            <a:off x="838200" y="365125"/>
-            <a:ext cx="10515600" cy="1325563"/>
+            <a:off x="1261872" y="758952"/>
+            <a:ext cx="9418320" cy="3482122"/>
           </a:xfrm>
         </p:spPr>
         <p:txBody>
-          <a:bodyPr/>
+          <a:bodyPr>
+            <a:normAutofit/>
+          </a:bodyPr>
           <a:lstStyle/>
           <a:p>
             <a:r>
               <a:rPr lang="en-US" dirty="0"/>
-              <a:t>Can we identify NSF grant funding changes from 2010-2018?</a:t>
+              <a:t>Are NSF Funding Trends Doing Disparate Impact?</a:t>
             </a:r>
           </a:p>
         </p:txBody>
@@ -4729,30 +6473,48 @@
             <a:spLocks noGrp="1"/>
           </p:cNvSpPr>
           <p:nvPr>
-            <p:ph sz="half" idx="1"/>
+            <p:ph type="body" idx="1"/>
           </p:nvPr>
         </p:nvSpPr>
         <p:spPr>
           <a:xfrm>
-            <a:off x="838200" y="1825625"/>
-            <a:ext cx="5181600" cy="4351338"/>
+            <a:off x="1097280" y="4453127"/>
+            <a:ext cx="10058400" cy="1340399"/>
           </a:xfrm>
         </p:spPr>
         <p:txBody>
           <a:bodyPr>
-            <a:normAutofit lnSpcReduction="10000"/>
+            <a:normAutofit fontScale="92500" lnSpcReduction="10000"/>
           </a:bodyPr>
           <a:lstStyle/>
           <a:p>
+            <a:pPr marL="342900" indent="-342900">
+              <a:buFont typeface="Arial" panose="020B0604020202020204" pitchFamily="34" charset="0"/>
+              <a:buChar char="•"/>
+            </a:pPr>
             <a:r>
               <a:rPr lang="en-US" dirty="0"/>
-              <a:t>Congressional District Level</a:t>
-            </a:r>
-          </a:p>
-          <a:p>
+              <a:t>Congressional District (CD) Level</a:t>
+            </a:r>
+          </a:p>
+          <a:p>
+            <a:pPr marL="342900" indent="-342900">
+              <a:buFont typeface="Arial" panose="020B0604020202020204" pitchFamily="34" charset="0"/>
+              <a:buChar char="•"/>
+            </a:pPr>
             <a:r>
               <a:rPr lang="en-US" dirty="0"/>
-              <a:t>Who’s seen funding increases? Decreases? No-change?</a:t>
+              <a:t>Where’s more/less/same money going?</a:t>
+            </a:r>
+          </a:p>
+          <a:p>
+            <a:pPr marL="342900" indent="-342900">
+              <a:buFont typeface="Arial" panose="020B0604020202020204" pitchFamily="34" charset="0"/>
+              <a:buChar char="•"/>
+            </a:pPr>
+            <a:r>
+              <a:rPr lang="en-US" dirty="0"/>
+              <a:t>2010-2018 </a:t>
             </a:r>
           </a:p>
           <a:p>
@@ -4761,31 +6523,6 @@
           <a:p>
             <a:pPr lvl="1"/>
             <a:endParaRPr lang="en-US" dirty="0"/>
-          </a:p>
-        </p:txBody>
-      </p:sp>
-      <p:sp>
-        <p:nvSpPr>
-          <p:cNvPr id="7" name="Content Placeholder 6">
-            <a:extLst>
-              <a:ext uri="{FF2B5EF4-FFF2-40B4-BE49-F238E27FC236}">
-                <a16:creationId xmlns:a16="http://schemas.microsoft.com/office/drawing/2014/main" id="{7369BA51-3425-4E6F-B48C-D82C64FEA79C}"/>
-              </a:ext>
-            </a:extLst>
-          </p:cNvPr>
-          <p:cNvSpPr>
-            <a:spLocks noGrp="1"/>
-          </p:cNvSpPr>
-          <p:nvPr>
-            <p:ph sz="half" idx="2"/>
-          </p:nvPr>
-        </p:nvSpPr>
-        <p:spPr/>
-        <p:txBody>
-          <a:bodyPr/>
-          <a:lstStyle/>
-          <a:p>
-            <a:endParaRPr lang="en-US"/>
           </a:p>
         </p:txBody>
       </p:sp>
@@ -4837,12 +6574,14 @@
         </p:nvSpPr>
         <p:spPr/>
         <p:txBody>
-          <a:bodyPr/>
+          <a:bodyPr>
+            <a:normAutofit/>
+          </a:bodyPr>
           <a:lstStyle/>
           <a:p>
             <a:r>
               <a:rPr lang="en-US" dirty="0"/>
-              <a:t>So how can we group similarly funded CDs?</a:t>
+              <a:t>How can we group similarly funded CDs?</a:t>
             </a:r>
           </a:p>
         </p:txBody>
@@ -4863,73 +6602,88 @@
             <p:ph sz="half" idx="1"/>
           </p:nvPr>
         </p:nvSpPr>
-        <p:spPr/>
+        <p:spPr>
+          <a:xfrm>
+            <a:off x="6217920" y="1897494"/>
+            <a:ext cx="4937760" cy="4023360"/>
+          </a:xfrm>
+        </p:spPr>
         <p:txBody>
           <a:bodyPr>
-            <a:normAutofit lnSpcReduction="10000"/>
+            <a:normAutofit/>
           </a:bodyPr>
           <a:lstStyle/>
           <a:p>
             <a:r>
               <a:rPr lang="en-US" dirty="0"/>
-              <a:t>Clustering Algorithms:</a:t>
+              <a:t>Methods:</a:t>
             </a:r>
           </a:p>
           <a:p>
             <a:pPr lvl="1"/>
             <a:r>
               <a:rPr lang="en-US" dirty="0" err="1"/>
-              <a:t>Kmeans</a:t>
+              <a:t>KMeans</a:t>
             </a:r>
             <a:r>
               <a:rPr lang="en-US" dirty="0"/>
-              <a:t> vs </a:t>
-            </a:r>
-            <a:r>
-              <a:rPr lang="en-US" strike="sngStrike" dirty="0"/>
-              <a:t>Gaussian Mixture</a:t>
+              <a:t> Clustering</a:t>
+            </a:r>
+          </a:p>
+          <a:p>
+            <a:pPr lvl="2"/>
+            <a:r>
+              <a:rPr lang="en-US" dirty="0"/>
+              <a:t>Features: Total funding 2010-2018</a:t>
+            </a:r>
+          </a:p>
+          <a:p>
+            <a:pPr lvl="2"/>
+            <a:r>
+              <a:rPr lang="en-US" dirty="0"/>
+              <a:t>Normalized data</a:t>
             </a:r>
           </a:p>
           <a:p>
             <a:pPr lvl="1"/>
             <a:r>
               <a:rPr lang="en-US" dirty="0"/>
-              <a:t>Features: Total funding received 2010-2018</a:t>
+              <a:t>Principal Component Analysis (PCA)</a:t>
             </a:r>
           </a:p>
           <a:p>
             <a:pPr lvl="1"/>
-            <a:r>
-              <a:rPr lang="en-US" dirty="0"/>
-              <a:t>Principal Component Analysis (PCA) to visualize clusters</a:t>
-            </a:r>
-          </a:p>
-          <a:p>
             <a:r>
               <a:rPr lang="en-US" dirty="0"/>
               <a:t>Silhouette Scoring:</a:t>
             </a:r>
           </a:p>
           <a:p>
+            <a:pPr lvl="2"/>
+            <a:r>
+              <a:rPr lang="en-US" dirty="0"/>
+              <a:t>Score quality of clusters </a:t>
+            </a:r>
+          </a:p>
+          <a:p>
+            <a:pPr lvl="2"/>
+            <a:r>
+              <a:rPr lang="en-US" dirty="0"/>
+              <a:t>Select best number of clusters</a:t>
+            </a:r>
+          </a:p>
+          <a:p>
             <a:pPr lvl="1"/>
             <a:r>
               <a:rPr lang="en-US" dirty="0"/>
-              <a:t>Used to score quality of clusters </a:t>
-            </a:r>
-          </a:p>
-          <a:p>
-            <a:pPr lvl="1"/>
-            <a:r>
-              <a:rPr lang="en-US" dirty="0"/>
-              <a:t>Hyperparameter tuning</a:t>
-            </a:r>
-          </a:p>
-          <a:p>
-            <a:pPr lvl="2"/>
-            <a:r>
-              <a:rPr lang="en-US" dirty="0"/>
-              <a:t>Number of Clusters to use</a:t>
-            </a:r>
+              <a:t>Descriptive Analysis of each cluster</a:t>
+            </a:r>
+          </a:p>
+          <a:p>
+            <a:pPr marL="201168" lvl="1" indent="0">
+              <a:buNone/>
+            </a:pPr>
+            <a:endParaRPr lang="en-US" dirty="0"/>
           </a:p>
         </p:txBody>
       </p:sp>
@@ -4951,13 +6705,13 @@
         </p:nvSpPr>
         <p:spPr>
           <a:xfrm>
-            <a:off x="6172200" y="1825625"/>
-            <a:ext cx="5181600" cy="4351338"/>
+            <a:off x="1097280" y="1897494"/>
+            <a:ext cx="4937760" cy="4023360"/>
           </a:xfrm>
         </p:spPr>
         <p:txBody>
           <a:bodyPr>
-            <a:normAutofit lnSpcReduction="10000"/>
+            <a:normAutofit/>
           </a:bodyPr>
           <a:lstStyle/>
           <a:p>
@@ -4977,7 +6731,7 @@
             <a:pPr lvl="2"/>
             <a:r>
               <a:rPr lang="en-US" dirty="0"/>
-              <a:t>NSF-specific grants</a:t>
+              <a:t>Total NSF grant funding received each year per CD</a:t>
             </a:r>
           </a:p>
           <a:p>
@@ -5047,6 +6801,14 @@
 <file path=ppt/slides/slide4.xml><?xml version="1.0" encoding="utf-8"?>
 <p:sld xmlns:a="http://schemas.openxmlformats.org/drawingml/2006/main" xmlns:r="http://schemas.openxmlformats.org/officeDocument/2006/relationships" xmlns:p="http://schemas.openxmlformats.org/presentationml/2006/main">
   <p:cSld>
+    <p:bg>
+      <p:bgPr>
+        <a:solidFill>
+          <a:schemeClr val="bg1"/>
+        </a:solidFill>
+        <a:effectLst/>
+      </p:bgPr>
+    </p:bg>
     <p:spTree>
       <p:nvGrpSpPr>
         <p:cNvPr id="1" name=""/>
@@ -5063,6 +6825,745 @@
       </p:grpSpPr>
       <p:sp>
         <p:nvSpPr>
+          <p:cNvPr id="11" name="Rectangle 13">
+            <a:extLst>
+              <a:ext uri="{FF2B5EF4-FFF2-40B4-BE49-F238E27FC236}">
+                <a16:creationId xmlns:a16="http://schemas.microsoft.com/office/drawing/2014/main" id="{7D379150-F6B4-45C8-BE10-6B278AD400EB}"/>
+              </a:ext>
+              <a:ext uri="{C183D7F6-B498-43B3-948B-1728B52AA6E4}">
+                <adec:decorative xmlns:adec="http://schemas.microsoft.com/office/drawing/2017/decorative" val="1"/>
+              </a:ext>
+            </a:extLst>
+          </p:cNvPr>
+          <p:cNvSpPr>
+            <a:spLocks noGrp="1" noRot="1" noChangeAspect="1" noMove="1" noResize="1" noEditPoints="1" noAdjustHandles="1" noChangeArrowheads="1" noChangeShapeType="1" noTextEdit="1"/>
+          </p:cNvSpPr>
+          <p:nvPr>
+            <p:extLst>
+              <p:ext uri="{386F3935-93C4-4BCD-93E2-E3B085C9AB24}">
+                <p16:designElem xmlns:p16="http://schemas.microsoft.com/office/powerpoint/2015/main" val="1"/>
+              </p:ext>
+            </p:extLst>
+          </p:nvPr>
+        </p:nvSpPr>
+        <p:spPr>
+          <a:xfrm>
+            <a:off x="1" y="6400800"/>
+            <a:ext cx="12192000" cy="457200"/>
+          </a:xfrm>
+          <a:prstGeom prst="rect">
+            <a:avLst/>
+          </a:prstGeom>
+          <a:solidFill>
+            <a:schemeClr val="accent2"/>
+          </a:solidFill>
+          <a:ln>
+            <a:noFill/>
+          </a:ln>
+        </p:spPr>
+        <p:style>
+          <a:lnRef idx="2">
+            <a:schemeClr val="accent1">
+              <a:shade val="50000"/>
+            </a:schemeClr>
+          </a:lnRef>
+          <a:fillRef idx="1">
+            <a:schemeClr val="accent1"/>
+          </a:fillRef>
+          <a:effectRef idx="0">
+            <a:schemeClr val="accent1"/>
+          </a:effectRef>
+          <a:fontRef idx="minor">
+            <a:schemeClr val="lt1"/>
+          </a:fontRef>
+        </p:style>
+      </p:sp>
+      <p:sp>
+        <p:nvSpPr>
+          <p:cNvPr id="13" name="Rectangle 15">
+            <a:extLst>
+              <a:ext uri="{FF2B5EF4-FFF2-40B4-BE49-F238E27FC236}">
+                <a16:creationId xmlns:a16="http://schemas.microsoft.com/office/drawing/2014/main" id="{5FFCF544-A370-4A5D-A95F-CA6E0E7191E6}"/>
+              </a:ext>
+              <a:ext uri="{C183D7F6-B498-43B3-948B-1728B52AA6E4}">
+                <adec:decorative xmlns:adec="http://schemas.microsoft.com/office/drawing/2017/decorative" val="1"/>
+              </a:ext>
+            </a:extLst>
+          </p:cNvPr>
+          <p:cNvSpPr>
+            <a:spLocks noGrp="1" noRot="1" noChangeAspect="1" noMove="1" noResize="1" noEditPoints="1" noAdjustHandles="1" noChangeArrowheads="1" noChangeShapeType="1" noTextEdit="1"/>
+          </p:cNvSpPr>
+          <p:nvPr>
+            <p:extLst>
+              <p:ext uri="{386F3935-93C4-4BCD-93E2-E3B085C9AB24}">
+                <p16:designElem xmlns:p16="http://schemas.microsoft.com/office/powerpoint/2015/main" val="1"/>
+              </p:ext>
+            </p:extLst>
+          </p:nvPr>
+        </p:nvSpPr>
+        <p:spPr>
+          <a:xfrm>
+            <a:off x="0" y="6334316"/>
+            <a:ext cx="12192001" cy="65998"/>
+          </a:xfrm>
+          <a:prstGeom prst="rect">
+            <a:avLst/>
+          </a:prstGeom>
+          <a:solidFill>
+            <a:schemeClr val="accent1"/>
+          </a:solidFill>
+          <a:ln>
+            <a:noFill/>
+          </a:ln>
+        </p:spPr>
+        <p:style>
+          <a:lnRef idx="2">
+            <a:schemeClr val="accent1">
+              <a:shade val="50000"/>
+            </a:schemeClr>
+          </a:lnRef>
+          <a:fillRef idx="1">
+            <a:schemeClr val="accent1"/>
+          </a:fillRef>
+          <a:effectRef idx="0">
+            <a:schemeClr val="accent1"/>
+          </a:effectRef>
+          <a:fontRef idx="minor">
+            <a:schemeClr val="lt1"/>
+          </a:fontRef>
+        </p:style>
+      </p:sp>
+      <p:cxnSp>
+        <p:nvCxnSpPr>
+          <p:cNvPr id="15" name="Straight Connector 17">
+            <a:extLst>
+              <a:ext uri="{FF2B5EF4-FFF2-40B4-BE49-F238E27FC236}">
+                <a16:creationId xmlns:a16="http://schemas.microsoft.com/office/drawing/2014/main" id="{6EEB3B97-A638-498B-8083-54191CE71E01}"/>
+              </a:ext>
+              <a:ext uri="{C183D7F6-B498-43B3-948B-1728B52AA6E4}">
+                <adec:decorative xmlns:adec="http://schemas.microsoft.com/office/drawing/2017/decorative" val="1"/>
+              </a:ext>
+            </a:extLst>
+          </p:cNvPr>
+          <p:cNvCxnSpPr>
+            <a:cxnSpLocks noGrp="1" noRot="1" noChangeAspect="1" noMove="1" noResize="1" noEditPoints="1" noAdjustHandles="1" noChangeArrowheads="1" noChangeShapeType="1"/>
+          </p:cNvCxnSpPr>
+          <p:nvPr>
+            <p:extLst>
+              <p:ext uri="{386F3935-93C4-4BCD-93E2-E3B085C9AB24}">
+                <p16:designElem xmlns:p16="http://schemas.microsoft.com/office/powerpoint/2015/main" val="1"/>
+              </p:ext>
+            </p:extLst>
+          </p:nvPr>
+        </p:nvCxnSpPr>
+        <p:spPr>
+          <a:xfrm>
+            <a:off x="1193532" y="1737845"/>
+            <a:ext cx="9966960" cy="0"/>
+          </a:xfrm>
+          <a:prstGeom prst="line">
+            <a:avLst/>
+          </a:prstGeom>
+          <a:ln w="6350">
+            <a:solidFill>
+              <a:schemeClr val="tx1">
+                <a:lumMod val="50000"/>
+                <a:lumOff val="50000"/>
+              </a:schemeClr>
+            </a:solidFill>
+          </a:ln>
+        </p:spPr>
+        <p:style>
+          <a:lnRef idx="1">
+            <a:schemeClr val="accent1"/>
+          </a:lnRef>
+          <a:fillRef idx="0">
+            <a:schemeClr val="accent1"/>
+          </a:fillRef>
+          <a:effectRef idx="0">
+            <a:schemeClr val="accent1"/>
+          </a:effectRef>
+          <a:fontRef idx="minor">
+            <a:schemeClr val="tx1"/>
+          </a:fontRef>
+        </p:style>
+      </p:cxnSp>
+      <p:sp useBgFill="1">
+        <p:nvSpPr>
+          <p:cNvPr id="17" name="Rectangle 19">
+            <a:extLst>
+              <a:ext uri="{FF2B5EF4-FFF2-40B4-BE49-F238E27FC236}">
+                <a16:creationId xmlns:a16="http://schemas.microsoft.com/office/drawing/2014/main" id="{3DE3B93A-6105-4E0D-ABE7-1711117A80FC}"/>
+              </a:ext>
+              <a:ext uri="{C183D7F6-B498-43B3-948B-1728B52AA6E4}">
+                <adec:decorative xmlns:adec="http://schemas.microsoft.com/office/drawing/2017/decorative" val="1"/>
+              </a:ext>
+            </a:extLst>
+          </p:cNvPr>
+          <p:cNvSpPr>
+            <a:spLocks noGrp="1" noRot="1" noChangeAspect="1" noMove="1" noResize="1" noEditPoints="1" noAdjustHandles="1" noChangeArrowheads="1" noChangeShapeType="1" noTextEdit="1"/>
+          </p:cNvSpPr>
+          <p:nvPr>
+            <p:extLst>
+              <p:ext uri="{386F3935-93C4-4BCD-93E2-E3B085C9AB24}">
+                <p16:designElem xmlns:p16="http://schemas.microsoft.com/office/powerpoint/2015/main" val="1"/>
+              </p:ext>
+            </p:extLst>
+          </p:nvPr>
+        </p:nvSpPr>
+        <p:spPr>
+          <a:xfrm>
+            <a:off x="0" y="0"/>
+            <a:ext cx="12192001" cy="6334316"/>
+          </a:xfrm>
+          <a:prstGeom prst="rect">
+            <a:avLst/>
+          </a:prstGeom>
+          <a:ln>
+            <a:noFill/>
+          </a:ln>
+        </p:spPr>
+        <p:style>
+          <a:lnRef idx="2">
+            <a:schemeClr val="accent1">
+              <a:shade val="50000"/>
+            </a:schemeClr>
+          </a:lnRef>
+          <a:fillRef idx="1">
+            <a:schemeClr val="accent1"/>
+          </a:fillRef>
+          <a:effectRef idx="0">
+            <a:schemeClr val="accent1"/>
+          </a:effectRef>
+          <a:fontRef idx="minor">
+            <a:schemeClr val="lt1"/>
+          </a:fontRef>
+        </p:style>
+        <p:txBody>
+          <a:bodyPr rtlCol="0" anchor="ctr"/>
+          <a:lstStyle/>
+          <a:p>
+            <a:pPr algn="ctr"/>
+            <a:endParaRPr lang="en-US"/>
+          </a:p>
+        </p:txBody>
+      </p:sp>
+      <p:sp>
+        <p:nvSpPr>
+          <p:cNvPr id="2" name="Title 1">
+            <a:extLst>
+              <a:ext uri="{FF2B5EF4-FFF2-40B4-BE49-F238E27FC236}">
+                <a16:creationId xmlns:a16="http://schemas.microsoft.com/office/drawing/2014/main" id="{1EF4F653-C089-4F96-A63B-42BF15D527FE}"/>
+              </a:ext>
+            </a:extLst>
+          </p:cNvPr>
+          <p:cNvSpPr>
+            <a:spLocks noGrp="1"/>
+          </p:cNvSpPr>
+          <p:nvPr>
+            <p:ph type="title"/>
+          </p:nvPr>
+        </p:nvSpPr>
+        <p:spPr>
+          <a:xfrm>
+            <a:off x="442483" y="642257"/>
+            <a:ext cx="3417677" cy="3021914"/>
+          </a:xfrm>
+        </p:spPr>
+        <p:txBody>
+          <a:bodyPr vert="horz" lIns="91440" tIns="45720" rIns="91440" bIns="45720" rtlCol="0" anchor="t">
+            <a:normAutofit/>
+          </a:bodyPr>
+          <a:lstStyle/>
+          <a:p>
+            <a:pPr algn="r"/>
+            <a:r>
+              <a:rPr lang="en-US" dirty="0"/>
+              <a:t>Grant funding data </a:t>
+            </a:r>
+          </a:p>
+        </p:txBody>
+      </p:sp>
+      <p:sp>
+        <p:nvSpPr>
+          <p:cNvPr id="19" name="Rectangle 21">
+            <a:extLst>
+              <a:ext uri="{FF2B5EF4-FFF2-40B4-BE49-F238E27FC236}">
+                <a16:creationId xmlns:a16="http://schemas.microsoft.com/office/drawing/2014/main" id="{1924D57B-FEC9-4779-B514-732685B876E8}"/>
+              </a:ext>
+              <a:ext uri="{C183D7F6-B498-43B3-948B-1728B52AA6E4}">
+                <adec:decorative xmlns:adec="http://schemas.microsoft.com/office/drawing/2017/decorative" val="1"/>
+              </a:ext>
+            </a:extLst>
+          </p:cNvPr>
+          <p:cNvSpPr>
+            <a:spLocks noGrp="1" noRot="1" noChangeAspect="1" noMove="1" noResize="1" noEditPoints="1" noAdjustHandles="1" noChangeArrowheads="1" noChangeShapeType="1" noTextEdit="1"/>
+          </p:cNvSpPr>
+          <p:nvPr>
+            <p:extLst>
+              <p:ext uri="{386F3935-93C4-4BCD-93E2-E3B085C9AB24}">
+                <p16:designElem xmlns:p16="http://schemas.microsoft.com/office/powerpoint/2015/main" val="1"/>
+              </p:ext>
+            </p:extLst>
+          </p:nvPr>
+        </p:nvSpPr>
+        <p:spPr>
+          <a:xfrm>
+            <a:off x="15" y="6334316"/>
+            <a:ext cx="12191985" cy="66484"/>
+          </a:xfrm>
+          <a:prstGeom prst="rect">
+            <a:avLst/>
+          </a:prstGeom>
+          <a:solidFill>
+            <a:schemeClr val="accent1"/>
+          </a:solidFill>
+          <a:ln>
+            <a:noFill/>
+          </a:ln>
+        </p:spPr>
+        <p:style>
+          <a:lnRef idx="2">
+            <a:schemeClr val="accent1">
+              <a:shade val="50000"/>
+            </a:schemeClr>
+          </a:lnRef>
+          <a:fillRef idx="1">
+            <a:schemeClr val="accent1"/>
+          </a:fillRef>
+          <a:effectRef idx="0">
+            <a:schemeClr val="accent1"/>
+          </a:effectRef>
+          <a:fontRef idx="minor">
+            <a:schemeClr val="lt1"/>
+          </a:fontRef>
+        </p:style>
+      </p:sp>
+      <p:sp>
+        <p:nvSpPr>
+          <p:cNvPr id="21" name="Rectangle 23">
+            <a:extLst>
+              <a:ext uri="{FF2B5EF4-FFF2-40B4-BE49-F238E27FC236}">
+                <a16:creationId xmlns:a16="http://schemas.microsoft.com/office/drawing/2014/main" id="{55EFD2BD-6E0E-4450-A3FF-5D1EA322A38B}"/>
+              </a:ext>
+              <a:ext uri="{C183D7F6-B498-43B3-948B-1728B52AA6E4}">
+                <adec:decorative xmlns:adec="http://schemas.microsoft.com/office/drawing/2017/decorative" val="1"/>
+              </a:ext>
+            </a:extLst>
+          </p:cNvPr>
+          <p:cNvSpPr>
+            <a:spLocks noGrp="1" noRot="1" noChangeAspect="1" noMove="1" noResize="1" noEditPoints="1" noAdjustHandles="1" noChangeArrowheads="1" noChangeShapeType="1" noTextEdit="1"/>
+          </p:cNvSpPr>
+          <p:nvPr>
+            <p:extLst>
+              <p:ext uri="{386F3935-93C4-4BCD-93E2-E3B085C9AB24}">
+                <p16:designElem xmlns:p16="http://schemas.microsoft.com/office/powerpoint/2015/main" val="1"/>
+              </p:ext>
+            </p:extLst>
+          </p:nvPr>
+        </p:nvSpPr>
+        <p:spPr>
+          <a:xfrm>
+            <a:off x="1" y="6400800"/>
+            <a:ext cx="12192000" cy="457200"/>
+          </a:xfrm>
+          <a:prstGeom prst="rect">
+            <a:avLst/>
+          </a:prstGeom>
+          <a:solidFill>
+            <a:schemeClr val="accent2"/>
+          </a:solidFill>
+          <a:ln>
+            <a:noFill/>
+          </a:ln>
+        </p:spPr>
+        <p:style>
+          <a:lnRef idx="2">
+            <a:schemeClr val="accent1">
+              <a:shade val="50000"/>
+            </a:schemeClr>
+          </a:lnRef>
+          <a:fillRef idx="1">
+            <a:schemeClr val="accent1"/>
+          </a:fillRef>
+          <a:effectRef idx="0">
+            <a:schemeClr val="accent1"/>
+          </a:effectRef>
+          <a:fontRef idx="minor">
+            <a:schemeClr val="lt1"/>
+          </a:fontRef>
+        </p:style>
+      </p:sp>
+      <p:pic>
+        <p:nvPicPr>
+          <p:cNvPr id="23" name="Picture 22">
+            <a:extLst>
+              <a:ext uri="{FF2B5EF4-FFF2-40B4-BE49-F238E27FC236}">
+                <a16:creationId xmlns:a16="http://schemas.microsoft.com/office/drawing/2014/main" id="{CFEE4D78-B2E2-4348-9B0E-EFA6B56B5A8E}"/>
+              </a:ext>
+            </a:extLst>
+          </p:cNvPr>
+          <p:cNvPicPr>
+            <a:picLocks noChangeAspect="1"/>
+          </p:cNvPicPr>
+          <p:nvPr/>
+        </p:nvPicPr>
+        <p:blipFill>
+          <a:blip r:embed="rId2"/>
+          <a:stretch>
+            <a:fillRect/>
+          </a:stretch>
+        </p:blipFill>
+        <p:spPr>
+          <a:xfrm>
+            <a:off x="4059933" y="641771"/>
+            <a:ext cx="7714317" cy="3022400"/>
+          </a:xfrm>
+          <a:prstGeom prst="rect">
+            <a:avLst/>
+          </a:prstGeom>
+        </p:spPr>
+      </p:pic>
+      <p:sp>
+        <p:nvSpPr>
+          <p:cNvPr id="32" name="Content Placeholder 31">
+            <a:extLst>
+              <a:ext uri="{FF2B5EF4-FFF2-40B4-BE49-F238E27FC236}">
+                <a16:creationId xmlns:a16="http://schemas.microsoft.com/office/drawing/2014/main" id="{5FF64A03-F24C-43E1-B1E4-986428A65E2D}"/>
+              </a:ext>
+            </a:extLst>
+          </p:cNvPr>
+          <p:cNvSpPr>
+            <a:spLocks noGrp="1"/>
+          </p:cNvSpPr>
+          <p:nvPr>
+            <p:ph sz="half" idx="1"/>
+          </p:nvPr>
+        </p:nvSpPr>
+        <p:spPr>
+          <a:xfrm>
+            <a:off x="442483" y="3963591"/>
+            <a:ext cx="3417677" cy="1940931"/>
+          </a:xfrm>
+        </p:spPr>
+        <p:txBody>
+          <a:bodyPr>
+            <a:normAutofit fontScale="85000" lnSpcReduction="20000"/>
+          </a:bodyPr>
+          <a:lstStyle/>
+          <a:p>
+            <a:pPr algn="r"/>
+            <a:r>
+              <a:rPr lang="en-US" sz="4800" dirty="0">
+                <a:latin typeface="+mj-lt"/>
+              </a:rPr>
+              <a:t>After Dimensionality Reduction (PCA)</a:t>
+            </a:r>
+          </a:p>
+        </p:txBody>
+      </p:sp>
+      <p:sp>
+        <p:nvSpPr>
+          <p:cNvPr id="34" name="Arrow: Down 33">
+            <a:extLst>
+              <a:ext uri="{FF2B5EF4-FFF2-40B4-BE49-F238E27FC236}">
+                <a16:creationId xmlns:a16="http://schemas.microsoft.com/office/drawing/2014/main" id="{17032EB8-4E74-4979-983B-2587378E4349}"/>
+              </a:ext>
+            </a:extLst>
+          </p:cNvPr>
+          <p:cNvSpPr/>
+          <p:nvPr/>
+        </p:nvSpPr>
+        <p:spPr>
+          <a:xfrm>
+            <a:off x="2398950" y="2380103"/>
+            <a:ext cx="618308" cy="1182224"/>
+          </a:xfrm>
+          <a:prstGeom prst="downArrow">
+            <a:avLst/>
+          </a:prstGeom>
+        </p:spPr>
+        <p:style>
+          <a:lnRef idx="2">
+            <a:schemeClr val="accent1">
+              <a:shade val="50000"/>
+            </a:schemeClr>
+          </a:lnRef>
+          <a:fillRef idx="1">
+            <a:schemeClr val="accent1"/>
+          </a:fillRef>
+          <a:effectRef idx="0">
+            <a:schemeClr val="accent1"/>
+          </a:effectRef>
+          <a:fontRef idx="minor">
+            <a:schemeClr val="lt1"/>
+          </a:fontRef>
+        </p:style>
+        <p:txBody>
+          <a:bodyPr rtlCol="0" anchor="ctr"/>
+          <a:lstStyle/>
+          <a:p>
+            <a:pPr algn="ctr"/>
+            <a:endParaRPr lang="en-US"/>
+          </a:p>
+        </p:txBody>
+      </p:sp>
+      <p:pic>
+        <p:nvPicPr>
+          <p:cNvPr id="36" name="Picture 35">
+            <a:extLst>
+              <a:ext uri="{FF2B5EF4-FFF2-40B4-BE49-F238E27FC236}">
+                <a16:creationId xmlns:a16="http://schemas.microsoft.com/office/drawing/2014/main" id="{F412721F-2196-4205-B83E-ED6BFF7C2798}"/>
+              </a:ext>
+            </a:extLst>
+          </p:cNvPr>
+          <p:cNvPicPr>
+            <a:picLocks noChangeAspect="1"/>
+          </p:cNvPicPr>
+          <p:nvPr/>
+        </p:nvPicPr>
+        <p:blipFill>
+          <a:blip r:embed="rId3"/>
+          <a:stretch>
+            <a:fillRect/>
+          </a:stretch>
+        </p:blipFill>
+        <p:spPr>
+          <a:xfrm>
+            <a:off x="4059933" y="3841403"/>
+            <a:ext cx="7714317" cy="2361317"/>
+          </a:xfrm>
+          <a:prstGeom prst="rect">
+            <a:avLst/>
+          </a:prstGeom>
+        </p:spPr>
+      </p:pic>
+      <p:sp>
+        <p:nvSpPr>
+          <p:cNvPr id="35" name="Rectangle: Rounded Corners 34">
+            <a:extLst>
+              <a:ext uri="{FF2B5EF4-FFF2-40B4-BE49-F238E27FC236}">
+                <a16:creationId xmlns:a16="http://schemas.microsoft.com/office/drawing/2014/main" id="{A2A7D85E-62DF-460B-B3F0-9F9ED263A2AA}"/>
+              </a:ext>
+            </a:extLst>
+          </p:cNvPr>
+          <p:cNvSpPr/>
+          <p:nvPr/>
+        </p:nvSpPr>
+        <p:spPr>
+          <a:xfrm>
+            <a:off x="4741555" y="3795768"/>
+            <a:ext cx="1589576" cy="2462560"/>
+          </a:xfrm>
+          <a:prstGeom prst="roundRect">
+            <a:avLst/>
+          </a:prstGeom>
+          <a:noFill/>
+          <a:ln w="38100"/>
+        </p:spPr>
+        <p:style>
+          <a:lnRef idx="2">
+            <a:schemeClr val="accent1">
+              <a:shade val="50000"/>
+            </a:schemeClr>
+          </a:lnRef>
+          <a:fillRef idx="1">
+            <a:schemeClr val="accent1"/>
+          </a:fillRef>
+          <a:effectRef idx="0">
+            <a:schemeClr val="accent1"/>
+          </a:effectRef>
+          <a:fontRef idx="minor">
+            <a:schemeClr val="lt1"/>
+          </a:fontRef>
+        </p:style>
+        <p:txBody>
+          <a:bodyPr rtlCol="0" anchor="ctr"/>
+          <a:lstStyle/>
+          <a:p>
+            <a:pPr algn="ctr"/>
+            <a:endParaRPr lang="en-US"/>
+          </a:p>
+        </p:txBody>
+      </p:sp>
+    </p:spTree>
+    <p:extLst>
+      <p:ext uri="{BB962C8B-B14F-4D97-AF65-F5344CB8AC3E}">
+        <p14:creationId xmlns:p14="http://schemas.microsoft.com/office/powerpoint/2010/main" val="1244846457"/>
+      </p:ext>
+    </p:extLst>
+  </p:cSld>
+  <p:clrMapOvr>
+    <a:masterClrMapping/>
+  </p:clrMapOvr>
+</p:sld>
+</file>
+
+<file path=ppt/slides/slide5.xml><?xml version="1.0" encoding="utf-8"?>
+<p:sld xmlns:a="http://schemas.openxmlformats.org/drawingml/2006/main" xmlns:r="http://schemas.openxmlformats.org/officeDocument/2006/relationships" xmlns:p="http://schemas.openxmlformats.org/presentationml/2006/main">
+  <p:cSld>
+    <p:bg>
+      <p:bgPr>
+        <a:solidFill>
+          <a:schemeClr val="bg1"/>
+        </a:solidFill>
+        <a:effectLst/>
+      </p:bgPr>
+    </p:bg>
+    <p:spTree>
+      <p:nvGrpSpPr>
+        <p:cNvPr id="1" name=""/>
+        <p:cNvGrpSpPr/>
+        <p:nvPr/>
+      </p:nvGrpSpPr>
+      <p:grpSpPr>
+        <a:xfrm>
+          <a:off x="0" y="0"/>
+          <a:ext cx="0" cy="0"/>
+          <a:chOff x="0" y="0"/>
+          <a:chExt cx="0" cy="0"/>
+        </a:xfrm>
+      </p:grpSpPr>
+      <p:pic>
+        <p:nvPicPr>
+          <p:cNvPr id="1026" name="Picture 2">
+            <a:extLst>
+              <a:ext uri="{FF2B5EF4-FFF2-40B4-BE49-F238E27FC236}">
+                <a16:creationId xmlns:a16="http://schemas.microsoft.com/office/drawing/2014/main" id="{6AD8BD24-FA69-45D2-848E-19C1E106F138}"/>
+              </a:ext>
+            </a:extLst>
+          </p:cNvPr>
+          <p:cNvPicPr>
+            <a:picLocks noChangeAspect="1" noChangeArrowheads="1"/>
+          </p:cNvPicPr>
+          <p:nvPr/>
+        </p:nvPicPr>
+        <p:blipFill>
+          <a:blip r:embed="rId2">
+            <a:extLst>
+              <a:ext uri="{28A0092B-C50C-407E-A947-70E740481C1C}">
+                <a14:useLocalDpi xmlns:a14="http://schemas.microsoft.com/office/drawing/2010/main" val="0"/>
+              </a:ext>
+            </a:extLst>
+          </a:blip>
+          <a:stretch>
+            <a:fillRect/>
+          </a:stretch>
+        </p:blipFill>
+        <p:spPr bwMode="auto">
+          <a:xfrm>
+            <a:off x="5146767" y="670115"/>
+            <a:ext cx="5782490" cy="5517770"/>
+          </a:xfrm>
+          <a:prstGeom prst="rect">
+            <a:avLst/>
+          </a:prstGeom>
+          <a:noFill/>
+          <a:extLst>
+            <a:ext uri="{909E8E84-426E-40DD-AFC4-6F175D3DCCD1}">
+              <a14:hiddenFill xmlns:a14="http://schemas.microsoft.com/office/drawing/2010/main">
+                <a:solidFill>
+                  <a:srgbClr val="FFFFFF"/>
+                </a:solidFill>
+              </a14:hiddenFill>
+            </a:ext>
+          </a:extLst>
+        </p:spPr>
+      </p:pic>
+      <p:sp>
+        <p:nvSpPr>
+          <p:cNvPr id="7" name="Title 6">
+            <a:extLst>
+              <a:ext uri="{FF2B5EF4-FFF2-40B4-BE49-F238E27FC236}">
+                <a16:creationId xmlns:a16="http://schemas.microsoft.com/office/drawing/2014/main" id="{B8B23477-263B-4F40-A95A-50C3FE99F075}"/>
+              </a:ext>
+            </a:extLst>
+          </p:cNvPr>
+          <p:cNvSpPr>
+            <a:spLocks noGrp="1"/>
+          </p:cNvSpPr>
+          <p:nvPr>
+            <p:ph type="title"/>
+          </p:nvPr>
+        </p:nvSpPr>
+        <p:spPr/>
+        <p:txBody>
+          <a:bodyPr/>
+          <a:lstStyle/>
+          <a:p>
+            <a:pPr algn="ctr"/>
+            <a:r>
+              <a:rPr lang="en-US" dirty="0"/>
+              <a:t>PCA Visualization </a:t>
+            </a:r>
+          </a:p>
+        </p:txBody>
+      </p:sp>
+      <p:sp>
+        <p:nvSpPr>
+          <p:cNvPr id="9" name="Text Placeholder 8">
+            <a:extLst>
+              <a:ext uri="{FF2B5EF4-FFF2-40B4-BE49-F238E27FC236}">
+                <a16:creationId xmlns:a16="http://schemas.microsoft.com/office/drawing/2014/main" id="{C2D21328-90D1-4762-B121-44348610E387}"/>
+              </a:ext>
+            </a:extLst>
+          </p:cNvPr>
+          <p:cNvSpPr>
+            <a:spLocks noGrp="1"/>
+          </p:cNvSpPr>
+          <p:nvPr>
+            <p:ph type="body" sz="half" idx="2"/>
+          </p:nvPr>
+        </p:nvSpPr>
+        <p:spPr/>
+        <p:txBody>
+          <a:bodyPr/>
+          <a:lstStyle/>
+          <a:p>
+            <a:pPr algn="ctr"/>
+            <a:endParaRPr lang="en-US" dirty="0"/>
+          </a:p>
+          <a:p>
+            <a:pPr algn="ctr"/>
+            <a:r>
+              <a:rPr lang="en-US" dirty="0"/>
+              <a:t>Using Components 1 &amp; 2</a:t>
+            </a:r>
+          </a:p>
+        </p:txBody>
+      </p:sp>
+    </p:spTree>
+    <p:extLst>
+      <p:ext uri="{BB962C8B-B14F-4D97-AF65-F5344CB8AC3E}">
+        <p14:creationId xmlns:p14="http://schemas.microsoft.com/office/powerpoint/2010/main" val="196559908"/>
+      </p:ext>
+    </p:extLst>
+  </p:cSld>
+  <p:clrMapOvr>
+    <a:masterClrMapping/>
+  </p:clrMapOvr>
+</p:sld>
+</file>
+
+<file path=ppt/slides/slide6.xml><?xml version="1.0" encoding="utf-8"?>
+<p:sld xmlns:a="http://schemas.openxmlformats.org/drawingml/2006/main" xmlns:r="http://schemas.openxmlformats.org/officeDocument/2006/relationships" xmlns:p="http://schemas.openxmlformats.org/presentationml/2006/main">
+  <p:cSld>
+    <p:spTree>
+      <p:nvGrpSpPr>
+        <p:cNvPr id="1" name=""/>
+        <p:cNvGrpSpPr/>
+        <p:nvPr/>
+      </p:nvGrpSpPr>
+      <p:grpSpPr>
+        <a:xfrm>
+          <a:off x="0" y="0"/>
+          <a:ext cx="0" cy="0"/>
+          <a:chOff x="0" y="0"/>
+          <a:chExt cx="0" cy="0"/>
+        </a:xfrm>
+      </p:grpSpPr>
+      <p:sp>
+        <p:nvSpPr>
           <p:cNvPr id="2" name="Title 1">
             <a:extLst>
               <a:ext uri="{FF2B5EF4-FFF2-40B4-BE49-F238E27FC236}">
@@ -5077,29 +7578,25 @@
             <p:ph type="title"/>
           </p:nvPr>
         </p:nvSpPr>
-        <p:spPr>
-          <a:xfrm>
-            <a:off x="838200" y="365125"/>
-            <a:ext cx="10515600" cy="1325563"/>
-          </a:xfrm>
-        </p:spPr>
+        <p:spPr/>
         <p:txBody>
           <a:bodyPr/>
           <a:lstStyle/>
           <a:p>
+            <a:pPr algn="ctr"/>
             <a:r>
               <a:rPr lang="en-US" dirty="0"/>
-              <a:t>Data Prep</a:t>
-            </a:r>
-          </a:p>
-        </p:txBody>
-      </p:sp>
-      <p:sp>
-        <p:nvSpPr>
-          <p:cNvPr id="3" name="Content Placeholder 2">
+              <a:t>K Means Clustering Results</a:t>
+            </a:r>
+          </a:p>
+        </p:txBody>
+      </p:sp>
+      <p:sp>
+        <p:nvSpPr>
+          <p:cNvPr id="8" name="Text Placeholder 7">
             <a:extLst>
               <a:ext uri="{FF2B5EF4-FFF2-40B4-BE49-F238E27FC236}">
-                <a16:creationId xmlns:a16="http://schemas.microsoft.com/office/drawing/2014/main" id="{2322E3A5-AD3C-413A-AF2C-8C2DA980445C}"/>
+                <a16:creationId xmlns:a16="http://schemas.microsoft.com/office/drawing/2014/main" id="{B9256F2C-D951-4AE3-AA09-37EAE017F760}"/>
               </a:ext>
             </a:extLst>
           </p:cNvPr>
@@ -5107,7 +7604,7 @@
             <a:spLocks noGrp="1"/>
           </p:cNvSpPr>
           <p:nvPr>
-            <p:ph sz="half" idx="1"/>
+            <p:ph type="body" sz="half" idx="2"/>
           </p:nvPr>
         </p:nvSpPr>
         <p:spPr/>
@@ -5115,62 +7612,52 @@
           <a:bodyPr/>
           <a:lstStyle/>
           <a:p>
+            <a:endParaRPr lang="en-US" dirty="0"/>
+          </a:p>
+          <a:p>
             <a:r>
               <a:rPr lang="en-US" dirty="0"/>
-              <a:t>Data Normalization </a:t>
-            </a:r>
-          </a:p>
-          <a:p>
-            <a:pPr lvl="1"/>
+              <a:t>Silhouette Score = 0.27 / 1.00</a:t>
+            </a:r>
+          </a:p>
+          <a:p>
             <a:r>
               <a:rPr lang="en-US" dirty="0"/>
-              <a:t>Preferred when running clustering</a:t>
+              <a:t>Not the Best Score</a:t>
             </a:r>
           </a:p>
           <a:p>
             <a:r>
               <a:rPr lang="en-US" dirty="0"/>
-              <a:t>PCA </a:t>
-            </a:r>
-          </a:p>
-          <a:p>
-            <a:pPr lvl="1"/>
+              <a:t>Limitations of </a:t>
+            </a:r>
+            <a:r>
+              <a:rPr lang="en-US" dirty="0" err="1"/>
+              <a:t>Kmeans</a:t>
+            </a:r>
             <a:r>
               <a:rPr lang="en-US" dirty="0"/>
-              <a:t>Simple way to represent multi-dimensional data</a:t>
-            </a:r>
-          </a:p>
-          <a:p>
-            <a:pPr lvl="1"/>
-            <a:r>
-              <a:rPr lang="en-US" dirty="0"/>
-              <a:t>Result is on the right</a:t>
-            </a:r>
-          </a:p>
-          <a:p>
-            <a:pPr lvl="1"/>
-            <a:r>
-              <a:rPr lang="en-US" dirty="0"/>
-              <a:t>We can see some potential clusters already</a:t>
-            </a:r>
+              <a:t> Algorithm </a:t>
+            </a:r>
+          </a:p>
+          <a:p>
+            <a:endParaRPr lang="en-US" dirty="0"/>
           </a:p>
         </p:txBody>
       </p:sp>
       <p:pic>
         <p:nvPicPr>
-          <p:cNvPr id="2050" name="Picture 2">
+          <p:cNvPr id="10" name="Picture 2">
             <a:extLst>
               <a:ext uri="{FF2B5EF4-FFF2-40B4-BE49-F238E27FC236}">
-                <a16:creationId xmlns:a16="http://schemas.microsoft.com/office/drawing/2014/main" id="{7DE65C28-E714-4CC4-B698-3A5950EB2B77}"/>
+                <a16:creationId xmlns:a16="http://schemas.microsoft.com/office/drawing/2014/main" id="{D023F900-ECC9-46AA-A726-EBEDA7F3A833}"/>
               </a:ext>
             </a:extLst>
           </p:cNvPr>
           <p:cNvPicPr>
-            <a:picLocks noGrp="1" noChangeAspect="1" noChangeArrowheads="1"/>
+            <a:picLocks noChangeAspect="1" noChangeArrowheads="1"/>
           </p:cNvPicPr>
-          <p:nvPr>
-            <p:ph sz="half" idx="2"/>
-          </p:nvPr>
+          <p:nvPr/>
         </p:nvPicPr>
         <p:blipFill>
           <a:blip r:embed="rId2">
@@ -5187,8 +7674,8 @@
         </p:blipFill>
         <p:spPr bwMode="auto">
           <a:xfrm>
-            <a:off x="6543467" y="1825625"/>
-            <a:ext cx="4439066" cy="4351338"/>
+            <a:off x="5189778" y="670115"/>
+            <a:ext cx="5783021" cy="5517769"/>
           </a:xfrm>
           <a:prstGeom prst="rect">
             <a:avLst/>
@@ -5218,9 +7705,17 @@
 </p:sld>
 </file>
 
-<file path=ppt/slides/slide5.xml><?xml version="1.0" encoding="utf-8"?>
+<file path=ppt/slides/slide7.xml><?xml version="1.0" encoding="utf-8"?>
 <p:sld xmlns:a="http://schemas.openxmlformats.org/drawingml/2006/main" xmlns:r="http://schemas.openxmlformats.org/officeDocument/2006/relationships" xmlns:p="http://schemas.openxmlformats.org/presentationml/2006/main">
   <p:cSld>
+    <p:bg>
+      <p:bgPr>
+        <a:solidFill>
+          <a:schemeClr val="bg1"/>
+        </a:solidFill>
+        <a:effectLst/>
+      </p:bgPr>
+    </p:bg>
     <p:spTree>
       <p:nvGrpSpPr>
         <p:cNvPr id="1" name=""/>
@@ -5237,6 +7732,286 @@
       </p:grpSpPr>
       <p:sp>
         <p:nvSpPr>
+          <p:cNvPr id="137" name="Rectangle 136">
+            <a:extLst>
+              <a:ext uri="{FF2B5EF4-FFF2-40B4-BE49-F238E27FC236}">
+                <a16:creationId xmlns:a16="http://schemas.microsoft.com/office/drawing/2014/main" id="{7D379150-F6B4-45C8-BE10-6B278AD400EB}"/>
+              </a:ext>
+              <a:ext uri="{C183D7F6-B498-43B3-948B-1728B52AA6E4}">
+                <adec:decorative xmlns:adec="http://schemas.microsoft.com/office/drawing/2017/decorative" val="1"/>
+              </a:ext>
+            </a:extLst>
+          </p:cNvPr>
+          <p:cNvSpPr>
+            <a:spLocks noGrp="1" noRot="1" noChangeAspect="1" noMove="1" noResize="1" noEditPoints="1" noAdjustHandles="1" noChangeArrowheads="1" noChangeShapeType="1" noTextEdit="1"/>
+          </p:cNvSpPr>
+          <p:nvPr>
+            <p:extLst>
+              <p:ext uri="{386F3935-93C4-4BCD-93E2-E3B085C9AB24}">
+                <p16:designElem xmlns:p16="http://schemas.microsoft.com/office/powerpoint/2015/main" val="1"/>
+              </p:ext>
+            </p:extLst>
+          </p:nvPr>
+        </p:nvSpPr>
+        <p:spPr>
+          <a:xfrm>
+            <a:off x="1" y="6400800"/>
+            <a:ext cx="12192000" cy="457200"/>
+          </a:xfrm>
+          <a:prstGeom prst="rect">
+            <a:avLst/>
+          </a:prstGeom>
+          <a:solidFill>
+            <a:schemeClr val="accent2"/>
+          </a:solidFill>
+          <a:ln>
+            <a:noFill/>
+          </a:ln>
+        </p:spPr>
+        <p:style>
+          <a:lnRef idx="2">
+            <a:schemeClr val="accent1">
+              <a:shade val="50000"/>
+            </a:schemeClr>
+          </a:lnRef>
+          <a:fillRef idx="1">
+            <a:schemeClr val="accent1"/>
+          </a:fillRef>
+          <a:effectRef idx="0">
+            <a:schemeClr val="accent1"/>
+          </a:effectRef>
+          <a:fontRef idx="minor">
+            <a:schemeClr val="lt1"/>
+          </a:fontRef>
+        </p:style>
+      </p:sp>
+      <p:sp>
+        <p:nvSpPr>
+          <p:cNvPr id="139" name="Rectangle 138">
+            <a:extLst>
+              <a:ext uri="{FF2B5EF4-FFF2-40B4-BE49-F238E27FC236}">
+                <a16:creationId xmlns:a16="http://schemas.microsoft.com/office/drawing/2014/main" id="{5FFCF544-A370-4A5D-A95F-CA6E0E7191E6}"/>
+              </a:ext>
+              <a:ext uri="{C183D7F6-B498-43B3-948B-1728B52AA6E4}">
+                <adec:decorative xmlns:adec="http://schemas.microsoft.com/office/drawing/2017/decorative" val="1"/>
+              </a:ext>
+            </a:extLst>
+          </p:cNvPr>
+          <p:cNvSpPr>
+            <a:spLocks noGrp="1" noRot="1" noChangeAspect="1" noMove="1" noResize="1" noEditPoints="1" noAdjustHandles="1" noChangeArrowheads="1" noChangeShapeType="1" noTextEdit="1"/>
+          </p:cNvSpPr>
+          <p:nvPr>
+            <p:extLst>
+              <p:ext uri="{386F3935-93C4-4BCD-93E2-E3B085C9AB24}">
+                <p16:designElem xmlns:p16="http://schemas.microsoft.com/office/powerpoint/2015/main" val="1"/>
+              </p:ext>
+            </p:extLst>
+          </p:nvPr>
+        </p:nvSpPr>
+        <p:spPr>
+          <a:xfrm>
+            <a:off x="0" y="6334316"/>
+            <a:ext cx="12192001" cy="65998"/>
+          </a:xfrm>
+          <a:prstGeom prst="rect">
+            <a:avLst/>
+          </a:prstGeom>
+          <a:solidFill>
+            <a:schemeClr val="accent1"/>
+          </a:solidFill>
+          <a:ln>
+            <a:noFill/>
+          </a:ln>
+        </p:spPr>
+        <p:style>
+          <a:lnRef idx="2">
+            <a:schemeClr val="accent1">
+              <a:shade val="50000"/>
+            </a:schemeClr>
+          </a:lnRef>
+          <a:fillRef idx="1">
+            <a:schemeClr val="accent1"/>
+          </a:fillRef>
+          <a:effectRef idx="0">
+            <a:schemeClr val="accent1"/>
+          </a:effectRef>
+          <a:fontRef idx="minor">
+            <a:schemeClr val="lt1"/>
+          </a:fontRef>
+        </p:style>
+      </p:sp>
+      <p:cxnSp>
+        <p:nvCxnSpPr>
+          <p:cNvPr id="141" name="Straight Connector 140">
+            <a:extLst>
+              <a:ext uri="{FF2B5EF4-FFF2-40B4-BE49-F238E27FC236}">
+                <a16:creationId xmlns:a16="http://schemas.microsoft.com/office/drawing/2014/main" id="{6EEB3B97-A638-498B-8083-54191CE71E01}"/>
+              </a:ext>
+              <a:ext uri="{C183D7F6-B498-43B3-948B-1728B52AA6E4}">
+                <adec:decorative xmlns:adec="http://schemas.microsoft.com/office/drawing/2017/decorative" val="1"/>
+              </a:ext>
+            </a:extLst>
+          </p:cNvPr>
+          <p:cNvCxnSpPr>
+            <a:cxnSpLocks noGrp="1" noRot="1" noChangeAspect="1" noMove="1" noResize="1" noEditPoints="1" noAdjustHandles="1" noChangeArrowheads="1" noChangeShapeType="1"/>
+          </p:cNvCxnSpPr>
+          <p:nvPr>
+            <p:extLst>
+              <p:ext uri="{386F3935-93C4-4BCD-93E2-E3B085C9AB24}">
+                <p16:designElem xmlns:p16="http://schemas.microsoft.com/office/powerpoint/2015/main" val="1"/>
+              </p:ext>
+            </p:extLst>
+          </p:nvPr>
+        </p:nvCxnSpPr>
+        <p:spPr>
+          <a:xfrm>
+            <a:off x="1193532" y="1737845"/>
+            <a:ext cx="9966960" cy="0"/>
+          </a:xfrm>
+          <a:prstGeom prst="line">
+            <a:avLst/>
+          </a:prstGeom>
+          <a:ln w="6350">
+            <a:solidFill>
+              <a:schemeClr val="tx1">
+                <a:lumMod val="50000"/>
+                <a:lumOff val="50000"/>
+              </a:schemeClr>
+            </a:solidFill>
+          </a:ln>
+        </p:spPr>
+        <p:style>
+          <a:lnRef idx="1">
+            <a:schemeClr val="accent1"/>
+          </a:lnRef>
+          <a:fillRef idx="0">
+            <a:schemeClr val="accent1"/>
+          </a:fillRef>
+          <a:effectRef idx="0">
+            <a:schemeClr val="accent1"/>
+          </a:effectRef>
+          <a:fontRef idx="minor">
+            <a:schemeClr val="tx1"/>
+          </a:fontRef>
+        </p:style>
+      </p:cxnSp>
+      <p:sp useBgFill="1">
+        <p:nvSpPr>
+          <p:cNvPr id="143" name="Rectangle 142">
+            <a:extLst>
+              <a:ext uri="{FF2B5EF4-FFF2-40B4-BE49-F238E27FC236}">
+                <a16:creationId xmlns:a16="http://schemas.microsoft.com/office/drawing/2014/main" id="{44CC594A-A820-450F-B363-C19201FCFEC6}"/>
+              </a:ext>
+              <a:ext uri="{C183D7F6-B498-43B3-948B-1728B52AA6E4}">
+                <adec:decorative xmlns:adec="http://schemas.microsoft.com/office/drawing/2017/decorative" val="1"/>
+              </a:ext>
+            </a:extLst>
+          </p:cNvPr>
+          <p:cNvSpPr>
+            <a:spLocks noGrp="1" noRot="1" noChangeAspect="1" noMove="1" noResize="1" noEditPoints="1" noAdjustHandles="1" noChangeArrowheads="1" noChangeShapeType="1" noTextEdit="1"/>
+          </p:cNvSpPr>
+          <p:nvPr>
+            <p:extLst>
+              <p:ext uri="{386F3935-93C4-4BCD-93E2-E3B085C9AB24}">
+                <p16:designElem xmlns:p16="http://schemas.microsoft.com/office/powerpoint/2015/main" val="1"/>
+              </p:ext>
+            </p:extLst>
+          </p:nvPr>
+        </p:nvSpPr>
+        <p:spPr>
+          <a:xfrm>
+            <a:off x="0" y="0"/>
+            <a:ext cx="12186315" cy="6858000"/>
+          </a:xfrm>
+          <a:prstGeom prst="rect">
+            <a:avLst/>
+          </a:prstGeom>
+          <a:ln>
+            <a:noFill/>
+          </a:ln>
+        </p:spPr>
+        <p:style>
+          <a:lnRef idx="2">
+            <a:schemeClr val="accent6">
+              <a:shade val="50000"/>
+            </a:schemeClr>
+          </a:lnRef>
+          <a:fillRef idx="1001">
+            <a:schemeClr val="lt1"/>
+          </a:fillRef>
+          <a:effectRef idx="0">
+            <a:schemeClr val="accent6"/>
+          </a:effectRef>
+          <a:fontRef idx="minor">
+            <a:schemeClr val="lt1"/>
+          </a:fontRef>
+        </p:style>
+        <p:txBody>
+          <a:bodyPr rtlCol="0" anchor="ctr"/>
+          <a:lstStyle/>
+          <a:p>
+            <a:pPr algn="ctr"/>
+            <a:endParaRPr lang="en-US"/>
+          </a:p>
+        </p:txBody>
+      </p:sp>
+      <p:sp>
+        <p:nvSpPr>
+          <p:cNvPr id="145" name="Rectangle 144">
+            <a:extLst>
+              <a:ext uri="{FF2B5EF4-FFF2-40B4-BE49-F238E27FC236}">
+                <a16:creationId xmlns:a16="http://schemas.microsoft.com/office/drawing/2014/main" id="{59FAB3DA-E9ED-4574-ABCC-378BC0FF1BBC}"/>
+              </a:ext>
+              <a:ext uri="{C183D7F6-B498-43B3-948B-1728B52AA6E4}">
+                <adec:decorative xmlns:adec="http://schemas.microsoft.com/office/drawing/2017/decorative" val="1"/>
+              </a:ext>
+            </a:extLst>
+          </p:cNvPr>
+          <p:cNvSpPr>
+            <a:spLocks noGrp="1" noRot="1" noChangeAspect="1" noMove="1" noResize="1" noEditPoints="1" noAdjustHandles="1" noChangeArrowheads="1" noChangeShapeType="1" noTextEdit="1"/>
+          </p:cNvSpPr>
+          <p:nvPr>
+            <p:extLst>
+              <p:ext uri="{386F3935-93C4-4BCD-93E2-E3B085C9AB24}">
+                <p16:designElem xmlns:p16="http://schemas.microsoft.com/office/powerpoint/2015/main" val="1"/>
+              </p:ext>
+            </p:extLst>
+          </p:nvPr>
+        </p:nvSpPr>
+        <p:spPr>
+          <a:xfrm>
+            <a:off x="16" y="0"/>
+            <a:ext cx="4050791" cy="6858000"/>
+          </a:xfrm>
+          <a:prstGeom prst="rect">
+            <a:avLst/>
+          </a:prstGeom>
+          <a:solidFill>
+            <a:schemeClr val="accent2"/>
+          </a:solidFill>
+          <a:ln>
+            <a:noFill/>
+          </a:ln>
+        </p:spPr>
+        <p:style>
+          <a:lnRef idx="2">
+            <a:schemeClr val="accent1">
+              <a:shade val="50000"/>
+            </a:schemeClr>
+          </a:lnRef>
+          <a:fillRef idx="1">
+            <a:schemeClr val="accent1"/>
+          </a:fillRef>
+          <a:effectRef idx="0">
+            <a:schemeClr val="accent1"/>
+          </a:effectRef>
+          <a:fontRef idx="minor">
+            <a:schemeClr val="lt1"/>
+          </a:fontRef>
+        </p:style>
+      </p:sp>
+      <p:sp>
+        <p:nvSpPr>
           <p:cNvPr id="2" name="Title 1">
             <a:extLst>
               <a:ext uri="{FF2B5EF4-FFF2-40B4-BE49-F238E27FC236}">
@@ -5251,78 +8026,238 @@
             <p:ph type="title"/>
           </p:nvPr>
         </p:nvSpPr>
-        <p:spPr/>
-        <p:txBody>
-          <a:bodyPr/>
+        <p:spPr>
+          <a:xfrm>
+            <a:off x="492370" y="516835"/>
+            <a:ext cx="3084844" cy="2103875"/>
+          </a:xfrm>
+        </p:spPr>
+        <p:txBody>
+          <a:bodyPr vert="horz" lIns="91440" tIns="45720" rIns="91440" bIns="45720" rtlCol="0" anchor="b">
+            <a:normAutofit/>
+          </a:bodyPr>
           <a:lstStyle/>
           <a:p>
             <a:r>
-              <a:rPr lang="en-US" dirty="0"/>
-              <a:t>Results: </a:t>
-            </a:r>
-            <a:r>
-              <a:rPr lang="en-US" dirty="0" err="1"/>
-              <a:t>KMeans</a:t>
-            </a:r>
-            <a:r>
-              <a:rPr lang="en-US" dirty="0"/>
-              <a:t>, score: 0.27</a:t>
-            </a:r>
-          </a:p>
-        </p:txBody>
-      </p:sp>
-      <p:pic>
-        <p:nvPicPr>
-          <p:cNvPr id="1026" name="Picture 2">
+              <a:rPr lang="en-US" sz="3600">
+                <a:solidFill>
+                  <a:srgbClr val="FFFFFF"/>
+                </a:solidFill>
+              </a:rPr>
+              <a:t>Results</a:t>
+            </a:r>
+          </a:p>
+        </p:txBody>
+      </p:sp>
+      <p:sp>
+        <p:nvSpPr>
+          <p:cNvPr id="4" name="Content Placeholder 3">
             <a:extLst>
               <a:ext uri="{FF2B5EF4-FFF2-40B4-BE49-F238E27FC236}">
-                <a16:creationId xmlns:a16="http://schemas.microsoft.com/office/drawing/2014/main" id="{ECAA9626-DCE5-4396-B328-276D6D33AED8}"/>
+                <a16:creationId xmlns:a16="http://schemas.microsoft.com/office/drawing/2014/main" id="{AE2F01B3-597B-46D7-B9D0-F01F32F8E4B0}"/>
               </a:ext>
             </a:extLst>
           </p:cNvPr>
-          <p:cNvPicPr>
-            <a:picLocks noGrp="1" noChangeAspect="1" noChangeArrowheads="1"/>
-          </p:cNvPicPr>
-          <p:nvPr>
-            <p:ph idx="1"/>
-          </p:nvPr>
-        </p:nvPicPr>
-        <p:blipFill>
-          <a:blip r:embed="rId2">
+          <p:cNvSpPr>
+            <a:spLocks noGrp="1"/>
+          </p:cNvSpPr>
+          <p:nvPr>
+            <p:ph sz="half" idx="1"/>
+          </p:nvPr>
+        </p:nvSpPr>
+        <p:spPr>
+          <a:xfrm>
+            <a:off x="492371" y="2653800"/>
+            <a:ext cx="3084844" cy="3335519"/>
+          </a:xfrm>
+        </p:spPr>
+        <p:txBody>
+          <a:bodyPr vert="horz" lIns="0" tIns="45720" rIns="0" bIns="45720" rtlCol="0">
+            <a:normAutofit/>
+          </a:bodyPr>
+          <a:lstStyle/>
+          <a:p>
+            <a:pPr marL="0" indent="0">
+              <a:buFont typeface="Calibri" panose="020F0502020204030204" pitchFamily="34" charset="0"/>
+              <a:buNone/>
+            </a:pPr>
+            <a:endParaRPr lang="en-US" sz="1500" dirty="0">
+              <a:solidFill>
+                <a:srgbClr val="FFFFFF"/>
+              </a:solidFill>
+            </a:endParaRPr>
+          </a:p>
+          <a:p>
+            <a:pPr>
+              <a:buFont typeface="Calibri" panose="020F0502020204030204" pitchFamily="34" charset="0"/>
+              <a:buChar char="•"/>
+            </a:pPr>
+            <a:r>
+              <a:rPr lang="en-US" sz="1500" dirty="0">
+                <a:solidFill>
+                  <a:srgbClr val="FFFFFF"/>
+                </a:solidFill>
+              </a:rPr>
+              <a:t> Cluster 0:</a:t>
+            </a:r>
+          </a:p>
+          <a:p>
+            <a:pPr lvl="1">
+              <a:buFont typeface="Calibri" panose="020F0502020204030204" pitchFamily="34" charset="0"/>
+              <a:buChar char="•"/>
+            </a:pPr>
+            <a:r>
+              <a:rPr lang="en-US" sz="1500" u="sng" dirty="0">
+                <a:solidFill>
+                  <a:srgbClr val="FFFFFF"/>
+                </a:solidFill>
+              </a:rPr>
+              <a:t>Decrease</a:t>
+            </a:r>
+            <a:r>
+              <a:rPr lang="en-US" sz="1500" dirty="0">
+                <a:solidFill>
+                  <a:srgbClr val="FFFFFF"/>
+                </a:solidFill>
+              </a:rPr>
+              <a:t> in funding</a:t>
+            </a:r>
+          </a:p>
+          <a:p>
+            <a:pPr>
+              <a:buFont typeface="Calibri" panose="020F0502020204030204" pitchFamily="34" charset="0"/>
+              <a:buChar char="•"/>
+            </a:pPr>
+            <a:r>
+              <a:rPr lang="en-US" sz="1500" dirty="0">
+                <a:solidFill>
+                  <a:srgbClr val="FFFFFF"/>
+                </a:solidFill>
+              </a:rPr>
+              <a:t> Cluster 1:</a:t>
+            </a:r>
+          </a:p>
+          <a:p>
+            <a:pPr lvl="1">
+              <a:buFont typeface="Calibri" panose="020F0502020204030204" pitchFamily="34" charset="0"/>
+              <a:buChar char="•"/>
+            </a:pPr>
+            <a:r>
+              <a:rPr lang="en-US" sz="1500" u="sng" dirty="0">
+                <a:solidFill>
+                  <a:srgbClr val="FFFFFF"/>
+                </a:solidFill>
+              </a:rPr>
+              <a:t>Increase</a:t>
+            </a:r>
+            <a:r>
+              <a:rPr lang="en-US" sz="1500" dirty="0">
+                <a:solidFill>
+                  <a:srgbClr val="FFFFFF"/>
+                </a:solidFill>
+              </a:rPr>
+              <a:t> in funding</a:t>
+            </a:r>
+          </a:p>
+          <a:p>
+            <a:pPr lvl="1">
+              <a:buFont typeface="Calibri" panose="020F0502020204030204" pitchFamily="34" charset="0"/>
+              <a:buChar char="•"/>
+            </a:pPr>
+            <a:endParaRPr lang="en-US" sz="1500" dirty="0">
+              <a:solidFill>
+                <a:srgbClr val="FFFFFF"/>
+              </a:solidFill>
+            </a:endParaRPr>
+          </a:p>
+          <a:p>
+            <a:pPr>
+              <a:buFont typeface="Calibri" panose="020F0502020204030204" pitchFamily="34" charset="0"/>
+              <a:buChar char="•"/>
+            </a:pPr>
+            <a:r>
+              <a:rPr lang="en-US" sz="1500" dirty="0">
+                <a:solidFill>
+                  <a:srgbClr val="FFFFFF"/>
+                </a:solidFill>
+              </a:rPr>
+              <a:t> Confidence Intervals overlap!</a:t>
+            </a:r>
+          </a:p>
+          <a:p>
+            <a:pPr lvl="1">
+              <a:buFont typeface="Calibri" panose="020F0502020204030204" pitchFamily="34" charset="0"/>
+              <a:buChar char="•"/>
+            </a:pPr>
+            <a:r>
+              <a:rPr lang="en-US" sz="1500" dirty="0">
+                <a:solidFill>
+                  <a:srgbClr val="FFFFFF"/>
+                </a:solidFill>
+              </a:rPr>
+              <a:t>Too much noise</a:t>
+            </a:r>
+          </a:p>
+        </p:txBody>
+      </p:sp>
+      <p:sp>
+        <p:nvSpPr>
+          <p:cNvPr id="147" name="Rectangle 146">
             <a:extLst>
-              <a:ext uri="{28A0092B-C50C-407E-A947-70E740481C1C}">
-                <a14:useLocalDpi xmlns:a14="http://schemas.microsoft.com/office/drawing/2010/main" val="0"/>
+              <a:ext uri="{FF2B5EF4-FFF2-40B4-BE49-F238E27FC236}">
+                <a16:creationId xmlns:a16="http://schemas.microsoft.com/office/drawing/2014/main" id="{53B8D6B0-55D6-48DC-86D8-FD95D5F118AB}"/>
+              </a:ext>
+              <a:ext uri="{C183D7F6-B498-43B3-948B-1728B52AA6E4}">
+                <adec:decorative xmlns:adec="http://schemas.microsoft.com/office/drawing/2017/decorative" val="1"/>
               </a:ext>
             </a:extLst>
-          </a:blip>
-          <a:srcRect/>
-          <a:stretch>
-            <a:fillRect/>
-          </a:stretch>
-        </p:blipFill>
-        <p:spPr bwMode="auto">
+          </p:cNvPr>
+          <p:cNvSpPr>
+            <a:spLocks noGrp="1" noRot="1" noChangeAspect="1" noMove="1" noResize="1" noEditPoints="1" noAdjustHandles="1" noChangeArrowheads="1" noChangeShapeType="1" noTextEdit="1"/>
+          </p:cNvSpPr>
+          <p:nvPr>
+            <p:extLst>
+              <p:ext uri="{386F3935-93C4-4BCD-93E2-E3B085C9AB24}">
+                <p16:designElem xmlns:p16="http://schemas.microsoft.com/office/powerpoint/2015/main" val="1"/>
+              </p:ext>
+            </p:extLst>
+          </p:nvPr>
+        </p:nvSpPr>
+        <p:spPr>
           <a:xfrm>
-            <a:off x="670560" y="1401655"/>
-            <a:ext cx="4917851" cy="4820661"/>
+            <a:off x="4040071" y="0"/>
+            <a:ext cx="64008" cy="6858000"/>
           </a:xfrm>
           <a:prstGeom prst="rect">
             <a:avLst/>
           </a:prstGeom>
-          <a:noFill/>
-          <a:extLst>
-            <a:ext uri="{909E8E84-426E-40DD-AFC4-6F175D3DCCD1}">
-              <a14:hiddenFill xmlns:a14="http://schemas.microsoft.com/office/drawing/2010/main">
-                <a:solidFill>
-                  <a:srgbClr val="FFFFFF"/>
-                </a:solidFill>
-              </a14:hiddenFill>
-            </a:ext>
-          </a:extLst>
+          <a:solidFill>
+            <a:schemeClr val="accent1"/>
+          </a:solidFill>
+          <a:ln>
+            <a:noFill/>
+          </a:ln>
         </p:spPr>
-      </p:pic>
+        <p:style>
+          <a:lnRef idx="2">
+            <a:schemeClr val="accent1">
+              <a:shade val="50000"/>
+            </a:schemeClr>
+          </a:lnRef>
+          <a:fillRef idx="1">
+            <a:schemeClr val="accent1"/>
+          </a:fillRef>
+          <a:effectRef idx="0">
+            <a:schemeClr val="accent1"/>
+          </a:effectRef>
+          <a:fontRef idx="minor">
+            <a:schemeClr val="lt1"/>
+          </a:fontRef>
+        </p:style>
+      </p:sp>
       <p:pic>
         <p:nvPicPr>
-          <p:cNvPr id="1028" name="Picture 4">
+          <p:cNvPr id="1028" name="Picture 4" descr="A close up of a map&#10;&#10;Description automatically generated">
             <a:extLst>
               <a:ext uri="{FF2B5EF4-FFF2-40B4-BE49-F238E27FC236}">
                 <a16:creationId xmlns:a16="http://schemas.microsoft.com/office/drawing/2014/main" id="{FCB61173-ECF5-4846-9CCF-BFC25AC9A49D}"/>
@@ -5335,22 +8270,21 @@
           <p:nvPr/>
         </p:nvPicPr>
         <p:blipFill>
-          <a:blip r:embed="rId3">
+          <a:blip r:embed="rId2">
             <a:extLst>
               <a:ext uri="{28A0092B-C50C-407E-A947-70E740481C1C}">
                 <a14:useLocalDpi xmlns:a14="http://schemas.microsoft.com/office/drawing/2010/main" val="0"/>
               </a:ext>
             </a:extLst>
           </a:blip>
-          <a:srcRect/>
           <a:stretch>
             <a:fillRect/>
           </a:stretch>
         </p:blipFill>
         <p:spPr bwMode="auto">
           <a:xfrm>
-            <a:off x="6500879" y="1401655"/>
-            <a:ext cx="4917851" cy="4907956"/>
+            <a:off x="5346515" y="640080"/>
+            <a:ext cx="5589085" cy="5577840"/>
           </a:xfrm>
           <a:prstGeom prst="rect">
             <a:avLst/>
@@ -5380,266 +8314,6 @@
 </p:sld>
 </file>
 
-<file path=ppt/slides/slide6.xml><?xml version="1.0" encoding="utf-8"?>
-<p:sld xmlns:a="http://schemas.openxmlformats.org/drawingml/2006/main" xmlns:r="http://schemas.openxmlformats.org/officeDocument/2006/relationships" xmlns:p="http://schemas.openxmlformats.org/presentationml/2006/main">
-  <p:cSld>
-    <p:spTree>
-      <p:nvGrpSpPr>
-        <p:cNvPr id="1" name=""/>
-        <p:cNvGrpSpPr/>
-        <p:nvPr/>
-      </p:nvGrpSpPr>
-      <p:grpSpPr>
-        <a:xfrm>
-          <a:off x="0" y="0"/>
-          <a:ext cx="0" cy="0"/>
-          <a:chOff x="0" y="0"/>
-          <a:chExt cx="0" cy="0"/>
-        </a:xfrm>
-      </p:grpSpPr>
-      <p:sp>
-        <p:nvSpPr>
-          <p:cNvPr id="4" name="Title 3">
-            <a:extLst>
-              <a:ext uri="{FF2B5EF4-FFF2-40B4-BE49-F238E27FC236}">
-                <a16:creationId xmlns:a16="http://schemas.microsoft.com/office/drawing/2014/main" id="{4250CFAC-949B-4A7F-95A7-F4A145A08529}"/>
-              </a:ext>
-            </a:extLst>
-          </p:cNvPr>
-          <p:cNvSpPr>
-            <a:spLocks noGrp="1"/>
-          </p:cNvSpPr>
-          <p:nvPr>
-            <p:ph type="title"/>
-          </p:nvPr>
-        </p:nvSpPr>
-        <p:spPr/>
-        <p:txBody>
-          <a:bodyPr/>
-          <a:lstStyle/>
-          <a:p>
-            <a:r>
-              <a:rPr lang="en-US" dirty="0"/>
-              <a:t>But do the clusters share any characteristics?</a:t>
-            </a:r>
-          </a:p>
-        </p:txBody>
-      </p:sp>
-      <p:sp>
-        <p:nvSpPr>
-          <p:cNvPr id="5" name="Text Placeholder 4">
-            <a:extLst>
-              <a:ext uri="{FF2B5EF4-FFF2-40B4-BE49-F238E27FC236}">
-                <a16:creationId xmlns:a16="http://schemas.microsoft.com/office/drawing/2014/main" id="{AD4E89EF-7FAF-4EF8-A13A-FC5240DD4720}"/>
-              </a:ext>
-            </a:extLst>
-          </p:cNvPr>
-          <p:cNvSpPr>
-            <a:spLocks noGrp="1"/>
-          </p:cNvSpPr>
-          <p:nvPr>
-            <p:ph type="body" idx="1"/>
-          </p:nvPr>
-        </p:nvSpPr>
-        <p:spPr/>
-        <p:txBody>
-          <a:bodyPr>
-            <a:normAutofit fontScale="92500" lnSpcReduction="20000"/>
-          </a:bodyPr>
-          <a:lstStyle/>
-          <a:p>
-            <a:r>
-              <a:rPr lang="en-US" dirty="0"/>
-              <a:t>How urban/rural are they? </a:t>
-            </a:r>
-          </a:p>
-          <a:p>
-            <a:r>
-              <a:rPr lang="en-US" dirty="0"/>
-              <a:t>How highly/lowly dense are they?</a:t>
-            </a:r>
-          </a:p>
-          <a:p>
-            <a:r>
-              <a:rPr lang="en-US" dirty="0"/>
-              <a:t>Differences in political lean?</a:t>
-            </a:r>
-          </a:p>
-          <a:p>
-            <a:r>
-              <a:rPr lang="en-US" dirty="0"/>
-              <a:t>Differences in 2016 voting records?</a:t>
-            </a:r>
-          </a:p>
-        </p:txBody>
-      </p:sp>
-    </p:spTree>
-    <p:extLst>
-      <p:ext uri="{BB962C8B-B14F-4D97-AF65-F5344CB8AC3E}">
-        <p14:creationId xmlns:p14="http://schemas.microsoft.com/office/powerpoint/2010/main" val="484954953"/>
-      </p:ext>
-    </p:extLst>
-  </p:cSld>
-  <p:clrMapOvr>
-    <a:masterClrMapping/>
-  </p:clrMapOvr>
-</p:sld>
-</file>
-
-<file path=ppt/slides/slide7.xml><?xml version="1.0" encoding="utf-8"?>
-<p:sld xmlns:a="http://schemas.openxmlformats.org/drawingml/2006/main" xmlns:r="http://schemas.openxmlformats.org/officeDocument/2006/relationships" xmlns:p="http://schemas.openxmlformats.org/presentationml/2006/main">
-  <p:cSld>
-    <p:spTree>
-      <p:nvGrpSpPr>
-        <p:cNvPr id="1" name=""/>
-        <p:cNvGrpSpPr/>
-        <p:nvPr/>
-      </p:nvGrpSpPr>
-      <p:grpSpPr>
-        <a:xfrm>
-          <a:off x="0" y="0"/>
-          <a:ext cx="0" cy="0"/>
-          <a:chOff x="0" y="0"/>
-          <a:chExt cx="0" cy="0"/>
-        </a:xfrm>
-      </p:grpSpPr>
-      <p:sp>
-        <p:nvSpPr>
-          <p:cNvPr id="2" name="Title 1">
-            <a:extLst>
-              <a:ext uri="{FF2B5EF4-FFF2-40B4-BE49-F238E27FC236}">
-                <a16:creationId xmlns:a16="http://schemas.microsoft.com/office/drawing/2014/main" id="{CBC4BB58-9F65-486A-B278-D4D9AF206AF7}"/>
-              </a:ext>
-            </a:extLst>
-          </p:cNvPr>
-          <p:cNvSpPr>
-            <a:spLocks noGrp="1"/>
-          </p:cNvSpPr>
-          <p:nvPr>
-            <p:ph type="title"/>
-          </p:nvPr>
-        </p:nvSpPr>
-        <p:spPr/>
-        <p:txBody>
-          <a:bodyPr/>
-          <a:lstStyle/>
-          <a:p>
-            <a:r>
-              <a:rPr lang="en-US" dirty="0"/>
-              <a:t>Results: Gaussian Mix, score: 0.17</a:t>
-            </a:r>
-          </a:p>
-        </p:txBody>
-      </p:sp>
-      <p:pic>
-        <p:nvPicPr>
-          <p:cNvPr id="3074" name="Picture 2">
-            <a:extLst>
-              <a:ext uri="{FF2B5EF4-FFF2-40B4-BE49-F238E27FC236}">
-                <a16:creationId xmlns:a16="http://schemas.microsoft.com/office/drawing/2014/main" id="{8B45131A-45EF-426D-A5AC-863BD4F5FAB6}"/>
-              </a:ext>
-            </a:extLst>
-          </p:cNvPr>
-          <p:cNvPicPr>
-            <a:picLocks noGrp="1" noChangeAspect="1" noChangeArrowheads="1"/>
-          </p:cNvPicPr>
-          <p:nvPr>
-            <p:ph idx="1"/>
-          </p:nvPr>
-        </p:nvPicPr>
-        <p:blipFill>
-          <a:blip r:embed="rId2">
-            <a:extLst>
-              <a:ext uri="{28A0092B-C50C-407E-A947-70E740481C1C}">
-                <a14:useLocalDpi xmlns:a14="http://schemas.microsoft.com/office/drawing/2010/main" val="0"/>
-              </a:ext>
-            </a:extLst>
-          </a:blip>
-          <a:srcRect/>
-          <a:stretch>
-            <a:fillRect/>
-          </a:stretch>
-        </p:blipFill>
-        <p:spPr bwMode="auto">
-          <a:xfrm>
-            <a:off x="838199" y="1690688"/>
-            <a:ext cx="4618506" cy="4527232"/>
-          </a:xfrm>
-          <a:prstGeom prst="rect">
-            <a:avLst/>
-          </a:prstGeom>
-          <a:noFill/>
-          <a:extLst>
-            <a:ext uri="{909E8E84-426E-40DD-AFC4-6F175D3DCCD1}">
-              <a14:hiddenFill xmlns:a14="http://schemas.microsoft.com/office/drawing/2010/main">
-                <a:solidFill>
-                  <a:srgbClr val="FFFFFF"/>
-                </a:solidFill>
-              </a14:hiddenFill>
-            </a:ext>
-          </a:extLst>
-        </p:spPr>
-      </p:pic>
-      <p:pic>
-        <p:nvPicPr>
-          <p:cNvPr id="3076" name="Picture 4">
-            <a:extLst>
-              <a:ext uri="{FF2B5EF4-FFF2-40B4-BE49-F238E27FC236}">
-                <a16:creationId xmlns:a16="http://schemas.microsoft.com/office/drawing/2014/main" id="{47DFA97B-155D-4726-ADDB-65C5A2BD2251}"/>
-              </a:ext>
-            </a:extLst>
-          </p:cNvPr>
-          <p:cNvPicPr>
-            <a:picLocks noChangeAspect="1" noChangeArrowheads="1"/>
-          </p:cNvPicPr>
-          <p:nvPr/>
-        </p:nvPicPr>
-        <p:blipFill>
-          <a:blip r:embed="rId3">
-            <a:extLst>
-              <a:ext uri="{28A0092B-C50C-407E-A947-70E740481C1C}">
-                <a14:useLocalDpi xmlns:a14="http://schemas.microsoft.com/office/drawing/2010/main" val="0"/>
-              </a:ext>
-            </a:extLst>
-          </a:blip>
-          <a:srcRect/>
-          <a:stretch>
-            <a:fillRect/>
-          </a:stretch>
-        </p:blipFill>
-        <p:spPr bwMode="auto">
-          <a:xfrm>
-            <a:off x="6618514" y="1492162"/>
-            <a:ext cx="4735286" cy="4725758"/>
-          </a:xfrm>
-          <a:prstGeom prst="rect">
-            <a:avLst/>
-          </a:prstGeom>
-          <a:noFill/>
-          <a:extLst>
-            <a:ext uri="{909E8E84-426E-40DD-AFC4-6F175D3DCCD1}">
-              <a14:hiddenFill xmlns:a14="http://schemas.microsoft.com/office/drawing/2010/main">
-                <a:solidFill>
-                  <a:srgbClr val="FFFFFF"/>
-                </a:solidFill>
-              </a14:hiddenFill>
-            </a:ext>
-          </a:extLst>
-        </p:spPr>
-      </p:pic>
-    </p:spTree>
-    <p:extLst>
-      <p:ext uri="{BB962C8B-B14F-4D97-AF65-F5344CB8AC3E}">
-        <p14:creationId xmlns:p14="http://schemas.microsoft.com/office/powerpoint/2010/main" val="393335937"/>
-      </p:ext>
-    </p:extLst>
-  </p:cSld>
-  <p:clrMapOvr>
-    <a:masterClrMapping/>
-  </p:clrMapOvr>
-</p:sld>
-</file>
-
 <file path=ppt/slides/slide8.xml><?xml version="1.0" encoding="utf-8"?>
 <p:sld xmlns:a="http://schemas.openxmlformats.org/drawingml/2006/main" xmlns:r="http://schemas.openxmlformats.org/officeDocument/2006/relationships" xmlns:p="http://schemas.openxmlformats.org/presentationml/2006/main">
   <p:cSld>
@@ -5659,6 +8333,114 @@
       </p:grpSpPr>
       <p:sp>
         <p:nvSpPr>
+          <p:cNvPr id="4" name="Title 3">
+            <a:extLst>
+              <a:ext uri="{FF2B5EF4-FFF2-40B4-BE49-F238E27FC236}">
+                <a16:creationId xmlns:a16="http://schemas.microsoft.com/office/drawing/2014/main" id="{4250CFAC-949B-4A7F-95A7-F4A145A08529}"/>
+              </a:ext>
+            </a:extLst>
+          </p:cNvPr>
+          <p:cNvSpPr>
+            <a:spLocks noGrp="1"/>
+          </p:cNvSpPr>
+          <p:nvPr>
+            <p:ph type="title"/>
+          </p:nvPr>
+        </p:nvSpPr>
+        <p:spPr/>
+        <p:txBody>
+          <a:bodyPr>
+            <a:normAutofit/>
+          </a:bodyPr>
+          <a:lstStyle/>
+          <a:p>
+            <a:r>
+              <a:rPr lang="en-US" dirty="0"/>
+              <a:t>But do the clusters share any characteristics?</a:t>
+            </a:r>
+          </a:p>
+        </p:txBody>
+      </p:sp>
+      <p:sp>
+        <p:nvSpPr>
+          <p:cNvPr id="5" name="Text Placeholder 4">
+            <a:extLst>
+              <a:ext uri="{FF2B5EF4-FFF2-40B4-BE49-F238E27FC236}">
+                <a16:creationId xmlns:a16="http://schemas.microsoft.com/office/drawing/2014/main" id="{AD4E89EF-7FAF-4EF8-A13A-FC5240DD4720}"/>
+              </a:ext>
+            </a:extLst>
+          </p:cNvPr>
+          <p:cNvSpPr>
+            <a:spLocks noGrp="1"/>
+          </p:cNvSpPr>
+          <p:nvPr>
+            <p:ph type="body" idx="1"/>
+          </p:nvPr>
+        </p:nvSpPr>
+        <p:spPr/>
+        <p:txBody>
+          <a:bodyPr>
+            <a:normAutofit fontScale="47500" lnSpcReduction="20000"/>
+          </a:bodyPr>
+          <a:lstStyle/>
+          <a:p>
+            <a:r>
+              <a:rPr lang="en-US" dirty="0"/>
+              <a:t>How urban/rural are they? </a:t>
+            </a:r>
+          </a:p>
+          <a:p>
+            <a:r>
+              <a:rPr lang="en-US" dirty="0"/>
+              <a:t>How highly/lowly dense are they?</a:t>
+            </a:r>
+          </a:p>
+          <a:p>
+            <a:r>
+              <a:rPr lang="en-US" dirty="0"/>
+              <a:t>Differences in political lean?</a:t>
+            </a:r>
+          </a:p>
+          <a:p>
+            <a:r>
+              <a:rPr lang="en-US" dirty="0"/>
+              <a:t>Differences in 2016 voting records?</a:t>
+            </a:r>
+          </a:p>
+        </p:txBody>
+      </p:sp>
+    </p:spTree>
+    <p:extLst>
+      <p:ext uri="{BB962C8B-B14F-4D97-AF65-F5344CB8AC3E}">
+        <p14:creationId xmlns:p14="http://schemas.microsoft.com/office/powerpoint/2010/main" val="484954953"/>
+      </p:ext>
+    </p:extLst>
+  </p:cSld>
+  <p:clrMapOvr>
+    <a:masterClrMapping/>
+  </p:clrMapOvr>
+</p:sld>
+</file>
+
+<file path=ppt/slides/slide9.xml><?xml version="1.0" encoding="utf-8"?>
+<p:sld xmlns:a="http://schemas.openxmlformats.org/drawingml/2006/main" xmlns:r="http://schemas.openxmlformats.org/officeDocument/2006/relationships" xmlns:p="http://schemas.openxmlformats.org/presentationml/2006/main">
+  <p:cSld>
+    <p:spTree>
+      <p:nvGrpSpPr>
+        <p:cNvPr id="1" name=""/>
+        <p:cNvGrpSpPr/>
+        <p:nvPr/>
+      </p:nvGrpSpPr>
+      <p:grpSpPr>
+        <a:xfrm>
+          <a:off x="0" y="0"/>
+          <a:ext cx="0" cy="0"/>
+          <a:chOff x="0" y="0"/>
+          <a:chExt cx="0" cy="0"/>
+        </a:xfrm>
+      </p:grpSpPr>
+      <p:sp>
+        <p:nvSpPr>
           <p:cNvPr id="2" name="Title 1">
             <a:extLst>
               <a:ext uri="{FF2B5EF4-FFF2-40B4-BE49-F238E27FC236}">
@@ -5675,16 +8457,25 @@
         </p:nvSpPr>
         <p:spPr/>
         <p:txBody>
-          <a:bodyPr/>
+          <a:bodyPr>
+            <a:normAutofit/>
+          </a:bodyPr>
           <a:lstStyle/>
           <a:p>
             <a:r>
               <a:rPr lang="en-US" dirty="0" err="1"/>
-              <a:t>Kmeans</a:t>
+              <a:t>KMeans</a:t>
             </a:r>
             <a:r>
               <a:rPr lang="en-US" dirty="0"/>
-              <a:t>: Rural/Urban &amp; Low/High Density </a:t>
+              <a:t>: </a:t>
+            </a:r>
+            <a:br>
+              <a:rPr lang="en-US" dirty="0"/>
+            </a:br>
+            <a:r>
+              <a:rPr lang="en-US" dirty="0"/>
+              <a:t>Rural/Urban &amp; Low/High Density </a:t>
             </a:r>
           </a:p>
         </p:txBody>
@@ -5713,15 +8504,14 @@
               </a:ext>
             </a:extLst>
           </a:blip>
-          <a:srcRect/>
           <a:stretch>
             <a:fillRect/>
           </a:stretch>
         </p:blipFill>
         <p:spPr bwMode="auto">
           <a:xfrm>
-            <a:off x="654858" y="1790790"/>
-            <a:ext cx="10882284" cy="4592592"/>
+            <a:off x="1360179" y="1846263"/>
+            <a:ext cx="9531967" cy="4022725"/>
           </a:xfrm>
           <a:prstGeom prst="rect">
             <a:avLst/>
@@ -5751,166 +8541,55 @@
 </p:sld>
 </file>
 
-<file path=ppt/slides/slide9.xml><?xml version="1.0" encoding="utf-8"?>
-<p:sld xmlns:a="http://schemas.openxmlformats.org/drawingml/2006/main" xmlns:r="http://schemas.openxmlformats.org/officeDocument/2006/relationships" xmlns:p="http://schemas.openxmlformats.org/presentationml/2006/main">
-  <p:cSld>
-    <p:spTree>
-      <p:nvGrpSpPr>
-        <p:cNvPr id="1" name=""/>
-        <p:cNvGrpSpPr/>
-        <p:nvPr/>
-      </p:nvGrpSpPr>
-      <p:grpSpPr>
-        <a:xfrm>
-          <a:off x="0" y="0"/>
-          <a:ext cx="0" cy="0"/>
-          <a:chOff x="0" y="0"/>
-          <a:chExt cx="0" cy="0"/>
-        </a:xfrm>
-      </p:grpSpPr>
-      <p:sp>
-        <p:nvSpPr>
-          <p:cNvPr id="2" name="Title 1">
-            <a:extLst>
-              <a:ext uri="{FF2B5EF4-FFF2-40B4-BE49-F238E27FC236}">
-                <a16:creationId xmlns:a16="http://schemas.microsoft.com/office/drawing/2014/main" id="{9808C9FA-1EC5-4D16-B732-912114D5F9E3}"/>
-              </a:ext>
-            </a:extLst>
-          </p:cNvPr>
-          <p:cNvSpPr>
-            <a:spLocks noGrp="1"/>
-          </p:cNvSpPr>
-          <p:nvPr>
-            <p:ph type="title"/>
-          </p:nvPr>
-        </p:nvSpPr>
-        <p:spPr/>
-        <p:txBody>
-          <a:bodyPr/>
-          <a:lstStyle/>
-          <a:p>
-            <a:r>
-              <a:rPr lang="en-US" dirty="0" err="1"/>
-              <a:t>Kmeans</a:t>
-            </a:r>
-            <a:r>
-              <a:rPr lang="en-US" dirty="0"/>
-              <a:t>: Political Leanings</a:t>
-            </a:r>
-          </a:p>
-        </p:txBody>
-      </p:sp>
-      <p:pic>
-        <p:nvPicPr>
-          <p:cNvPr id="5122" name="Picture 2">
-            <a:extLst>
-              <a:ext uri="{FF2B5EF4-FFF2-40B4-BE49-F238E27FC236}">
-                <a16:creationId xmlns:a16="http://schemas.microsoft.com/office/drawing/2014/main" id="{F0C19E11-8EBD-4630-999A-BD41A306E7FB}"/>
-              </a:ext>
-            </a:extLst>
-          </p:cNvPr>
-          <p:cNvPicPr>
-            <a:picLocks noGrp="1" noChangeAspect="1" noChangeArrowheads="1"/>
-          </p:cNvPicPr>
-          <p:nvPr>
-            <p:ph idx="1"/>
-          </p:nvPr>
-        </p:nvPicPr>
-        <p:blipFill>
-          <a:blip r:embed="rId2">
-            <a:extLst>
-              <a:ext uri="{28A0092B-C50C-407E-A947-70E740481C1C}">
-                <a14:useLocalDpi xmlns:a14="http://schemas.microsoft.com/office/drawing/2010/main" val="0"/>
-              </a:ext>
-            </a:extLst>
-          </a:blip>
-          <a:srcRect/>
-          <a:stretch>
-            <a:fillRect/>
-          </a:stretch>
-        </p:blipFill>
-        <p:spPr bwMode="auto">
-          <a:xfrm>
-            <a:off x="968897" y="1825625"/>
-            <a:ext cx="10254206" cy="4351338"/>
-          </a:xfrm>
-          <a:prstGeom prst="rect">
-            <a:avLst/>
-          </a:prstGeom>
-          <a:noFill/>
-          <a:extLst>
-            <a:ext uri="{909E8E84-426E-40DD-AFC4-6F175D3DCCD1}">
-              <a14:hiddenFill xmlns:a14="http://schemas.microsoft.com/office/drawing/2010/main">
-                <a:solidFill>
-                  <a:srgbClr val="FFFFFF"/>
-                </a:solidFill>
-              </a14:hiddenFill>
-            </a:ext>
-          </a:extLst>
-        </p:spPr>
-      </p:pic>
-    </p:spTree>
-    <p:extLst>
-      <p:ext uri="{BB962C8B-B14F-4D97-AF65-F5344CB8AC3E}">
-        <p14:creationId xmlns:p14="http://schemas.microsoft.com/office/powerpoint/2010/main" val="1430993469"/>
-      </p:ext>
-    </p:extLst>
-  </p:cSld>
-  <p:clrMapOvr>
-    <a:masterClrMapping/>
-  </p:clrMapOvr>
-</p:sld>
-</file>
-
 <file path=ppt/theme/theme1.xml><?xml version="1.0" encoding="utf-8"?>
-<a:theme xmlns:a="http://schemas.openxmlformats.org/drawingml/2006/main" name="Office Theme">
+<a:theme xmlns:a="http://schemas.openxmlformats.org/drawingml/2006/main" name="Retrospect">
   <a:themeElements>
-    <a:clrScheme name="Office">
+    <a:clrScheme name="Retrospect">
       <a:dk1>
-        <a:sysClr val="windowText" lastClr="000000"/>
+        <a:srgbClr val="000000"/>
       </a:dk1>
       <a:lt1>
         <a:sysClr val="window" lastClr="FFFFFF"/>
       </a:lt1>
       <a:dk2>
-        <a:srgbClr val="44546A"/>
+        <a:srgbClr val="637052"/>
       </a:dk2>
       <a:lt2>
-        <a:srgbClr val="E7E6E6"/>
+        <a:srgbClr val="CCDDEA"/>
       </a:lt2>
       <a:accent1>
-        <a:srgbClr val="4472C4"/>
+        <a:srgbClr val="E48312"/>
       </a:accent1>
       <a:accent2>
-        <a:srgbClr val="ED7D31"/>
+        <a:srgbClr val="BD582C"/>
       </a:accent2>
       <a:accent3>
-        <a:srgbClr val="A5A5A5"/>
+        <a:srgbClr val="865640"/>
       </a:accent3>
       <a:accent4>
-        <a:srgbClr val="FFC000"/>
+        <a:srgbClr val="9B8357"/>
       </a:accent4>
       <a:accent5>
-        <a:srgbClr val="5B9BD5"/>
+        <a:srgbClr val="C2BC80"/>
       </a:accent5>
       <a:accent6>
-        <a:srgbClr val="70AD47"/>
+        <a:srgbClr val="94A088"/>
       </a:accent6>
       <a:hlink>
-        <a:srgbClr val="0563C1"/>
+        <a:srgbClr val="2998E3"/>
       </a:hlink>
       <a:folHlink>
-        <a:srgbClr val="954F72"/>
+        <a:srgbClr val="8C8C8C"/>
       </a:folHlink>
     </a:clrScheme>
-    <a:fontScheme name="Office">
+    <a:fontScheme name="Retrospect">
       <a:majorFont>
         <a:latin typeface="Calibri Light" panose="020F0302020204030204"/>
         <a:ea typeface=""/>
         <a:cs typeface=""/>
-        <a:font script="Jpan" typeface="游ゴシック Light"/>
+        <a:font script="Jpan" typeface="ＭＳ Ｐゴシック"/>
         <a:font script="Hang" typeface="맑은 고딕"/>
-        <a:font script="Hans" typeface="等线 Light"/>
+        <a:font script="Hans" typeface="宋体"/>
         <a:font script="Hant" typeface="新細明體"/>
         <a:font script="Arab" typeface="Times New Roman"/>
         <a:font script="Hebr" typeface="Times New Roman"/>
@@ -5938,31 +8617,14 @@
         <a:font script="Viet" typeface="Times New Roman"/>
         <a:font script="Uigh" typeface="Microsoft Uighur"/>
         <a:font script="Geor" typeface="Sylfaen"/>
-        <a:font script="Armn" typeface="Arial"/>
-        <a:font script="Bugi" typeface="Leelawadee UI"/>
-        <a:font script="Bopo" typeface="Microsoft JhengHei"/>
-        <a:font script="Java" typeface="Javanese Text"/>
-        <a:font script="Lisu" typeface="Segoe UI"/>
-        <a:font script="Mymr" typeface="Myanmar Text"/>
-        <a:font script="Nkoo" typeface="Ebrima"/>
-        <a:font script="Olck" typeface="Nirmala UI"/>
-        <a:font script="Osma" typeface="Ebrima"/>
-        <a:font script="Phag" typeface="Phagspa"/>
-        <a:font script="Syrn" typeface="Estrangelo Edessa"/>
-        <a:font script="Syrj" typeface="Estrangelo Edessa"/>
-        <a:font script="Syre" typeface="Estrangelo Edessa"/>
-        <a:font script="Sora" typeface="Nirmala UI"/>
-        <a:font script="Tale" typeface="Microsoft Tai Le"/>
-        <a:font script="Talu" typeface="Microsoft New Tai Lue"/>
-        <a:font script="Tfng" typeface="Ebrima"/>
       </a:majorFont>
       <a:minorFont>
         <a:latin typeface="Calibri" panose="020F0502020204030204"/>
         <a:ea typeface=""/>
         <a:cs typeface=""/>
-        <a:font script="Jpan" typeface="游ゴシック"/>
+        <a:font script="Jpan" typeface="ＭＳ Ｐゴシック"/>
         <a:font script="Hang" typeface="맑은 고딕"/>
-        <a:font script="Hans" typeface="等线"/>
+        <a:font script="Hans" typeface="宋体"/>
         <a:font script="Hant" typeface="新細明體"/>
         <a:font script="Arab" typeface="Arial"/>
         <a:font script="Hebr" typeface="Arial"/>
@@ -5990,26 +8652,9 @@
         <a:font script="Viet" typeface="Arial"/>
         <a:font script="Uigh" typeface="Microsoft Uighur"/>
         <a:font script="Geor" typeface="Sylfaen"/>
-        <a:font script="Armn" typeface="Arial"/>
-        <a:font script="Bugi" typeface="Leelawadee UI"/>
-        <a:font script="Bopo" typeface="Microsoft JhengHei"/>
-        <a:font script="Java" typeface="Javanese Text"/>
-        <a:font script="Lisu" typeface="Segoe UI"/>
-        <a:font script="Mymr" typeface="Myanmar Text"/>
-        <a:font script="Nkoo" typeface="Ebrima"/>
-        <a:font script="Olck" typeface="Nirmala UI"/>
-        <a:font script="Osma" typeface="Ebrima"/>
-        <a:font script="Phag" typeface="Phagspa"/>
-        <a:font script="Syrn" typeface="Estrangelo Edessa"/>
-        <a:font script="Syrj" typeface="Estrangelo Edessa"/>
-        <a:font script="Syre" typeface="Estrangelo Edessa"/>
-        <a:font script="Sora" typeface="Nirmala UI"/>
-        <a:font script="Tale" typeface="Microsoft Tai Le"/>
-        <a:font script="Talu" typeface="Microsoft New Tai Lue"/>
-        <a:font script="Tfng" typeface="Ebrima"/>
       </a:minorFont>
     </a:fontScheme>
-    <a:fmtScheme name="Office">
+    <a:fmtScheme name="Retrospect">
       <a:fillStyleLst>
         <a:solidFill>
           <a:schemeClr val="phClr"/>
@@ -6018,76 +8663,81 @@
           <a:gsLst>
             <a:gs pos="0">
               <a:schemeClr val="phClr">
-                <a:lumMod val="110000"/>
-                <a:satMod val="105000"/>
-                <a:tint val="67000"/>
+                <a:tint val="65000"/>
+                <a:shade val="92000"/>
+                <a:satMod val="130000"/>
               </a:schemeClr>
             </a:gs>
-            <a:gs pos="50000">
+            <a:gs pos="45000">
               <a:schemeClr val="phClr">
-                <a:lumMod val="105000"/>
-                <a:satMod val="103000"/>
-                <a:tint val="73000"/>
+                <a:tint val="60000"/>
+                <a:shade val="99000"/>
+                <a:satMod val="120000"/>
               </a:schemeClr>
             </a:gs>
             <a:gs pos="100000">
               <a:schemeClr val="phClr">
-                <a:lumMod val="105000"/>
-                <a:satMod val="109000"/>
-                <a:tint val="81000"/>
+                <a:tint val="55000"/>
+                <a:satMod val="140000"/>
               </a:schemeClr>
             </a:gs>
           </a:gsLst>
-          <a:lin ang="5400000" scaled="0"/>
+          <a:path path="circle">
+            <a:fillToRect l="100000" t="100000" r="100000" b="100000"/>
+          </a:path>
         </a:gradFill>
         <a:gradFill rotWithShape="1">
           <a:gsLst>
             <a:gs pos="0">
               <a:schemeClr val="phClr">
-                <a:satMod val="103000"/>
-                <a:lumMod val="102000"/>
-                <a:tint val="94000"/>
+                <a:shade val="85000"/>
+                <a:satMod val="130000"/>
               </a:schemeClr>
             </a:gs>
-            <a:gs pos="50000">
+            <a:gs pos="34000">
               <a:schemeClr val="phClr">
-                <a:satMod val="110000"/>
-                <a:lumMod val="100000"/>
-                <a:shade val="100000"/>
+                <a:shade val="87000"/>
+                <a:satMod val="125000"/>
+              </a:schemeClr>
+            </a:gs>
+            <a:gs pos="70000">
+              <a:schemeClr val="phClr">
+                <a:tint val="100000"/>
+                <a:shade val="90000"/>
+                <a:satMod val="130000"/>
               </a:schemeClr>
             </a:gs>
             <a:gs pos="100000">
               <a:schemeClr val="phClr">
-                <a:lumMod val="99000"/>
-                <a:satMod val="120000"/>
-                <a:shade val="78000"/>
+                <a:tint val="100000"/>
+                <a:shade val="100000"/>
+                <a:satMod val="110000"/>
               </a:schemeClr>
             </a:gs>
           </a:gsLst>
-          <a:lin ang="5400000" scaled="0"/>
+          <a:path path="circle">
+            <a:fillToRect l="100000" t="100000" r="100000" b="100000"/>
+          </a:path>
         </a:gradFill>
       </a:fillStyleLst>
       <a:lnStyleLst>
-        <a:ln w="6350" cap="flat" cmpd="sng" algn="ctr">
-          <a:solidFill>
-            <a:schemeClr val="phClr"/>
-          </a:solidFill>
-          <a:prstDash val="solid"/>
-          <a:miter lim="800000"/>
-        </a:ln>
         <a:ln w="12700" cap="flat" cmpd="sng" algn="ctr">
           <a:solidFill>
             <a:schemeClr val="phClr"/>
           </a:solidFill>
           <a:prstDash val="solid"/>
-          <a:miter lim="800000"/>
         </a:ln>
-        <a:ln w="19050" cap="flat" cmpd="sng" algn="ctr">
+        <a:ln w="15875" cap="flat" cmpd="sng" algn="ctr">
           <a:solidFill>
             <a:schemeClr val="phClr"/>
           </a:solidFill>
           <a:prstDash val="solid"/>
-          <a:miter lim="800000"/>
+        </a:ln>
+        <a:ln w="25400" cap="flat" cmpd="sng" algn="ctr">
+          <a:solidFill>
+            <a:schemeClr val="phClr"/>
+          </a:solidFill>
+          <a:prstDash val="solid"/>
         </a:ln>
       </a:lnStyleLst>
       <a:effectStyleLst>
@@ -6095,16 +8745,33 @@
           <a:effectLst/>
         </a:effectStyle>
         <a:effectStyle>
-          <a:effectLst/>
+          <a:effectLst>
+            <a:outerShdw blurRad="38100" dist="25400" dir="2700000" algn="br" rotWithShape="0">
+              <a:srgbClr val="000000">
+                <a:alpha val="60000"/>
+              </a:srgbClr>
+            </a:outerShdw>
+          </a:effectLst>
         </a:effectStyle>
         <a:effectStyle>
           <a:effectLst>
-            <a:outerShdw blurRad="57150" dist="19050" dir="5400000" algn="ctr" rotWithShape="0">
+            <a:outerShdw blurRad="44450" dist="25400" dir="2700000" algn="br" rotWithShape="0">
               <a:srgbClr val="000000">
-                <a:alpha val="63000"/>
+                <a:alpha val="60000"/>
               </a:srgbClr>
             </a:outerShdw>
           </a:effectLst>
+          <a:scene3d>
+            <a:camera prst="orthographicFront">
+              <a:rot lat="0" lon="0" rev="0"/>
+            </a:camera>
+            <a:lightRig rig="threePt" dir="t">
+              <a:rot lat="0" lon="0" rev="19800000"/>
+            </a:lightRig>
+          </a:scene3d>
+          <a:sp3d prstMaterial="flat">
+            <a:bevelT w="25400" h="31750"/>
+          </a:sp3d>
         </a:effectStyle>
       </a:effectStyleLst>
       <a:bgFillStyleLst>
@@ -6113,36 +8780,36 @@
         </a:solidFill>
         <a:solidFill>
           <a:schemeClr val="phClr">
-            <a:tint val="95000"/>
-            <a:satMod val="170000"/>
+            <a:tint val="90000"/>
+            <a:shade val="97000"/>
+            <a:satMod val="130000"/>
           </a:schemeClr>
         </a:solidFill>
         <a:gradFill rotWithShape="1">
           <a:gsLst>
             <a:gs pos="0">
               <a:schemeClr val="phClr">
-                <a:tint val="93000"/>
-                <a:satMod val="150000"/>
-                <a:shade val="98000"/>
-                <a:lumMod val="102000"/>
+                <a:tint val="96000"/>
+                <a:shade val="99000"/>
+                <a:satMod val="140000"/>
               </a:schemeClr>
             </a:gs>
-            <a:gs pos="50000">
+            <a:gs pos="65000">
               <a:schemeClr val="phClr">
-                <a:tint val="98000"/>
+                <a:tint val="100000"/>
+                <a:shade val="80000"/>
                 <a:satMod val="130000"/>
-                <a:shade val="90000"/>
-                <a:lumMod val="103000"/>
               </a:schemeClr>
             </a:gs>
             <a:gs pos="100000">
               <a:schemeClr val="phClr">
-                <a:shade val="63000"/>
+                <a:tint val="100000"/>
+                <a:shade val="48000"/>
                 <a:satMod val="120000"/>
               </a:schemeClr>
             </a:gs>
           </a:gsLst>
-          <a:lin ang="5400000" scaled="0"/>
+          <a:lin ang="16200000" scaled="0"/>
         </a:gradFill>
       </a:bgFillStyleLst>
     </a:fmtScheme>
@@ -6151,7 +8818,7 @@
   <a:extraClrSchemeLst/>
   <a:extLst>
     <a:ext uri="{05A4C25C-085E-4340-85A3-A5531E510DB2}">
-      <thm15:themeFamily xmlns:thm15="http://schemas.microsoft.com/office/thememl/2012/main" name="Office Theme" id="{62F939B6-93AF-4DB8-9C6B-D6C7DFDC589F}" vid="{4A3C46E8-61CC-4603-A589-7422A47A8E4A}"/>
+      <thm15:themeFamily xmlns:thm15="http://schemas.microsoft.com/office/thememl/2012/main" name="Retrospect" id="{5F128B03-DCCA-4EEB-AB3B-CF2899314A46}" vid="{3F1AAB62-24C6-49D2-8E01-B56FAC9A3DCD}"/>
     </a:ext>
   </a:extLst>
 </a:theme>
